--- a/Module_two/Module_2_Template_slide.pptx
+++ b/Module_two/Module_2_Template_slide.pptx
@@ -2,22 +2,29 @@
 <file path=ppt/presentation.xml><?xml version="1.0" encoding="utf-8"?>
 <p:presentation xmlns:a="http://schemas.openxmlformats.org/drawingml/2006/main" xmlns:r="http://schemas.openxmlformats.org/officeDocument/2006/relationships" xmlns:p="http://schemas.openxmlformats.org/presentationml/2006/main">
   <p:sldMasterIdLst>
-    <p:sldMasterId id="2147483648" r:id="rId5"/>
+    <p:sldMasterId id="2147483648" r:id="rId1"/>
   </p:sldMasterIdLst>
   <p:notesMasterIdLst>
-    <p:notesMasterId r:id="rId7"/>
+    <p:notesMasterId r:id="rId17"/>
   </p:notesMasterIdLst>
   <p:sldIdLst>
-    <p:sldId id="256" r:id="rId8"/>
-    <p:sldId id="257" r:id="rId9"/>
-    <p:sldId id="258" r:id="rId10"/>
-    <p:sldId id="259" r:id="rId11"/>
-    <p:sldId id="260" r:id="rId12"/>
-    <p:sldId id="261" r:id="rId13"/>
-    <p:sldId id="262" r:id="rId14"/>
-    <p:sldId id="263" r:id="rId15"/>
+    <p:sldId id="256" r:id="rId2"/>
+    <p:sldId id="257" r:id="rId3"/>
+    <p:sldId id="258" r:id="rId4"/>
+    <p:sldId id="259" r:id="rId5"/>
+    <p:sldId id="264" r:id="rId6"/>
+    <p:sldId id="265" r:id="rId7"/>
+    <p:sldId id="266" r:id="rId8"/>
+    <p:sldId id="267" r:id="rId9"/>
+    <p:sldId id="268" r:id="rId10"/>
+    <p:sldId id="260" r:id="rId11"/>
+    <p:sldId id="261" r:id="rId12"/>
+    <p:sldId id="269" r:id="rId13"/>
+    <p:sldId id="270" r:id="rId14"/>
+    <p:sldId id="271" r:id="rId15"/>
+    <p:sldId id="262" r:id="rId16"/>
   </p:sldIdLst>
-  <p:sldSz cx="9144000" cy="5143500"/>
+  <p:sldSz cx="9144000" cy="5143500" type="screen16x9"/>
   <p:notesSz cx="6858000" cy="9144000"/>
   <p:defaultTextStyle>
     <a:defPPr marL="0" marR="0" indent="0" algn="l" defTabSz="914400" rtl="0" fontAlgn="auto" latinLnBrk="1" hangingPunct="0">
@@ -35,7 +42,7 @@
       <a:buFontTx/>
       <a:buNone/>
       <a:tabLst/>
-      <a:defRPr b="0" baseline="0" cap="none" i="0" spc="0" strike="noStrike" sz="1800" u="none" kumimoji="0" normalizeH="0">
+      <a:defRPr kumimoji="0" sz="1800" b="0" i="0" u="none" strike="noStrike" cap="none" spc="0" normalizeH="0" baseline="0">
         <a:ln>
           <a:noFill/>
         </a:ln>
@@ -61,7 +68,7 @@
       <a:buFontTx/>
       <a:buNone/>
       <a:tabLst/>
-      <a:defRPr b="0" baseline="0" cap="none" i="0" spc="0" strike="noStrike" sz="1400" u="none" kumimoji="0" normalizeH="0">
+      <a:defRPr kumimoji="0" sz="1400" b="0" i="0" u="none" strike="noStrike" cap="none" spc="0" normalizeH="0" baseline="0">
         <a:ln>
           <a:noFill/>
         </a:ln>
@@ -91,7 +98,7 @@
       <a:buFontTx/>
       <a:buNone/>
       <a:tabLst/>
-      <a:defRPr b="0" baseline="0" cap="none" i="0" spc="0" strike="noStrike" sz="1400" u="none" kumimoji="0" normalizeH="0">
+      <a:defRPr kumimoji="0" sz="1400" b="0" i="0" u="none" strike="noStrike" cap="none" spc="0" normalizeH="0" baseline="0">
         <a:ln>
           <a:noFill/>
         </a:ln>
@@ -121,7 +128,7 @@
       <a:buFontTx/>
       <a:buNone/>
       <a:tabLst/>
-      <a:defRPr b="0" baseline="0" cap="none" i="0" spc="0" strike="noStrike" sz="1400" u="none" kumimoji="0" normalizeH="0">
+      <a:defRPr kumimoji="0" sz="1400" b="0" i="0" u="none" strike="noStrike" cap="none" spc="0" normalizeH="0" baseline="0">
         <a:ln>
           <a:noFill/>
         </a:ln>
@@ -151,7 +158,7 @@
       <a:buFontTx/>
       <a:buNone/>
       <a:tabLst/>
-      <a:defRPr b="0" baseline="0" cap="none" i="0" spc="0" strike="noStrike" sz="1400" u="none" kumimoji="0" normalizeH="0">
+      <a:defRPr kumimoji="0" sz="1400" b="0" i="0" u="none" strike="noStrike" cap="none" spc="0" normalizeH="0" baseline="0">
         <a:ln>
           <a:noFill/>
         </a:ln>
@@ -181,7 +188,7 @@
       <a:buFontTx/>
       <a:buNone/>
       <a:tabLst/>
-      <a:defRPr b="0" baseline="0" cap="none" i="0" spc="0" strike="noStrike" sz="1400" u="none" kumimoji="0" normalizeH="0">
+      <a:defRPr kumimoji="0" sz="1400" b="0" i="0" u="none" strike="noStrike" cap="none" spc="0" normalizeH="0" baseline="0">
         <a:ln>
           <a:noFill/>
         </a:ln>
@@ -211,7 +218,7 @@
       <a:buFontTx/>
       <a:buNone/>
       <a:tabLst/>
-      <a:defRPr b="0" baseline="0" cap="none" i="0" spc="0" strike="noStrike" sz="1400" u="none" kumimoji="0" normalizeH="0">
+      <a:defRPr kumimoji="0" sz="1400" b="0" i="0" u="none" strike="noStrike" cap="none" spc="0" normalizeH="0" baseline="0">
         <a:ln>
           <a:noFill/>
         </a:ln>
@@ -241,7 +248,7 @@
       <a:buFontTx/>
       <a:buNone/>
       <a:tabLst/>
-      <a:defRPr b="0" baseline="0" cap="none" i="0" spc="0" strike="noStrike" sz="1400" u="none" kumimoji="0" normalizeH="0">
+      <a:defRPr kumimoji="0" sz="1400" b="0" i="0" u="none" strike="noStrike" cap="none" spc="0" normalizeH="0" baseline="0">
         <a:ln>
           <a:noFill/>
         </a:ln>
@@ -271,7 +278,7 @@
       <a:buFontTx/>
       <a:buNone/>
       <a:tabLst/>
-      <a:defRPr b="0" baseline="0" cap="none" i="0" spc="0" strike="noStrike" sz="1400" u="none" kumimoji="0" normalizeH="0">
+      <a:defRPr kumimoji="0" sz="1400" b="0" i="0" u="none" strike="noStrike" cap="none" spc="0" normalizeH="0" baseline="0">
         <a:ln>
           <a:noFill/>
         </a:ln>
@@ -301,7 +308,7 @@
       <a:buFontTx/>
       <a:buNone/>
       <a:tabLst/>
-      <a:defRPr b="0" baseline="0" cap="none" i="0" spc="0" strike="noStrike" sz="1400" u="none" kumimoji="0" normalizeH="0">
+      <a:defRPr kumimoji="0" sz="1400" b="0" i="0" u="none" strike="noStrike" cap="none" spc="0" normalizeH="0" baseline="0">
         <a:ln>
           <a:noFill/>
         </a:ln>
@@ -320,13 +327,14 @@
 </p:presentation>
 </file>
 
-<file path=ppt/commentAuthors.xml><?xml version="1.0" encoding="utf-8"?>
-<p:cmAuthorLst xmlns:a="http://schemas.openxmlformats.org/drawingml/2006/main" xmlns:r="http://schemas.openxmlformats.org/officeDocument/2006/relationships" xmlns:p="http://schemas.openxmlformats.org/presentationml/2006/main"/>
-</file>
-
 <file path=ppt/notesMasters/notesMaster1.xml><?xml version="1.0" encoding="utf-8"?>
 <p:notesMaster xmlns:a="http://schemas.openxmlformats.org/drawingml/2006/main" xmlns:r="http://schemas.openxmlformats.org/officeDocument/2006/relationships" xmlns:p="http://schemas.openxmlformats.org/presentationml/2006/main">
   <p:cSld>
+    <p:bg>
+      <p:bgRef idx="1001">
+        <a:schemeClr val="bg1"/>
+      </p:bgRef>
+    </p:bg>
     <p:spTree>
       <p:nvGrpSpPr>
         <p:cNvPr id="1" name=""/>
@@ -344,7 +352,9 @@
       <p:sp>
         <p:nvSpPr>
           <p:cNvPr id="106" name="Shape 106"/>
-          <p:cNvSpPr/>
+          <p:cNvSpPr>
+            <a:spLocks noGrp="1" noRot="1" noChangeAspect="1"/>
+          </p:cNvSpPr>
           <p:nvPr>
             <p:ph type="sldImg"/>
           </p:nvPr>
@@ -362,14 +372,16 @@
           <a:bodyPr/>
           <a:lstStyle/>
           <a:p>
-            <a:pPr/>
+            <a:endParaRPr/>
           </a:p>
         </p:txBody>
       </p:sp>
       <p:sp>
         <p:nvSpPr>
           <p:cNvPr id="107" name="Shape 107"/>
-          <p:cNvSpPr/>
+          <p:cNvSpPr>
+            <a:spLocks noGrp="1"/>
+          </p:cNvSpPr>
           <p:nvPr>
             <p:ph type="body" sz="quarter" idx="1"/>
           </p:nvPr>
@@ -387,7 +399,7 @@
           <a:bodyPr/>
           <a:lstStyle/>
           <a:p>
-            <a:pPr/>
+            <a:endParaRPr/>
           </a:p>
         </p:txBody>
       </p:sp>
@@ -471,8 +483,74 @@
 </p:notesMaster>
 </file>
 
+<file path=ppt/notesSlides/notesSlide1.xml><?xml version="1.0" encoding="utf-8"?>
+<p:notes xmlns:a="http://schemas.openxmlformats.org/drawingml/2006/main" xmlns:r="http://schemas.openxmlformats.org/officeDocument/2006/relationships" xmlns:p="http://schemas.openxmlformats.org/presentationml/2006/main">
+  <p:cSld>
+    <p:spTree>
+      <p:nvGrpSpPr>
+        <p:cNvPr id="1" name=""/>
+        <p:cNvGrpSpPr/>
+        <p:nvPr/>
+      </p:nvGrpSpPr>
+      <p:grpSpPr>
+        <a:xfrm>
+          <a:off x="0" y="0"/>
+          <a:ext cx="0" cy="0"/>
+          <a:chOff x="0" y="0"/>
+          <a:chExt cx="0" cy="0"/>
+        </a:xfrm>
+      </p:grpSpPr>
+      <p:sp>
+        <p:nvSpPr>
+          <p:cNvPr id="2" name="Slide Image Placeholder 1"/>
+          <p:cNvSpPr>
+            <a:spLocks noGrp="1" noRot="1" noChangeAspect="1"/>
+          </p:cNvSpPr>
+          <p:nvPr>
+            <p:ph type="sldImg"/>
+          </p:nvPr>
+        </p:nvSpPr>
+        <p:spPr>
+          <a:xfrm>
+            <a:off x="381000" y="685800"/>
+            <a:ext cx="6096000" cy="3429000"/>
+          </a:xfrm>
+        </p:spPr>
+      </p:sp>
+      <p:sp>
+        <p:nvSpPr>
+          <p:cNvPr id="3" name="Notes Placeholder 2"/>
+          <p:cNvSpPr>
+            <a:spLocks noGrp="1"/>
+          </p:cNvSpPr>
+          <p:nvPr>
+            <p:ph type="body" idx="1"/>
+          </p:nvPr>
+        </p:nvSpPr>
+        <p:spPr/>
+        <p:txBody>
+          <a:bodyPr/>
+          <a:lstStyle/>
+          <a:p>
+            <a:endParaRPr lang="en-CA" dirty="0"/>
+          </a:p>
+        </p:txBody>
+      </p:sp>
+    </p:spTree>
+    <p:extLst>
+      <p:ext uri="{BB962C8B-B14F-4D97-AF65-F5344CB8AC3E}">
+        <p14:creationId xmlns:p14="http://schemas.microsoft.com/office/powerpoint/2010/main" val="526824569"/>
+      </p:ext>
+    </p:extLst>
+  </p:cSld>
+  <p:clrMapOvr>
+    <a:masterClrMapping/>
+  </p:clrMapOvr>
+</p:notes>
+</file>
+
 <file path=ppt/slideLayouts/slideLayout1.xml><?xml version="1.0" encoding="utf-8"?>
-<p:sldLayout xmlns:a="http://schemas.openxmlformats.org/drawingml/2006/main" xmlns:r="http://schemas.openxmlformats.org/officeDocument/2006/relationships" xmlns:p="http://schemas.openxmlformats.org/presentationml/2006/main" type="title" showMasterSp="1" showMasterPhAnim="1">
+<p:sldLayout xmlns:a="http://schemas.openxmlformats.org/drawingml/2006/main" xmlns:r="http://schemas.openxmlformats.org/officeDocument/2006/relationships" xmlns:p="http://schemas.openxmlformats.org/presentationml/2006/main" type="title">
   <p:cSld name="TITLE">
     <p:spTree>
       <p:nvGrpSpPr>
@@ -491,7 +569,9 @@
       <p:sp>
         <p:nvSpPr>
           <p:cNvPr id="11" name="Title Text"/>
-          <p:cNvSpPr/>
+          <p:cNvSpPr>
+            <a:spLocks noGrp="1"/>
+          </p:cNvSpPr>
           <p:nvPr>
             <p:ph type="title"/>
           </p:nvPr>
@@ -513,7 +593,6 @@
             </a:lvl1pPr>
           </a:lstStyle>
           <a:p>
-            <a:pPr/>
             <a:r>
               <a:t>Title Text</a:t>
             </a:r>
@@ -523,7 +602,9 @@
       <p:sp>
         <p:nvSpPr>
           <p:cNvPr id="12" name="Body Level One…"/>
-          <p:cNvSpPr/>
+          <p:cNvSpPr>
+            <a:spLocks noGrp="1"/>
+          </p:cNvSpPr>
           <p:nvPr>
             <p:ph type="body" sz="quarter" idx="1"/>
           </p:nvPr>
@@ -592,7 +673,6 @@
             </a:lvl5pPr>
           </a:lstStyle>
           <a:p>
-            <a:pPr/>
             <a:r>
               <a:t>Body Level One</a:t>
             </a:r>
@@ -626,7 +706,9 @@
       <p:sp>
         <p:nvSpPr>
           <p:cNvPr id="13" name="Slide Number"/>
-          <p:cNvSpPr/>
+          <p:cNvSpPr>
+            <a:spLocks noGrp="1"/>
+          </p:cNvSpPr>
           <p:nvPr>
             <p:ph type="sldNum" sz="quarter" idx="2"/>
           </p:nvPr>
@@ -640,8 +722,10 @@
           <a:bodyPr/>
           <a:lstStyle/>
           <a:p>
-            <a:pPr/>
-            <a:fld id="{86CB4B4D-7CA3-9044-876B-883B54F8677D}" type="slidenum"/>
+            <a:fld id="{86CB4B4D-7CA3-9044-876B-883B54F8677D}" type="slidenum">
+              <a:t>‹#›</a:t>
+            </a:fld>
+            <a:endParaRPr/>
           </a:p>
         </p:txBody>
       </p:sp>
@@ -650,12 +734,12 @@
   <p:clrMapOvr>
     <a:masterClrMapping/>
   </p:clrMapOvr>
-  <p:transition xmlns:p14="http://schemas.microsoft.com/office/powerpoint/2010/main" spd="med" advClick="1"/>
+  <p:transition spd="med"/>
 </p:sldLayout>
 </file>
 
 <file path=ppt/slideLayouts/slideLayout10.xml><?xml version="1.0" encoding="utf-8"?>
-<p:sldLayout xmlns:a="http://schemas.openxmlformats.org/drawingml/2006/main" xmlns:r="http://schemas.openxmlformats.org/officeDocument/2006/relationships" xmlns:p="http://schemas.openxmlformats.org/presentationml/2006/main" type="tx" showMasterSp="1" showMasterPhAnim="1">
+<p:sldLayout xmlns:a="http://schemas.openxmlformats.org/drawingml/2006/main" xmlns:r="http://schemas.openxmlformats.org/officeDocument/2006/relationships" xmlns:p="http://schemas.openxmlformats.org/presentationml/2006/main" type="tx">
   <p:cSld name="BIG_NUMBER">
     <p:spTree>
       <p:nvGrpSpPr>
@@ -674,7 +758,9 @@
       <p:sp>
         <p:nvSpPr>
           <p:cNvPr id="91" name="Title Text"/>
-          <p:cNvSpPr/>
+          <p:cNvSpPr>
+            <a:spLocks noGrp="1"/>
+          </p:cNvSpPr>
           <p:nvPr>
             <p:ph type="title"/>
           </p:nvPr>
@@ -696,7 +782,6 @@
             </a:lvl1pPr>
           </a:lstStyle>
           <a:p>
-            <a:pPr/>
             <a:r>
               <a:t>Title Text</a:t>
             </a:r>
@@ -706,7 +791,9 @@
       <p:sp>
         <p:nvSpPr>
           <p:cNvPr id="92" name="Body Level One…"/>
-          <p:cNvSpPr/>
+          <p:cNvSpPr>
+            <a:spLocks noGrp="1"/>
+          </p:cNvSpPr>
           <p:nvPr>
             <p:ph type="body" sz="half" idx="1"/>
           </p:nvPr>
@@ -730,7 +817,6 @@
             <a:lvl5pPr algn="ctr"/>
           </a:lstStyle>
           <a:p>
-            <a:pPr/>
             <a:r>
               <a:t>Body Level One</a:t>
             </a:r>
@@ -764,7 +850,9 @@
       <p:sp>
         <p:nvSpPr>
           <p:cNvPr id="93" name="Slide Number"/>
-          <p:cNvSpPr/>
+          <p:cNvSpPr>
+            <a:spLocks noGrp="1"/>
+          </p:cNvSpPr>
           <p:nvPr>
             <p:ph type="sldNum" sz="quarter" idx="2"/>
           </p:nvPr>
@@ -778,8 +866,10 @@
           <a:bodyPr/>
           <a:lstStyle/>
           <a:p>
-            <a:pPr/>
-            <a:fld id="{86CB4B4D-7CA3-9044-876B-883B54F8677D}" type="slidenum"/>
+            <a:fld id="{86CB4B4D-7CA3-9044-876B-883B54F8677D}" type="slidenum">
+              <a:t>‹#›</a:t>
+            </a:fld>
+            <a:endParaRPr/>
           </a:p>
         </p:txBody>
       </p:sp>
@@ -788,12 +878,12 @@
   <p:clrMapOvr>
     <a:masterClrMapping/>
   </p:clrMapOvr>
-  <p:transition xmlns:p14="http://schemas.microsoft.com/office/powerpoint/2010/main" spd="med" advClick="1"/>
+  <p:transition spd="med"/>
 </p:sldLayout>
 </file>
 
 <file path=ppt/slideLayouts/slideLayout11.xml><?xml version="1.0" encoding="utf-8"?>
-<p:sldLayout xmlns:a="http://schemas.openxmlformats.org/drawingml/2006/main" xmlns:r="http://schemas.openxmlformats.org/officeDocument/2006/relationships" xmlns:p="http://schemas.openxmlformats.org/presentationml/2006/main" type="tx" showMasterSp="1" showMasterPhAnim="1">
+<p:sldLayout xmlns:a="http://schemas.openxmlformats.org/drawingml/2006/main" xmlns:r="http://schemas.openxmlformats.org/officeDocument/2006/relationships" xmlns:p="http://schemas.openxmlformats.org/presentationml/2006/main" type="tx">
   <p:cSld name="BLANK">
     <p:spTree>
       <p:nvGrpSpPr>
@@ -812,7 +902,9 @@
       <p:sp>
         <p:nvSpPr>
           <p:cNvPr id="100" name="Slide Number"/>
-          <p:cNvSpPr/>
+          <p:cNvSpPr>
+            <a:spLocks noGrp="1"/>
+          </p:cNvSpPr>
           <p:nvPr>
             <p:ph type="sldNum" sz="quarter" idx="2"/>
           </p:nvPr>
@@ -826,8 +918,10 @@
           <a:bodyPr/>
           <a:lstStyle/>
           <a:p>
-            <a:pPr/>
-            <a:fld id="{86CB4B4D-7CA3-9044-876B-883B54F8677D}" type="slidenum"/>
+            <a:fld id="{86CB4B4D-7CA3-9044-876B-883B54F8677D}" type="slidenum">
+              <a:t>‹#›</a:t>
+            </a:fld>
+            <a:endParaRPr/>
           </a:p>
         </p:txBody>
       </p:sp>
@@ -836,12 +930,12 @@
   <p:clrMapOvr>
     <a:masterClrMapping/>
   </p:clrMapOvr>
-  <p:transition xmlns:p14="http://schemas.microsoft.com/office/powerpoint/2010/main" spd="med" advClick="1"/>
+  <p:transition spd="med"/>
 </p:sldLayout>
 </file>
 
 <file path=ppt/slideLayouts/slideLayout2.xml><?xml version="1.0" encoding="utf-8"?>
-<p:sldLayout xmlns:a="http://schemas.openxmlformats.org/drawingml/2006/main" xmlns:r="http://schemas.openxmlformats.org/officeDocument/2006/relationships" xmlns:p="http://schemas.openxmlformats.org/presentationml/2006/main" type="tx" showMasterSp="1" showMasterPhAnim="1">
+<p:sldLayout xmlns:a="http://schemas.openxmlformats.org/drawingml/2006/main" xmlns:r="http://schemas.openxmlformats.org/officeDocument/2006/relationships" xmlns:p="http://schemas.openxmlformats.org/presentationml/2006/main" type="tx">
   <p:cSld name="SECTION_HEADER">
     <p:spTree>
       <p:nvGrpSpPr>
@@ -860,7 +954,9 @@
       <p:sp>
         <p:nvSpPr>
           <p:cNvPr id="20" name="Title Text"/>
-          <p:cNvSpPr/>
+          <p:cNvSpPr>
+            <a:spLocks noGrp="1"/>
+          </p:cNvSpPr>
           <p:nvPr>
             <p:ph type="title"/>
           </p:nvPr>
@@ -882,7 +978,6 @@
             </a:lvl1pPr>
           </a:lstStyle>
           <a:p>
-            <a:pPr/>
             <a:r>
               <a:t>Title Text</a:t>
             </a:r>
@@ -892,7 +987,9 @@
       <p:sp>
         <p:nvSpPr>
           <p:cNvPr id="21" name="Slide Number"/>
-          <p:cNvSpPr/>
+          <p:cNvSpPr>
+            <a:spLocks noGrp="1"/>
+          </p:cNvSpPr>
           <p:nvPr>
             <p:ph type="sldNum" sz="quarter" idx="2"/>
           </p:nvPr>
@@ -906,8 +1003,10 @@
           <a:bodyPr/>
           <a:lstStyle/>
           <a:p>
-            <a:pPr/>
-            <a:fld id="{86CB4B4D-7CA3-9044-876B-883B54F8677D}" type="slidenum"/>
+            <a:fld id="{86CB4B4D-7CA3-9044-876B-883B54F8677D}" type="slidenum">
+              <a:t>‹#›</a:t>
+            </a:fld>
+            <a:endParaRPr/>
           </a:p>
         </p:txBody>
       </p:sp>
@@ -916,12 +1015,12 @@
   <p:clrMapOvr>
     <a:masterClrMapping/>
   </p:clrMapOvr>
-  <p:transition xmlns:p14="http://schemas.microsoft.com/office/powerpoint/2010/main" spd="med" advClick="1"/>
+  <p:transition spd="med"/>
 </p:sldLayout>
 </file>
 
 <file path=ppt/slideLayouts/slideLayout3.xml><?xml version="1.0" encoding="utf-8"?>
-<p:sldLayout xmlns:a="http://schemas.openxmlformats.org/drawingml/2006/main" xmlns:r="http://schemas.openxmlformats.org/officeDocument/2006/relationships" xmlns:p="http://schemas.openxmlformats.org/presentationml/2006/main" type="tx" showMasterSp="1" showMasterPhAnim="1">
+<p:sldLayout xmlns:a="http://schemas.openxmlformats.org/drawingml/2006/main" xmlns:r="http://schemas.openxmlformats.org/officeDocument/2006/relationships" xmlns:p="http://schemas.openxmlformats.org/presentationml/2006/main" type="tx">
   <p:cSld name="TITLE_AND_BODY">
     <p:spTree>
       <p:nvGrpSpPr>
@@ -940,7 +1039,9 @@
       <p:sp>
         <p:nvSpPr>
           <p:cNvPr id="28" name="Title Text"/>
-          <p:cNvSpPr/>
+          <p:cNvSpPr>
+            <a:spLocks noGrp="1"/>
+          </p:cNvSpPr>
           <p:nvPr>
             <p:ph type="title"/>
           </p:nvPr>
@@ -954,7 +1055,6 @@
           <a:bodyPr/>
           <a:lstStyle/>
           <a:p>
-            <a:pPr/>
             <a:r>
               <a:t>Title Text</a:t>
             </a:r>
@@ -964,7 +1064,9 @@
       <p:sp>
         <p:nvSpPr>
           <p:cNvPr id="29" name="Body Level One…"/>
-          <p:cNvSpPr/>
+          <p:cNvSpPr>
+            <a:spLocks noGrp="1"/>
+          </p:cNvSpPr>
           <p:nvPr>
             <p:ph type="body" idx="1"/>
           </p:nvPr>
@@ -978,7 +1080,6 @@
           <a:bodyPr/>
           <a:lstStyle/>
           <a:p>
-            <a:pPr/>
             <a:r>
               <a:t>Body Level One</a:t>
             </a:r>
@@ -1012,7 +1113,9 @@
       <p:sp>
         <p:nvSpPr>
           <p:cNvPr id="30" name="Slide Number"/>
-          <p:cNvSpPr/>
+          <p:cNvSpPr>
+            <a:spLocks noGrp="1"/>
+          </p:cNvSpPr>
           <p:nvPr>
             <p:ph type="sldNum" sz="quarter" idx="2"/>
           </p:nvPr>
@@ -1026,8 +1129,10 @@
           <a:bodyPr/>
           <a:lstStyle/>
           <a:p>
-            <a:pPr/>
-            <a:fld id="{86CB4B4D-7CA3-9044-876B-883B54F8677D}" type="slidenum"/>
+            <a:fld id="{86CB4B4D-7CA3-9044-876B-883B54F8677D}" type="slidenum">
+              <a:t>‹#›</a:t>
+            </a:fld>
+            <a:endParaRPr/>
           </a:p>
         </p:txBody>
       </p:sp>
@@ -1036,12 +1141,12 @@
   <p:clrMapOvr>
     <a:masterClrMapping/>
   </p:clrMapOvr>
-  <p:transition xmlns:p14="http://schemas.microsoft.com/office/powerpoint/2010/main" spd="med" advClick="1"/>
+  <p:transition spd="med"/>
 </p:sldLayout>
 </file>
 
 <file path=ppt/slideLayouts/slideLayout4.xml><?xml version="1.0" encoding="utf-8"?>
-<p:sldLayout xmlns:a="http://schemas.openxmlformats.org/drawingml/2006/main" xmlns:r="http://schemas.openxmlformats.org/officeDocument/2006/relationships" xmlns:p="http://schemas.openxmlformats.org/presentationml/2006/main" type="tx" showMasterSp="1" showMasterPhAnim="1">
+<p:sldLayout xmlns:a="http://schemas.openxmlformats.org/drawingml/2006/main" xmlns:r="http://schemas.openxmlformats.org/officeDocument/2006/relationships" xmlns:p="http://schemas.openxmlformats.org/presentationml/2006/main" type="tx">
   <p:cSld name="TITLE_AND_TWO_COLUMNS">
     <p:spTree>
       <p:nvGrpSpPr>
@@ -1060,7 +1165,9 @@
       <p:sp>
         <p:nvSpPr>
           <p:cNvPr id="37" name="Title Text"/>
-          <p:cNvSpPr/>
+          <p:cNvSpPr>
+            <a:spLocks noGrp="1"/>
+          </p:cNvSpPr>
           <p:nvPr>
             <p:ph type="title"/>
           </p:nvPr>
@@ -1074,7 +1181,6 @@
           <a:bodyPr/>
           <a:lstStyle/>
           <a:p>
-            <a:pPr/>
             <a:r>
               <a:t>Title Text</a:t>
             </a:r>
@@ -1084,7 +1190,9 @@
       <p:sp>
         <p:nvSpPr>
           <p:cNvPr id="38" name="Body Level One…"/>
-          <p:cNvSpPr/>
+          <p:cNvSpPr>
+            <a:spLocks noGrp="1"/>
+          </p:cNvSpPr>
           <p:nvPr>
             <p:ph type="body" sz="half" idx="1"/>
           </p:nvPr>
@@ -1123,7 +1231,6 @@
             </a:lvl5pPr>
           </a:lstStyle>
           <a:p>
-            <a:pPr/>
             <a:r>
               <a:t>Body Level One</a:t>
             </a:r>
@@ -1157,7 +1264,9 @@
       <p:sp>
         <p:nvSpPr>
           <p:cNvPr id="39" name="Shape 23"/>
-          <p:cNvSpPr/>
+          <p:cNvSpPr>
+            <a:spLocks noGrp="1"/>
+          </p:cNvSpPr>
           <p:nvPr>
             <p:ph type="body" sz="half" idx="13"/>
           </p:nvPr>
@@ -1179,13 +1288,16 @@
               <a:buSzPts val="1400"/>
               <a:defRPr sz="1400"/>
             </a:pPr>
+            <a:endParaRPr/>
           </a:p>
         </p:txBody>
       </p:sp>
       <p:sp>
         <p:nvSpPr>
           <p:cNvPr id="40" name="Slide Number"/>
-          <p:cNvSpPr/>
+          <p:cNvSpPr>
+            <a:spLocks noGrp="1"/>
+          </p:cNvSpPr>
           <p:nvPr>
             <p:ph type="sldNum" sz="quarter" idx="2"/>
           </p:nvPr>
@@ -1199,8 +1311,10 @@
           <a:bodyPr/>
           <a:lstStyle/>
           <a:p>
-            <a:pPr/>
-            <a:fld id="{86CB4B4D-7CA3-9044-876B-883B54F8677D}" type="slidenum"/>
+            <a:fld id="{86CB4B4D-7CA3-9044-876B-883B54F8677D}" type="slidenum">
+              <a:t>‹#›</a:t>
+            </a:fld>
+            <a:endParaRPr/>
           </a:p>
         </p:txBody>
       </p:sp>
@@ -1209,12 +1323,12 @@
   <p:clrMapOvr>
     <a:masterClrMapping/>
   </p:clrMapOvr>
-  <p:transition xmlns:p14="http://schemas.microsoft.com/office/powerpoint/2010/main" spd="med" advClick="1"/>
+  <p:transition spd="med"/>
 </p:sldLayout>
 </file>
 
 <file path=ppt/slideLayouts/slideLayout5.xml><?xml version="1.0" encoding="utf-8"?>
-<p:sldLayout xmlns:a="http://schemas.openxmlformats.org/drawingml/2006/main" xmlns:r="http://schemas.openxmlformats.org/officeDocument/2006/relationships" xmlns:p="http://schemas.openxmlformats.org/presentationml/2006/main" type="tx" showMasterSp="1" showMasterPhAnim="1">
+<p:sldLayout xmlns:a="http://schemas.openxmlformats.org/drawingml/2006/main" xmlns:r="http://schemas.openxmlformats.org/officeDocument/2006/relationships" xmlns:p="http://schemas.openxmlformats.org/presentationml/2006/main" type="tx">
   <p:cSld name="TITLE_ONLY">
     <p:spTree>
       <p:nvGrpSpPr>
@@ -1233,7 +1347,9 @@
       <p:sp>
         <p:nvSpPr>
           <p:cNvPr id="47" name="Title Text"/>
-          <p:cNvSpPr/>
+          <p:cNvSpPr>
+            <a:spLocks noGrp="1"/>
+          </p:cNvSpPr>
           <p:nvPr>
             <p:ph type="title"/>
           </p:nvPr>
@@ -1247,7 +1363,6 @@
           <a:bodyPr/>
           <a:lstStyle/>
           <a:p>
-            <a:pPr/>
             <a:r>
               <a:t>Title Text</a:t>
             </a:r>
@@ -1257,7 +1372,9 @@
       <p:sp>
         <p:nvSpPr>
           <p:cNvPr id="48" name="Slide Number"/>
-          <p:cNvSpPr/>
+          <p:cNvSpPr>
+            <a:spLocks noGrp="1"/>
+          </p:cNvSpPr>
           <p:nvPr>
             <p:ph type="sldNum" sz="quarter" idx="2"/>
           </p:nvPr>
@@ -1271,8 +1388,10 @@
           <a:bodyPr/>
           <a:lstStyle/>
           <a:p>
-            <a:pPr/>
-            <a:fld id="{86CB4B4D-7CA3-9044-876B-883B54F8677D}" type="slidenum"/>
+            <a:fld id="{86CB4B4D-7CA3-9044-876B-883B54F8677D}" type="slidenum">
+              <a:t>‹#›</a:t>
+            </a:fld>
+            <a:endParaRPr/>
           </a:p>
         </p:txBody>
       </p:sp>
@@ -1281,12 +1400,12 @@
   <p:clrMapOvr>
     <a:masterClrMapping/>
   </p:clrMapOvr>
-  <p:transition xmlns:p14="http://schemas.microsoft.com/office/powerpoint/2010/main" spd="med" advClick="1"/>
+  <p:transition spd="med"/>
 </p:sldLayout>
 </file>
 
 <file path=ppt/slideLayouts/slideLayout6.xml><?xml version="1.0" encoding="utf-8"?>
-<p:sldLayout xmlns:a="http://schemas.openxmlformats.org/drawingml/2006/main" xmlns:r="http://schemas.openxmlformats.org/officeDocument/2006/relationships" xmlns:p="http://schemas.openxmlformats.org/presentationml/2006/main" type="tx" showMasterSp="1" showMasterPhAnim="1">
+<p:sldLayout xmlns:a="http://schemas.openxmlformats.org/drawingml/2006/main" xmlns:r="http://schemas.openxmlformats.org/officeDocument/2006/relationships" xmlns:p="http://schemas.openxmlformats.org/presentationml/2006/main" type="tx">
   <p:cSld name="ONE_COLUMN_TEXT">
     <p:spTree>
       <p:nvGrpSpPr>
@@ -1305,7 +1424,9 @@
       <p:sp>
         <p:nvSpPr>
           <p:cNvPr id="55" name="Title Text"/>
-          <p:cNvSpPr/>
+          <p:cNvSpPr>
+            <a:spLocks noGrp="1"/>
+          </p:cNvSpPr>
           <p:nvPr>
             <p:ph type="title"/>
           </p:nvPr>
@@ -1327,7 +1448,6 @@
             </a:lvl1pPr>
           </a:lstStyle>
           <a:p>
-            <a:pPr/>
             <a:r>
               <a:t>Title Text</a:t>
             </a:r>
@@ -1337,7 +1457,9 @@
       <p:sp>
         <p:nvSpPr>
           <p:cNvPr id="56" name="Body Level One…"/>
-          <p:cNvSpPr/>
+          <p:cNvSpPr>
+            <a:spLocks noGrp="1"/>
+          </p:cNvSpPr>
           <p:nvPr>
             <p:ph type="body" sz="quarter" idx="1"/>
           </p:nvPr>
@@ -1376,7 +1498,6 @@
             </a:lvl5pPr>
           </a:lstStyle>
           <a:p>
-            <a:pPr/>
             <a:r>
               <a:t>Body Level One</a:t>
             </a:r>
@@ -1410,7 +1531,9 @@
       <p:sp>
         <p:nvSpPr>
           <p:cNvPr id="57" name="Slide Number"/>
-          <p:cNvSpPr/>
+          <p:cNvSpPr>
+            <a:spLocks noGrp="1"/>
+          </p:cNvSpPr>
           <p:nvPr>
             <p:ph type="sldNum" sz="quarter" idx="2"/>
           </p:nvPr>
@@ -1424,8 +1547,10 @@
           <a:bodyPr/>
           <a:lstStyle/>
           <a:p>
-            <a:pPr/>
-            <a:fld id="{86CB4B4D-7CA3-9044-876B-883B54F8677D}" type="slidenum"/>
+            <a:fld id="{86CB4B4D-7CA3-9044-876B-883B54F8677D}" type="slidenum">
+              <a:t>‹#›</a:t>
+            </a:fld>
+            <a:endParaRPr/>
           </a:p>
         </p:txBody>
       </p:sp>
@@ -1434,12 +1559,12 @@
   <p:clrMapOvr>
     <a:masterClrMapping/>
   </p:clrMapOvr>
-  <p:transition xmlns:p14="http://schemas.microsoft.com/office/powerpoint/2010/main" spd="med" advClick="1"/>
+  <p:transition spd="med"/>
 </p:sldLayout>
 </file>
 
 <file path=ppt/slideLayouts/slideLayout7.xml><?xml version="1.0" encoding="utf-8"?>
-<p:sldLayout xmlns:a="http://schemas.openxmlformats.org/drawingml/2006/main" xmlns:r="http://schemas.openxmlformats.org/officeDocument/2006/relationships" xmlns:p="http://schemas.openxmlformats.org/presentationml/2006/main" type="tx" showMasterSp="1" showMasterPhAnim="1">
+<p:sldLayout xmlns:a="http://schemas.openxmlformats.org/drawingml/2006/main" xmlns:r="http://schemas.openxmlformats.org/officeDocument/2006/relationships" xmlns:p="http://schemas.openxmlformats.org/presentationml/2006/main" type="tx">
   <p:cSld name="MAIN_POINT">
     <p:spTree>
       <p:nvGrpSpPr>
@@ -1458,7 +1583,9 @@
       <p:sp>
         <p:nvSpPr>
           <p:cNvPr id="64" name="Title Text"/>
-          <p:cNvSpPr/>
+          <p:cNvSpPr>
+            <a:spLocks noGrp="1"/>
+          </p:cNvSpPr>
           <p:nvPr>
             <p:ph type="title"/>
           </p:nvPr>
@@ -1480,7 +1607,6 @@
             </a:lvl1pPr>
           </a:lstStyle>
           <a:p>
-            <a:pPr/>
             <a:r>
               <a:t>Title Text</a:t>
             </a:r>
@@ -1490,7 +1616,9 @@
       <p:sp>
         <p:nvSpPr>
           <p:cNvPr id="65" name="Slide Number"/>
-          <p:cNvSpPr/>
+          <p:cNvSpPr>
+            <a:spLocks noGrp="1"/>
+          </p:cNvSpPr>
           <p:nvPr>
             <p:ph type="sldNum" sz="quarter" idx="2"/>
           </p:nvPr>
@@ -1504,8 +1632,10 @@
           <a:bodyPr/>
           <a:lstStyle/>
           <a:p>
-            <a:pPr/>
-            <a:fld id="{86CB4B4D-7CA3-9044-876B-883B54F8677D}" type="slidenum"/>
+            <a:fld id="{86CB4B4D-7CA3-9044-876B-883B54F8677D}" type="slidenum">
+              <a:t>‹#›</a:t>
+            </a:fld>
+            <a:endParaRPr/>
           </a:p>
         </p:txBody>
       </p:sp>
@@ -1514,12 +1644,12 @@
   <p:clrMapOvr>
     <a:masterClrMapping/>
   </p:clrMapOvr>
-  <p:transition xmlns:p14="http://schemas.microsoft.com/office/powerpoint/2010/main" spd="med" advClick="1"/>
+  <p:transition spd="med"/>
 </p:sldLayout>
 </file>
 
 <file path=ppt/slideLayouts/slideLayout8.xml><?xml version="1.0" encoding="utf-8"?>
-<p:sldLayout xmlns:a="http://schemas.openxmlformats.org/drawingml/2006/main" xmlns:r="http://schemas.openxmlformats.org/officeDocument/2006/relationships" xmlns:p="http://schemas.openxmlformats.org/presentationml/2006/main" type="tx" showMasterSp="1" showMasterPhAnim="1">
+<p:sldLayout xmlns:a="http://schemas.openxmlformats.org/drawingml/2006/main" xmlns:r="http://schemas.openxmlformats.org/officeDocument/2006/relationships" xmlns:p="http://schemas.openxmlformats.org/presentationml/2006/main" type="tx">
   <p:cSld name="SECTION_TITLE_AND_DESCRIPTION">
     <p:spTree>
       <p:nvGrpSpPr>
@@ -1560,14 +1690,16 @@
           <a:bodyPr lIns="45719" rIns="45719" anchor="ctr"/>
           <a:lstStyle/>
           <a:p>
-            <a:pPr/>
+            <a:endParaRPr/>
           </a:p>
         </p:txBody>
       </p:sp>
       <p:sp>
         <p:nvSpPr>
           <p:cNvPr id="73" name="Title Text"/>
-          <p:cNvSpPr/>
+          <p:cNvSpPr>
+            <a:spLocks noGrp="1"/>
+          </p:cNvSpPr>
           <p:nvPr>
             <p:ph type="title"/>
           </p:nvPr>
@@ -1589,7 +1721,6 @@
             </a:lvl1pPr>
           </a:lstStyle>
           <a:p>
-            <a:pPr/>
             <a:r>
               <a:t>Title Text</a:t>
             </a:r>
@@ -1599,7 +1730,9 @@
       <p:sp>
         <p:nvSpPr>
           <p:cNvPr id="74" name="Body Level One…"/>
-          <p:cNvSpPr/>
+          <p:cNvSpPr>
+            <a:spLocks noGrp="1"/>
+          </p:cNvSpPr>
           <p:nvPr>
             <p:ph type="body" sz="quarter" idx="1"/>
           </p:nvPr>
@@ -1668,7 +1801,6 @@
             </a:lvl5pPr>
           </a:lstStyle>
           <a:p>
-            <a:pPr/>
             <a:r>
               <a:t>Body Level One</a:t>
             </a:r>
@@ -1702,7 +1834,9 @@
       <p:sp>
         <p:nvSpPr>
           <p:cNvPr id="75" name="Shape 39"/>
-          <p:cNvSpPr/>
+          <p:cNvSpPr>
+            <a:spLocks noGrp="1"/>
+          </p:cNvSpPr>
           <p:nvPr>
             <p:ph type="body" sz="half" idx="13"/>
           </p:nvPr>
@@ -1720,14 +1854,16 @@
           <a:bodyPr anchor="ctr"/>
           <a:lstStyle/>
           <a:p>
-            <a:pPr/>
+            <a:endParaRPr/>
           </a:p>
         </p:txBody>
       </p:sp>
       <p:sp>
         <p:nvSpPr>
           <p:cNvPr id="76" name="Slide Number"/>
-          <p:cNvSpPr/>
+          <p:cNvSpPr>
+            <a:spLocks noGrp="1"/>
+          </p:cNvSpPr>
           <p:nvPr>
             <p:ph type="sldNum" sz="quarter" idx="2"/>
           </p:nvPr>
@@ -1741,8 +1877,10 @@
           <a:bodyPr/>
           <a:lstStyle/>
           <a:p>
-            <a:pPr/>
-            <a:fld id="{86CB4B4D-7CA3-9044-876B-883B54F8677D}" type="slidenum"/>
+            <a:fld id="{86CB4B4D-7CA3-9044-876B-883B54F8677D}" type="slidenum">
+              <a:t>‹#›</a:t>
+            </a:fld>
+            <a:endParaRPr/>
           </a:p>
         </p:txBody>
       </p:sp>
@@ -1751,12 +1889,12 @@
   <p:clrMapOvr>
     <a:masterClrMapping/>
   </p:clrMapOvr>
-  <p:transition xmlns:p14="http://schemas.microsoft.com/office/powerpoint/2010/main" spd="med" advClick="1"/>
+  <p:transition spd="med"/>
 </p:sldLayout>
 </file>
 
 <file path=ppt/slideLayouts/slideLayout9.xml><?xml version="1.0" encoding="utf-8"?>
-<p:sldLayout xmlns:a="http://schemas.openxmlformats.org/drawingml/2006/main" xmlns:r="http://schemas.openxmlformats.org/officeDocument/2006/relationships" xmlns:p="http://schemas.openxmlformats.org/presentationml/2006/main" type="tx" showMasterSp="1" showMasterPhAnim="1">
+<p:sldLayout xmlns:a="http://schemas.openxmlformats.org/drawingml/2006/main" xmlns:r="http://schemas.openxmlformats.org/officeDocument/2006/relationships" xmlns:p="http://schemas.openxmlformats.org/presentationml/2006/main" type="tx">
   <p:cSld name="CAPTION_ONLY">
     <p:spTree>
       <p:nvGrpSpPr>
@@ -1775,7 +1913,9 @@
       <p:sp>
         <p:nvSpPr>
           <p:cNvPr id="83" name="Body Level One…"/>
-          <p:cNvSpPr/>
+          <p:cNvSpPr>
+            <a:spLocks noGrp="1"/>
+          </p:cNvSpPr>
           <p:nvPr>
             <p:ph type="body" sz="quarter" idx="1"/>
           </p:nvPr>
@@ -1831,7 +1971,6 @@
             </a:lvl5pPr>
           </a:lstStyle>
           <a:p>
-            <a:pPr/>
             <a:r>
               <a:t>Body Level One</a:t>
             </a:r>
@@ -1865,7 +2004,9 @@
       <p:sp>
         <p:nvSpPr>
           <p:cNvPr id="84" name="Slide Number"/>
-          <p:cNvSpPr/>
+          <p:cNvSpPr>
+            <a:spLocks noGrp="1"/>
+          </p:cNvSpPr>
           <p:nvPr>
             <p:ph type="sldNum" sz="quarter" idx="2"/>
           </p:nvPr>
@@ -1879,8 +2020,10 @@
           <a:bodyPr/>
           <a:lstStyle/>
           <a:p>
-            <a:pPr/>
-            <a:fld id="{86CB4B4D-7CA3-9044-876B-883B54F8677D}" type="slidenum"/>
+            <a:fld id="{86CB4B4D-7CA3-9044-876B-883B54F8677D}" type="slidenum">
+              <a:t>‹#›</a:t>
+            </a:fld>
+            <a:endParaRPr/>
           </a:p>
         </p:txBody>
       </p:sp>
@@ -1889,7 +2032,7 @@
   <p:clrMapOvr>
     <a:masterClrMapping/>
   </p:clrMapOvr>
-  <p:transition xmlns:p14="http://schemas.microsoft.com/office/powerpoint/2010/main" spd="med" advClick="1"/>
+  <p:transition spd="med"/>
 </p:sldLayout>
 </file>
 
@@ -1901,6 +2044,7 @@
         <a:solidFill>
           <a:srgbClr val="FFFFFF"/>
         </a:solidFill>
+        <a:effectLst/>
       </p:bgPr>
     </p:bg>
     <p:spTree>
@@ -1920,7 +2064,9 @@
       <p:sp>
         <p:nvSpPr>
           <p:cNvPr id="2" name="Title Text"/>
-          <p:cNvSpPr/>
+          <p:cNvSpPr>
+            <a:spLocks noGrp="1"/>
+          </p:cNvSpPr>
           <p:nvPr>
             <p:ph type="title"/>
           </p:nvPr>
@@ -1938,17 +2084,16 @@
           </a:ln>
           <a:extLst>
             <a:ext uri="{C572A759-6A51-4108-AA02-DFA0A04FC94B}">
-              <ma14:wrappingTextBoxFlag xmlns:ma14="http://schemas.microsoft.com/office/mac/drawingml/2011/main" val="1"/>
+              <ma14:wrappingTextBoxFlag xmlns:ma14="http://schemas.microsoft.com/office/mac/drawingml/2011/main" xmlns="" val="1"/>
             </a:ext>
           </a:extLst>
         </p:spPr>
         <p:txBody>
           <a:bodyPr lIns="91424" tIns="91424" rIns="91424" bIns="91424">
-            <a:normAutofit fontScale="100000" lnSpcReduction="0"/>
+            <a:normAutofit/>
           </a:bodyPr>
           <a:lstStyle/>
           <a:p>
-            <a:pPr/>
             <a:r>
               <a:t>Title Text</a:t>
             </a:r>
@@ -1958,7 +2103,9 @@
       <p:sp>
         <p:nvSpPr>
           <p:cNvPr id="3" name="Body Level One…"/>
-          <p:cNvSpPr/>
+          <p:cNvSpPr>
+            <a:spLocks noGrp="1"/>
+          </p:cNvSpPr>
           <p:nvPr>
             <p:ph type="body" idx="1"/>
           </p:nvPr>
@@ -1976,17 +2123,16 @@
           </a:ln>
           <a:extLst>
             <a:ext uri="{C572A759-6A51-4108-AA02-DFA0A04FC94B}">
-              <ma14:wrappingTextBoxFlag xmlns:ma14="http://schemas.microsoft.com/office/mac/drawingml/2011/main" val="1"/>
+              <ma14:wrappingTextBoxFlag xmlns:ma14="http://schemas.microsoft.com/office/mac/drawingml/2011/main" xmlns="" val="1"/>
             </a:ext>
           </a:extLst>
         </p:spPr>
         <p:txBody>
           <a:bodyPr lIns="91424" tIns="91424" rIns="91424" bIns="91424">
-            <a:normAutofit fontScale="100000" lnSpcReduction="0"/>
+            <a:normAutofit/>
           </a:bodyPr>
           <a:lstStyle/>
           <a:p>
-            <a:pPr/>
             <a:r>
               <a:t>Body Level One</a:t>
             </a:r>
@@ -2020,7 +2166,9 @@
       <p:sp>
         <p:nvSpPr>
           <p:cNvPr id="4" name="Slide Number"/>
-          <p:cNvSpPr/>
+          <p:cNvSpPr>
+            <a:spLocks noGrp="1"/>
+          </p:cNvSpPr>
           <p:nvPr>
             <p:ph type="sldNum" sz="quarter" idx="2"/>
           </p:nvPr>
@@ -2053,8 +2201,10 @@
             </a:lvl1pPr>
           </a:lstStyle>
           <a:p>
-            <a:pPr/>
-            <a:fld id="{86CB4B4D-7CA3-9044-876B-883B54F8677D}" type="slidenum"/>
+            <a:fld id="{86CB4B4D-7CA3-9044-876B-883B54F8677D}" type="slidenum">
+              <a:t>‹#›</a:t>
+            </a:fld>
+            <a:endParaRPr/>
           </a:p>
         </p:txBody>
       </p:sp>
@@ -2062,19 +2212,19 @@
   </p:cSld>
   <p:clrMap bg1="lt1" tx1="dk1" bg2="lt2" tx2="dk2" accent1="accent1" accent2="accent2" accent3="accent3" accent4="accent4" accent5="accent5" accent6="accent6" hlink="hlink" folHlink="folHlink"/>
   <p:sldLayoutIdLst>
-    <p:sldLayoutId id="2147483649" r:id="rId2"/>
-    <p:sldLayoutId id="2147483650" r:id="rId3"/>
-    <p:sldLayoutId id="2147483651" r:id="rId4"/>
-    <p:sldLayoutId id="2147483652" r:id="rId5"/>
-    <p:sldLayoutId id="2147483653" r:id="rId6"/>
-    <p:sldLayoutId id="2147483654" r:id="rId7"/>
-    <p:sldLayoutId id="2147483655" r:id="rId8"/>
-    <p:sldLayoutId id="2147483656" r:id="rId9"/>
-    <p:sldLayoutId id="2147483657" r:id="rId10"/>
-    <p:sldLayoutId id="2147483658" r:id="rId11"/>
-    <p:sldLayoutId id="2147483659" r:id="rId12"/>
+    <p:sldLayoutId id="2147483649" r:id="rId1"/>
+    <p:sldLayoutId id="2147483650" r:id="rId2"/>
+    <p:sldLayoutId id="2147483651" r:id="rId3"/>
+    <p:sldLayoutId id="2147483652" r:id="rId4"/>
+    <p:sldLayoutId id="2147483653" r:id="rId5"/>
+    <p:sldLayoutId id="2147483654" r:id="rId6"/>
+    <p:sldLayoutId id="2147483655" r:id="rId7"/>
+    <p:sldLayoutId id="2147483656" r:id="rId8"/>
+    <p:sldLayoutId id="2147483657" r:id="rId9"/>
+    <p:sldLayoutId id="2147483658" r:id="rId10"/>
+    <p:sldLayoutId id="2147483659" r:id="rId11"/>
   </p:sldLayoutIdLst>
-  <p:transition xmlns:p14="http://schemas.microsoft.com/office/powerpoint/2010/main" spd="med" advClick="1"/>
+  <p:transition spd="med"/>
   <p:txStyles>
     <p:titleStyle>
       <a:lvl1pPr marL="0" marR="0" indent="0" algn="l" defTabSz="914400" rtl="0" latinLnBrk="0">
@@ -2092,7 +2242,7 @@
         <a:buFontTx/>
         <a:buNone/>
         <a:tabLst/>
-        <a:defRPr b="0" baseline="0" cap="none" i="0" spc="0" strike="noStrike" sz="2800" u="none">
+        <a:defRPr sz="2800" b="0" i="0" u="none" strike="noStrike" cap="none" spc="0" baseline="0">
           <a:ln>
             <a:noFill/>
           </a:ln>
@@ -2121,7 +2271,7 @@
         <a:buFontTx/>
         <a:buNone/>
         <a:tabLst/>
-        <a:defRPr b="0" baseline="0" cap="none" i="0" spc="0" strike="noStrike" sz="2800" u="none">
+        <a:defRPr sz="2800" b="0" i="0" u="none" strike="noStrike" cap="none" spc="0" baseline="0">
           <a:ln>
             <a:noFill/>
           </a:ln>
@@ -2150,7 +2300,7 @@
         <a:buFontTx/>
         <a:buNone/>
         <a:tabLst/>
-        <a:defRPr b="0" baseline="0" cap="none" i="0" spc="0" strike="noStrike" sz="2800" u="none">
+        <a:defRPr sz="2800" b="0" i="0" u="none" strike="noStrike" cap="none" spc="0" baseline="0">
           <a:ln>
             <a:noFill/>
           </a:ln>
@@ -2179,7 +2329,7 @@
         <a:buFontTx/>
         <a:buNone/>
         <a:tabLst/>
-        <a:defRPr b="0" baseline="0" cap="none" i="0" spc="0" strike="noStrike" sz="2800" u="none">
+        <a:defRPr sz="2800" b="0" i="0" u="none" strike="noStrike" cap="none" spc="0" baseline="0">
           <a:ln>
             <a:noFill/>
           </a:ln>
@@ -2208,7 +2358,7 @@
         <a:buFontTx/>
         <a:buNone/>
         <a:tabLst/>
-        <a:defRPr b="0" baseline="0" cap="none" i="0" spc="0" strike="noStrike" sz="2800" u="none">
+        <a:defRPr sz="2800" b="0" i="0" u="none" strike="noStrike" cap="none" spc="0" baseline="0">
           <a:ln>
             <a:noFill/>
           </a:ln>
@@ -2237,7 +2387,7 @@
         <a:buFontTx/>
         <a:buNone/>
         <a:tabLst/>
-        <a:defRPr b="0" baseline="0" cap="none" i="0" spc="0" strike="noStrike" sz="2800" u="none">
+        <a:defRPr sz="2800" b="0" i="0" u="none" strike="noStrike" cap="none" spc="0" baseline="0">
           <a:ln>
             <a:noFill/>
           </a:ln>
@@ -2266,7 +2416,7 @@
         <a:buFontTx/>
         <a:buNone/>
         <a:tabLst/>
-        <a:defRPr b="0" baseline="0" cap="none" i="0" spc="0" strike="noStrike" sz="2800" u="none">
+        <a:defRPr sz="2800" b="0" i="0" u="none" strike="noStrike" cap="none" spc="0" baseline="0">
           <a:ln>
             <a:noFill/>
           </a:ln>
@@ -2295,7 +2445,7 @@
         <a:buFontTx/>
         <a:buNone/>
         <a:tabLst/>
-        <a:defRPr b="0" baseline="0" cap="none" i="0" spc="0" strike="noStrike" sz="2800" u="none">
+        <a:defRPr sz="2800" b="0" i="0" u="none" strike="noStrike" cap="none" spc="0" baseline="0">
           <a:ln>
             <a:noFill/>
           </a:ln>
@@ -2324,7 +2474,7 @@
         <a:buFontTx/>
         <a:buNone/>
         <a:tabLst/>
-        <a:defRPr b="0" baseline="0" cap="none" i="0" spc="0" strike="noStrike" sz="2800" u="none">
+        <a:defRPr sz="2800" b="0" i="0" u="none" strike="noStrike" cap="none" spc="0" baseline="0">
           <a:ln>
             <a:noFill/>
           </a:ln>
@@ -2359,7 +2509,7 @@
         <a:buFont typeface="Arial"/>
         <a:buChar char="●"/>
         <a:tabLst/>
-        <a:defRPr b="0" baseline="0" cap="none" i="0" spc="0" strike="noStrike" sz="1800" u="none">
+        <a:defRPr sz="1800" b="0" i="0" u="none" strike="noStrike" cap="none" spc="0" baseline="0">
           <a:ln>
             <a:noFill/>
           </a:ln>
@@ -2394,7 +2544,7 @@
         <a:buFont typeface="Arial"/>
         <a:buChar char="○"/>
         <a:tabLst/>
-        <a:defRPr b="0" baseline="0" cap="none" i="0" spc="0" strike="noStrike" sz="1800" u="none">
+        <a:defRPr sz="1800" b="0" i="0" u="none" strike="noStrike" cap="none" spc="0" baseline="0">
           <a:ln>
             <a:noFill/>
           </a:ln>
@@ -2429,7 +2579,7 @@
         <a:buFont typeface="Arial"/>
         <a:buChar char="■"/>
         <a:tabLst/>
-        <a:defRPr b="0" baseline="0" cap="none" i="0" spc="0" strike="noStrike" sz="1800" u="none">
+        <a:defRPr sz="1800" b="0" i="0" u="none" strike="noStrike" cap="none" spc="0" baseline="0">
           <a:ln>
             <a:noFill/>
           </a:ln>
@@ -2464,7 +2614,7 @@
         <a:buFont typeface="Arial"/>
         <a:buChar char="●"/>
         <a:tabLst/>
-        <a:defRPr b="0" baseline="0" cap="none" i="0" spc="0" strike="noStrike" sz="1800" u="none">
+        <a:defRPr sz="1800" b="0" i="0" u="none" strike="noStrike" cap="none" spc="0" baseline="0">
           <a:ln>
             <a:noFill/>
           </a:ln>
@@ -2499,7 +2649,7 @@
         <a:buFont typeface="Arial"/>
         <a:buChar char="○"/>
         <a:tabLst/>
-        <a:defRPr b="0" baseline="0" cap="none" i="0" spc="0" strike="noStrike" sz="1800" u="none">
+        <a:defRPr sz="1800" b="0" i="0" u="none" strike="noStrike" cap="none" spc="0" baseline="0">
           <a:ln>
             <a:noFill/>
           </a:ln>
@@ -2534,7 +2684,7 @@
         <a:buFont typeface="Arial"/>
         <a:buChar char="■"/>
         <a:tabLst/>
-        <a:defRPr b="0" baseline="0" cap="none" i="0" spc="0" strike="noStrike" sz="1800" u="none">
+        <a:defRPr sz="1800" b="0" i="0" u="none" strike="noStrike" cap="none" spc="0" baseline="0">
           <a:ln>
             <a:noFill/>
           </a:ln>
@@ -2569,7 +2719,7 @@
         <a:buFont typeface="Arial"/>
         <a:buChar char="●"/>
         <a:tabLst/>
-        <a:defRPr b="0" baseline="0" cap="none" i="0" spc="0" strike="noStrike" sz="1800" u="none">
+        <a:defRPr sz="1800" b="0" i="0" u="none" strike="noStrike" cap="none" spc="0" baseline="0">
           <a:ln>
             <a:noFill/>
           </a:ln>
@@ -2604,7 +2754,7 @@
         <a:buFont typeface="Arial"/>
         <a:buChar char="○"/>
         <a:tabLst/>
-        <a:defRPr b="0" baseline="0" cap="none" i="0" spc="0" strike="noStrike" sz="1800" u="none">
+        <a:defRPr sz="1800" b="0" i="0" u="none" strike="noStrike" cap="none" spc="0" baseline="0">
           <a:ln>
             <a:noFill/>
           </a:ln>
@@ -2639,7 +2789,7 @@
         <a:buFont typeface="Arial"/>
         <a:buChar char="■"/>
         <a:tabLst/>
-        <a:defRPr b="0" baseline="0" cap="none" i="0" spc="0" strike="noStrike" sz="1800" u="none">
+        <a:defRPr sz="1800" b="0" i="0" u="none" strike="noStrike" cap="none" spc="0" baseline="0">
           <a:ln>
             <a:noFill/>
           </a:ln>
@@ -2672,7 +2822,7 @@
         <a:buFontTx/>
         <a:buNone/>
         <a:tabLst/>
-        <a:defRPr b="0" baseline="0" cap="none" i="0" spc="0" strike="noStrike" sz="1000" u="none">
+        <a:defRPr sz="1000" b="0" i="0" u="none" strike="noStrike" cap="none" spc="0" baseline="0">
           <a:ln>
             <a:noFill/>
           </a:ln>
@@ -2701,7 +2851,7 @@
         <a:buFontTx/>
         <a:buNone/>
         <a:tabLst/>
-        <a:defRPr b="0" baseline="0" cap="none" i="0" spc="0" strike="noStrike" sz="1000" u="none">
+        <a:defRPr sz="1000" b="0" i="0" u="none" strike="noStrike" cap="none" spc="0" baseline="0">
           <a:ln>
             <a:noFill/>
           </a:ln>
@@ -2730,7 +2880,7 @@
         <a:buFontTx/>
         <a:buNone/>
         <a:tabLst/>
-        <a:defRPr b="0" baseline="0" cap="none" i="0" spc="0" strike="noStrike" sz="1000" u="none">
+        <a:defRPr sz="1000" b="0" i="0" u="none" strike="noStrike" cap="none" spc="0" baseline="0">
           <a:ln>
             <a:noFill/>
           </a:ln>
@@ -2759,7 +2909,7 @@
         <a:buFontTx/>
         <a:buNone/>
         <a:tabLst/>
-        <a:defRPr b="0" baseline="0" cap="none" i="0" spc="0" strike="noStrike" sz="1000" u="none">
+        <a:defRPr sz="1000" b="0" i="0" u="none" strike="noStrike" cap="none" spc="0" baseline="0">
           <a:ln>
             <a:noFill/>
           </a:ln>
@@ -2788,7 +2938,7 @@
         <a:buFontTx/>
         <a:buNone/>
         <a:tabLst/>
-        <a:defRPr b="0" baseline="0" cap="none" i="0" spc="0" strike="noStrike" sz="1000" u="none">
+        <a:defRPr sz="1000" b="0" i="0" u="none" strike="noStrike" cap="none" spc="0" baseline="0">
           <a:ln>
             <a:noFill/>
           </a:ln>
@@ -2817,7 +2967,7 @@
         <a:buFontTx/>
         <a:buNone/>
         <a:tabLst/>
-        <a:defRPr b="0" baseline="0" cap="none" i="0" spc="0" strike="noStrike" sz="1000" u="none">
+        <a:defRPr sz="1000" b="0" i="0" u="none" strike="noStrike" cap="none" spc="0" baseline="0">
           <a:ln>
             <a:noFill/>
           </a:ln>
@@ -2846,7 +2996,7 @@
         <a:buFontTx/>
         <a:buNone/>
         <a:tabLst/>
-        <a:defRPr b="0" baseline="0" cap="none" i="0" spc="0" strike="noStrike" sz="1000" u="none">
+        <a:defRPr sz="1000" b="0" i="0" u="none" strike="noStrike" cap="none" spc="0" baseline="0">
           <a:ln>
             <a:noFill/>
           </a:ln>
@@ -2875,7 +3025,7 @@
         <a:buFontTx/>
         <a:buNone/>
         <a:tabLst/>
-        <a:defRPr b="0" baseline="0" cap="none" i="0" spc="0" strike="noStrike" sz="1000" u="none">
+        <a:defRPr sz="1000" b="0" i="0" u="none" strike="noStrike" cap="none" spc="0" baseline="0">
           <a:ln>
             <a:noFill/>
           </a:ln>
@@ -2904,7 +3054,7 @@
         <a:buFontTx/>
         <a:buNone/>
         <a:tabLst/>
-        <a:defRPr b="0" baseline="0" cap="none" i="0" spc="0" strike="noStrike" sz="1000" u="none">
+        <a:defRPr sz="1000" b="0" i="0" u="none" strike="noStrike" cap="none" spc="0" baseline="0">
           <a:ln>
             <a:noFill/>
           </a:ln>
@@ -2924,7 +3074,7 @@
 </file>
 
 <file path=ppt/slides/slide1.xml><?xml version="1.0" encoding="utf-8"?>
-<p:sld xmlns:a="http://schemas.openxmlformats.org/drawingml/2006/main" xmlns:r="http://schemas.openxmlformats.org/officeDocument/2006/relationships" xmlns:p="http://schemas.openxmlformats.org/presentationml/2006/main" showMasterSp="1" showMasterPhAnim="1">
+<p:sld xmlns:a="http://schemas.openxmlformats.org/drawingml/2006/main" xmlns:r="http://schemas.openxmlformats.org/officeDocument/2006/relationships" xmlns:p="http://schemas.openxmlformats.org/presentationml/2006/main">
   <p:cSld>
     <p:spTree>
       <p:nvGrpSpPr>
@@ -2947,7 +3097,7 @@
           <p:nvPr/>
         </p:nvSpPr>
         <p:spPr>
-          <a:xfrm flipH="1" rot="10800000">
+          <a:xfrm rot="10800000" flipH="1">
             <a:off x="-1" y="0"/>
             <a:ext cx="9163201" cy="5148001"/>
           </a:xfrm>
@@ -2971,7 +3121,7 @@
             </a:cxnLst>
             <a:rect l="0" t="0" r="r" b="b"/>
             <a:pathLst>
-              <a:path w="21600" h="21600" fill="norm" stroke="1" extrusionOk="0">
+              <a:path w="21600" h="21600" extrusionOk="0">
                 <a:moveTo>
                   <a:pt x="0" y="0"/>
                 </a:moveTo>
@@ -3010,7 +3160,7 @@
           <a:bodyPr lIns="45719" rIns="45719" anchor="ctr"/>
           <a:lstStyle/>
           <a:p>
-            <a:pPr/>
+            <a:endParaRPr/>
           </a:p>
         </p:txBody>
       </p:sp>
@@ -3033,7 +3183,7 @@
           </a:ln>
           <a:extLst>
             <a:ext uri="{C572A759-6A51-4108-AA02-DFA0A04FC94B}">
-              <ma14:wrappingTextBoxFlag xmlns:ma14="http://schemas.microsoft.com/office/mac/drawingml/2011/main" val="1"/>
+              <ma14:wrappingTextBoxFlag xmlns:ma14="http://schemas.microsoft.com/office/mac/drawingml/2011/main" xmlns="" val="1"/>
             </a:ext>
           </a:extLst>
         </p:spPr>
@@ -3055,7 +3205,6 @@
             </a:lvl1pPr>
           </a:lstStyle>
           <a:p>
-            <a:pPr/>
             <a:r>
               <a:t>Sprocket Central Pty Ltd</a:t>
             </a:r>
@@ -3081,7 +3230,7 @@
           </a:ln>
           <a:extLst>
             <a:ext uri="{C572A759-6A51-4108-AA02-DFA0A04FC94B}">
-              <ma14:wrappingTextBoxFlag xmlns:ma14="http://schemas.microsoft.com/office/mac/drawingml/2011/main" val="1"/>
+              <ma14:wrappingTextBoxFlag xmlns:ma14="http://schemas.microsoft.com/office/mac/drawingml/2011/main" xmlns="" val="1"/>
             </a:ext>
           </a:extLst>
         </p:spPr>
@@ -3103,7 +3252,6 @@
             </a:lvl1pPr>
           </a:lstStyle>
           <a:p>
-            <a:pPr/>
             <a:r>
               <a:t>Data analytics approach</a:t>
             </a:r>
@@ -3119,9 +3267,7 @@
           <p:nvPr/>
         </p:nvPicPr>
         <p:blipFill>
-          <a:blip r:embed="rId2">
-            <a:extLst/>
-          </a:blip>
+          <a:blip r:embed="rId2"/>
           <a:stretch>
             <a:fillRect/>
           </a:stretch>
@@ -3158,7 +3304,7 @@
           </a:ln>
           <a:extLst>
             <a:ext uri="{C572A759-6A51-4108-AA02-DFA0A04FC94B}">
-              <ma14:wrappingTextBoxFlag xmlns:ma14="http://schemas.microsoft.com/office/mac/drawingml/2011/main" val="1"/>
+              <ma14:wrappingTextBoxFlag xmlns:ma14="http://schemas.microsoft.com/office/mac/drawingml/2011/main" xmlns="" val="1"/>
             </a:ext>
           </a:extLst>
         </p:spPr>
@@ -3180,7 +3326,6 @@
             </a:lvl1pPr>
           </a:lstStyle>
           <a:p>
-            <a:pPr/>
             <a:r>
               <a:t>[Division Name] - [Engagement Manager], [Senior Consultant], [Junior Consultant]</a:t>
             </a:r>
@@ -3209,7 +3354,7 @@
           </a:ln>
           <a:extLst>
             <a:ext uri="{C572A759-6A51-4108-AA02-DFA0A04FC94B}">
-              <ma14:wrappingTextBoxFlag xmlns:ma14="http://schemas.microsoft.com/office/mac/drawingml/2011/main" val="1"/>
+              <ma14:wrappingTextBoxFlag xmlns:ma14="http://schemas.microsoft.com/office/mac/drawingml/2011/main" xmlns="" val="1"/>
             </a:ext>
           </a:extLst>
         </p:spPr>
@@ -3218,7 +3363,7 @@
           <a:lstStyle/>
           <a:p>
             <a:pPr defTabSz="457200">
-              <a:defRPr b="1" sz="500">
+              <a:defRPr sz="500" b="1">
                 <a:latin typeface="Calibri"/>
                 <a:ea typeface="Calibri"/>
                 <a:cs typeface="Calibri"/>
@@ -3240,12 +3385,12 @@
   <p:clrMapOvr>
     <a:masterClrMapping/>
   </p:clrMapOvr>
-  <p:transition xmlns:p14="http://schemas.microsoft.com/office/powerpoint/2010/main" spd="med" advClick="1"/>
+  <p:transition spd="med"/>
 </p:sld>
 </file>
 
-<file path=ppt/slides/slide2.xml><?xml version="1.0" encoding="utf-8"?>
-<p:sld xmlns:a="http://schemas.openxmlformats.org/drawingml/2006/main" xmlns:r="http://schemas.openxmlformats.org/officeDocument/2006/relationships" xmlns:p="http://schemas.openxmlformats.org/presentationml/2006/main" showMasterSp="1" showMasterPhAnim="1">
+<file path=ppt/slides/slide10.xml><?xml version="1.0" encoding="utf-8"?>
+<p:sld xmlns:a="http://schemas.openxmlformats.org/drawingml/2006/main" xmlns:r="http://schemas.openxmlformats.org/officeDocument/2006/relationships" xmlns:p="http://schemas.openxmlformats.org/presentationml/2006/main">
   <p:cSld>
     <p:spTree>
       <p:nvGrpSpPr>
@@ -3263,7 +3408,7 @@
       </p:grpSpPr>
       <p:sp>
         <p:nvSpPr>
-          <p:cNvPr id="116" name="Shape 63"/>
+          <p:cNvPr id="139" name="Shape 88"/>
           <p:cNvSpPr/>
           <p:nvPr/>
         </p:nvSpPr>
@@ -3294,13 +3439,13 @@
           <a:bodyPr lIns="45719" rIns="45719" anchor="ctr"/>
           <a:lstStyle/>
           <a:p>
-            <a:pPr/>
-          </a:p>
-        </p:txBody>
-      </p:sp>
-      <p:sp>
-        <p:nvSpPr>
-          <p:cNvPr id="117" name="Shape 64"/>
+            <a:endParaRPr/>
+          </a:p>
+        </p:txBody>
+      </p:sp>
+      <p:sp>
+        <p:nvSpPr>
+          <p:cNvPr id="140" name="Shape 89"/>
           <p:cNvSpPr/>
           <p:nvPr/>
         </p:nvSpPr>
@@ -3317,7 +3462,7 @@
           </a:ln>
           <a:extLst>
             <a:ext uri="{C572A759-6A51-4108-AA02-DFA0A04FC94B}">
-              <ma14:wrappingTextBoxFlag xmlns:ma14="http://schemas.microsoft.com/office/mac/drawingml/2011/main" val="1"/>
+              <ma14:wrappingTextBoxFlag xmlns:ma14="http://schemas.microsoft.com/office/mac/drawingml/2011/main" xmlns="" val="1"/>
             </a:ext>
           </a:extLst>
         </p:spPr>
@@ -3327,7 +3472,7 @@
           </a:bodyPr>
           <a:lstStyle>
             <a:lvl1pPr>
-              <a:defRPr b="1" sz="2000">
+              <a:defRPr sz="2000" b="1">
                 <a:solidFill>
                   <a:srgbClr val="FFFFFF"/>
                 </a:solidFill>
@@ -3335,23 +3480,22 @@
             </a:lvl1pPr>
           </a:lstStyle>
           <a:p>
-            <a:pPr/>
-            <a:r>
-              <a:t>Agenda</a:t>
-            </a:r>
-          </a:p>
-        </p:txBody>
-      </p:sp>
-      <p:sp>
-        <p:nvSpPr>
-          <p:cNvPr id="118" name="Shape 65"/>
+            <a:r>
+              <a:t>Model Development</a:t>
+            </a:r>
+          </a:p>
+        </p:txBody>
+      </p:sp>
+      <p:sp>
+        <p:nvSpPr>
+          <p:cNvPr id="141" name="Shape 90"/>
           <p:cNvSpPr/>
           <p:nvPr/>
         </p:nvSpPr>
         <p:spPr>
           <a:xfrm>
-            <a:off x="343874" y="1211200"/>
-            <a:ext cx="5459402" cy="1708756"/>
+            <a:off x="205025" y="1083299"/>
+            <a:ext cx="8565600" cy="508184"/>
           </a:xfrm>
           <a:prstGeom prst="rect">
             <a:avLst/>
@@ -3361,276 +3505,7 @@
           </a:ln>
           <a:extLst>
             <a:ext uri="{C572A759-6A51-4108-AA02-DFA0A04FC94B}">
-              <ma14:wrappingTextBoxFlag xmlns:ma14="http://schemas.microsoft.com/office/mac/drawingml/2011/main" val="1"/>
-            </a:ext>
-          </a:extLst>
-        </p:spPr>
-        <p:txBody>
-          <a:bodyPr lIns="91424" tIns="91424" rIns="91424" bIns="91424">
-            <a:spAutoFit/>
-          </a:bodyPr>
-          <a:lstStyle/>
-          <a:p>
-            <a:pPr marL="457200" indent="-355600">
-              <a:lnSpc>
-                <a:spcPct val="115000"/>
-              </a:lnSpc>
-              <a:buClr>
-                <a:srgbClr val="000000"/>
-              </a:buClr>
-              <a:buSzPts val="2000"/>
-              <a:buAutoNum type="arabicPeriod" startAt="1"/>
-              <a:defRPr sz="2000">
-                <a:latin typeface="Open Sans"/>
-                <a:ea typeface="Open Sans"/>
-                <a:cs typeface="Open Sans"/>
-                <a:sym typeface="Open Sans"/>
-              </a:defRPr>
-            </a:pPr>
-            <a:r>
-              <a:t>Introduction</a:t>
-            </a:r>
-          </a:p>
-          <a:p>
-            <a:pPr marL="457200" indent="-355600">
-              <a:lnSpc>
-                <a:spcPct val="115000"/>
-              </a:lnSpc>
-              <a:buClr>
-                <a:srgbClr val="000000"/>
-              </a:buClr>
-              <a:buSzPts val="2000"/>
-              <a:buAutoNum type="arabicPeriod" startAt="1"/>
-              <a:defRPr sz="2000">
-                <a:latin typeface="Open Sans"/>
-                <a:ea typeface="Open Sans"/>
-                <a:cs typeface="Open Sans"/>
-                <a:sym typeface="Open Sans"/>
-              </a:defRPr>
-            </a:pPr>
-            <a:r>
-              <a:t>Data Exploration</a:t>
-            </a:r>
-          </a:p>
-          <a:p>
-            <a:pPr marL="457200" indent="-355600">
-              <a:lnSpc>
-                <a:spcPct val="115000"/>
-              </a:lnSpc>
-              <a:buClr>
-                <a:srgbClr val="000000"/>
-              </a:buClr>
-              <a:buSzPts val="2000"/>
-              <a:buAutoNum type="arabicPeriod" startAt="1"/>
-              <a:defRPr sz="2000">
-                <a:latin typeface="Open Sans"/>
-                <a:ea typeface="Open Sans"/>
-                <a:cs typeface="Open Sans"/>
-                <a:sym typeface="Open Sans"/>
-              </a:defRPr>
-            </a:pPr>
-            <a:r>
-              <a:t>Model Development</a:t>
-            </a:r>
-          </a:p>
-          <a:p>
-            <a:pPr marL="457200" indent="-355600">
-              <a:lnSpc>
-                <a:spcPct val="115000"/>
-              </a:lnSpc>
-              <a:buClr>
-                <a:srgbClr val="000000"/>
-              </a:buClr>
-              <a:buSzPts val="2000"/>
-              <a:buAutoNum type="arabicPeriod" startAt="1"/>
-              <a:defRPr sz="2000">
-                <a:latin typeface="Open Sans"/>
-                <a:ea typeface="Open Sans"/>
-                <a:cs typeface="Open Sans"/>
-                <a:sym typeface="Open Sans"/>
-              </a:defRPr>
-            </a:pPr>
-            <a:r>
-              <a:t>Interpretation</a:t>
-            </a:r>
-          </a:p>
-        </p:txBody>
-      </p:sp>
-      <p:sp>
-        <p:nvSpPr>
-          <p:cNvPr id="119" name="Note: The data and information in this document is reflective of a hypothetical situation and client. This document is to be used for KPMG Virtual Internship purposes only."/>
-          <p:cNvSpPr/>
-          <p:nvPr/>
-        </p:nvSpPr>
-        <p:spPr>
-          <a:xfrm>
-            <a:off x="-6201" y="-6350"/>
-            <a:ext cx="9175601" cy="238700"/>
-          </a:xfrm>
-          <a:prstGeom prst="rect">
-            <a:avLst/>
-          </a:prstGeom>
-          <a:solidFill>
-            <a:schemeClr val="accent3"/>
-          </a:solidFill>
-          <a:ln w="12700">
-            <a:miter lim="400000"/>
-          </a:ln>
-          <a:extLst>
-            <a:ext uri="{C572A759-6A51-4108-AA02-DFA0A04FC94B}">
-              <ma14:wrappingTextBoxFlag xmlns:ma14="http://schemas.microsoft.com/office/mac/drawingml/2011/main" val="1"/>
-            </a:ext>
-          </a:extLst>
-        </p:spPr>
-        <p:txBody>
-          <a:bodyPr lIns="45719" rIns="45719" anchor="ctr"/>
-          <a:lstStyle/>
-          <a:p>
-            <a:pPr defTabSz="457200">
-              <a:defRPr b="1" sz="500">
-                <a:latin typeface="Calibri"/>
-                <a:ea typeface="Calibri"/>
-                <a:cs typeface="Calibri"/>
-                <a:sym typeface="Calibri"/>
-              </a:defRPr>
-            </a:pPr>
-            <a:r>
-              <a:t>       Note: </a:t>
-            </a:r>
-            <a:r>
-              <a:rPr b="0"/>
-              <a:t>The data and information in this document is reflective of a hypothetical situation and client. This document is to be used for KPMG Virtual Internship purposes only. </a:t>
-            </a:r>
-          </a:p>
-        </p:txBody>
-      </p:sp>
-    </p:spTree>
-  </p:cSld>
-  <p:clrMapOvr>
-    <a:masterClrMapping/>
-  </p:clrMapOvr>
-  <p:transition xmlns:p14="http://schemas.microsoft.com/office/powerpoint/2010/main" spd="med" advClick="1"/>
-</p:sld>
-</file>
-
-<file path=ppt/slides/slide3.xml><?xml version="1.0" encoding="utf-8"?>
-<p:sld xmlns:a="http://schemas.openxmlformats.org/drawingml/2006/main" xmlns:r="http://schemas.openxmlformats.org/officeDocument/2006/relationships" xmlns:p="http://schemas.openxmlformats.org/presentationml/2006/main" showMasterSp="1" showMasterPhAnim="1">
-  <p:cSld>
-    <p:spTree>
-      <p:nvGrpSpPr>
-        <p:cNvPr id="1" name=""/>
-        <p:cNvGrpSpPr/>
-        <p:nvPr/>
-      </p:nvGrpSpPr>
-      <p:grpSpPr>
-        <a:xfrm>
-          <a:off x="0" y="0"/>
-          <a:ext cx="0" cy="0"/>
-          <a:chOff x="0" y="0"/>
-          <a:chExt cx="0" cy="0"/>
-        </a:xfrm>
-      </p:grpSpPr>
-      <p:sp>
-        <p:nvSpPr>
-          <p:cNvPr id="121" name="Shape 70"/>
-          <p:cNvSpPr/>
-          <p:nvPr/>
-        </p:nvSpPr>
-        <p:spPr>
-          <a:xfrm>
-            <a:off x="-15501" y="-19475"/>
-            <a:ext cx="9191402" cy="840000"/>
-          </a:xfrm>
-          <a:prstGeom prst="rect">
-            <a:avLst/>
-          </a:prstGeom>
-          <a:gradFill>
-            <a:gsLst>
-              <a:gs pos="0">
-                <a:srgbClr val="1077D2"/>
-              </a:gs>
-              <a:gs pos="100000">
-                <a:srgbClr val="093153"/>
-              </a:gs>
-            </a:gsLst>
-            <a:lin ang="12000143"/>
-          </a:gradFill>
-          <a:ln w="12700">
-            <a:miter lim="400000"/>
-          </a:ln>
-        </p:spPr>
-        <p:txBody>
-          <a:bodyPr lIns="45719" rIns="45719" anchor="ctr"/>
-          <a:lstStyle/>
-          <a:p>
-            <a:pPr/>
-          </a:p>
-        </p:txBody>
-      </p:sp>
-      <p:sp>
-        <p:nvSpPr>
-          <p:cNvPr id="122" name="Shape 71"/>
-          <p:cNvSpPr/>
-          <p:nvPr/>
-        </p:nvSpPr>
-        <p:spPr>
-          <a:xfrm>
-            <a:off x="205025" y="263974"/>
-            <a:ext cx="8565600" cy="466642"/>
-          </a:xfrm>
-          <a:prstGeom prst="rect">
-            <a:avLst/>
-          </a:prstGeom>
-          <a:ln w="12700">
-            <a:miter lim="400000"/>
-          </a:ln>
-          <a:extLst>
-            <a:ext uri="{C572A759-6A51-4108-AA02-DFA0A04FC94B}">
-              <ma14:wrappingTextBoxFlag xmlns:ma14="http://schemas.microsoft.com/office/mac/drawingml/2011/main" val="1"/>
-            </a:ext>
-          </a:extLst>
-        </p:spPr>
-        <p:txBody>
-          <a:bodyPr lIns="91424" tIns="91424" rIns="91424" bIns="91424">
-            <a:spAutoFit/>
-          </a:bodyPr>
-          <a:lstStyle>
-            <a:lvl1pPr>
-              <a:defRPr b="1" sz="2000">
-                <a:solidFill>
-                  <a:srgbClr val="FFFFFF"/>
-                </a:solidFill>
-              </a:defRPr>
-            </a:lvl1pPr>
-          </a:lstStyle>
-          <a:p>
-            <a:pPr/>
-            <a:r>
-              <a:t>Introduction</a:t>
-            </a:r>
-          </a:p>
-        </p:txBody>
-      </p:sp>
-      <p:sp>
-        <p:nvSpPr>
-          <p:cNvPr id="123" name="Shape 72"/>
-          <p:cNvSpPr/>
-          <p:nvPr/>
-        </p:nvSpPr>
-        <p:spPr>
-          <a:xfrm>
-            <a:off x="205025" y="1083299"/>
-            <a:ext cx="8565600" cy="920086"/>
-          </a:xfrm>
-          <a:prstGeom prst="rect">
-            <a:avLst/>
-          </a:prstGeom>
-          <a:ln w="12700">
-            <a:miter lim="400000"/>
-          </a:ln>
-          <a:extLst>
-            <a:ext uri="{C572A759-6A51-4108-AA02-DFA0A04FC94B}">
-              <ma14:wrappingTextBoxFlag xmlns:ma14="http://schemas.microsoft.com/office/mac/drawingml/2011/main" val="1"/>
+              <ma14:wrappingTextBoxFlag xmlns:ma14="http://schemas.microsoft.com/office/mac/drawingml/2011/main" xmlns="" val="1"/>
             </a:ext>
           </a:extLst>
         </p:spPr>
@@ -3643,7 +3518,7 @@
               <a:lnSpc>
                 <a:spcPct val="115000"/>
               </a:lnSpc>
-              <a:defRPr b="1" sz="2000">
+              <a:defRPr sz="2000" b="1">
                 <a:latin typeface="Open Sans"/>
                 <a:ea typeface="Open Sans"/>
                 <a:cs typeface="Open Sans"/>
@@ -3652,23 +3527,24 @@
             </a:lvl1pPr>
           </a:lstStyle>
           <a:p>
-            <a:pPr/>
-            <a:r>
-              <a:t>Place headline insight or information here. This should be the most important point for this slide.</a:t>
-            </a:r>
-          </a:p>
-        </p:txBody>
-      </p:sp>
-      <p:sp>
-        <p:nvSpPr>
-          <p:cNvPr id="124" name="Shape 73"/>
+            <a:r>
+              <a:rPr lang="en-CA" dirty="0"/>
+              <a:t>Recency, Frequency, Monetary (RFM) Analysis</a:t>
+            </a:r>
+            <a:endParaRPr dirty="0"/>
+          </a:p>
+        </p:txBody>
+      </p:sp>
+      <p:sp>
+        <p:nvSpPr>
+          <p:cNvPr id="142" name="Shape 91"/>
           <p:cNvSpPr/>
           <p:nvPr/>
         </p:nvSpPr>
         <p:spPr>
           <a:xfrm>
-            <a:off x="205025" y="2164724"/>
-            <a:ext cx="4134600" cy="436851"/>
+            <a:off x="205025" y="2009970"/>
+            <a:ext cx="4134600" cy="2020008"/>
           </a:xfrm>
           <a:prstGeom prst="rect">
             <a:avLst/>
@@ -3678,7 +3554,7 @@
           </a:ln>
           <a:extLst>
             <a:ext uri="{C572A759-6A51-4108-AA02-DFA0A04FC94B}">
-              <ma14:wrappingTextBoxFlag xmlns:ma14="http://schemas.microsoft.com/office/mac/drawingml/2011/main" val="1"/>
+              <ma14:wrappingTextBoxFlag xmlns:ma14="http://schemas.microsoft.com/office/mac/drawingml/2011/main" xmlns="" val="1"/>
             </a:ext>
           </a:extLst>
         </p:spPr>
@@ -3700,173 +3576,94 @@
             </a:lvl1pPr>
           </a:lstStyle>
           <a:p>
-            <a:pPr/>
-            <a:r>
-              <a:t>Place any information about this point here.</a:t>
-            </a:r>
-          </a:p>
-        </p:txBody>
-      </p:sp>
-      <p:grpSp>
-        <p:nvGrpSpPr>
-          <p:cNvPr id="127" name="Shape 74"/>
-          <p:cNvGrpSpPr/>
-          <p:nvPr/>
-        </p:nvGrpSpPr>
-        <p:grpSpPr>
-          <a:xfrm>
-            <a:off x="4969974" y="2164724"/>
-            <a:ext cx="3800702" cy="2649302"/>
-            <a:chOff x="0" y="0"/>
-            <a:chExt cx="3800700" cy="2649300"/>
-          </a:xfrm>
-        </p:grpSpPr>
-        <p:sp>
-          <p:nvSpPr>
-            <p:cNvPr id="125" name="Rectangle"/>
-            <p:cNvSpPr/>
-            <p:nvPr/>
-          </p:nvSpPr>
-          <p:spPr>
-            <a:xfrm>
-              <a:off x="-1" y="-1"/>
-              <a:ext cx="3800702" cy="2649302"/>
-            </a:xfrm>
-            <a:prstGeom prst="rect">
-              <a:avLst/>
-            </a:prstGeom>
-            <a:solidFill>
-              <a:srgbClr val="EEEEEE"/>
-            </a:solidFill>
-            <a:ln w="12700" cap="flat">
-              <a:noFill/>
-              <a:miter lim="400000"/>
-            </a:ln>
-            <a:effectLst/>
-          </p:spPr>
-          <p:txBody>
-            <a:bodyPr wrap="square" lIns="45719" tIns="45719" rIns="45719" bIns="45719" numCol="1" anchor="ctr">
-              <a:noAutofit/>
-            </a:bodyPr>
-            <a:lstStyle/>
-            <a:p>
-              <a:pPr algn="ctr">
-                <a:defRPr>
-                  <a:solidFill>
-                    <a:srgbClr val="666666"/>
-                  </a:solidFill>
-                </a:defRPr>
-              </a:pPr>
-            </a:p>
-          </p:txBody>
-        </p:sp>
-        <p:sp>
-          <p:nvSpPr>
-            <p:cNvPr id="126" name="Place any supporting images, graphs, data or extra text here."/>
-            <p:cNvSpPr/>
-            <p:nvPr/>
-          </p:nvSpPr>
-          <p:spPr>
-            <a:xfrm>
-              <a:off x="-1" y="1032933"/>
-              <a:ext cx="3800702" cy="583434"/>
-            </a:xfrm>
-            <a:prstGeom prst="rect">
-              <a:avLst/>
-            </a:prstGeom>
-            <a:noFill/>
-            <a:ln w="12700" cap="flat">
-              <a:noFill/>
-              <a:miter lim="400000"/>
-            </a:ln>
-            <a:effectLst/>
+            <a:pPr marL="285750" indent="-285750">
+              <a:buFont typeface="Arial" panose="020B0604020202020204" pitchFamily="34" charset="0"/>
+              <a:buChar char="•"/>
+            </a:pPr>
+            <a:r>
+              <a:rPr lang="en-CA" dirty="0"/>
+              <a:t>RFM measures customers’ behavior</a:t>
+            </a:r>
+          </a:p>
+          <a:p>
+            <a:pPr marL="285750" indent="-285750">
+              <a:buFont typeface="Arial" panose="020B0604020202020204" pitchFamily="34" charset="0"/>
+              <a:buChar char="•"/>
+            </a:pPr>
+            <a:r>
+              <a:rPr lang="en-CA" dirty="0"/>
+              <a:t>Frequency and Monetary affects customer lifetime value</a:t>
+            </a:r>
+          </a:p>
+          <a:p>
+            <a:pPr marL="285750" indent="-285750">
+              <a:buFont typeface="Arial" panose="020B0604020202020204" pitchFamily="34" charset="0"/>
+              <a:buChar char="•"/>
+            </a:pPr>
+            <a:r>
+              <a:rPr lang="en-CA" dirty="0"/>
+              <a:t>Recency affects customer retention</a:t>
+            </a:r>
+          </a:p>
+          <a:p>
+            <a:pPr marL="285750" indent="-285750">
+              <a:buFont typeface="Arial" panose="020B0604020202020204" pitchFamily="34" charset="0"/>
+              <a:buChar char="•"/>
+            </a:pPr>
+            <a:r>
+              <a:rPr lang="en-CA" dirty="0"/>
+              <a:t>Classified into four groups by their RFM score from highest to lowest respectively: Platinum, Gold, Silver, and Bronze</a:t>
+            </a:r>
+          </a:p>
+        </p:txBody>
+      </p:sp>
+      <p:pic>
+        <p:nvPicPr>
+          <p:cNvPr id="5" name="Picture 4" descr="A screenshot of a cell phone&#10;&#10;Description automatically generated">
             <a:extLst>
-              <a:ext uri="{C572A759-6A51-4108-AA02-DFA0A04FC94B}">
-                <ma14:wrappingTextBoxFlag xmlns:ma14="http://schemas.microsoft.com/office/mac/drawingml/2011/main" val="1"/>
+              <a:ext uri="{FF2B5EF4-FFF2-40B4-BE49-F238E27FC236}">
+                <a16:creationId xmlns:a16="http://schemas.microsoft.com/office/drawing/2014/main" id="{509DBFB4-2D67-4D34-881D-1C1EA69FC9D6}"/>
               </a:ext>
             </a:extLst>
-          </p:spPr>
-          <p:txBody>
-            <a:bodyPr wrap="square" lIns="91424" tIns="91424" rIns="91424" bIns="91424" numCol="1" anchor="ctr">
-              <a:spAutoFit/>
-            </a:bodyPr>
-            <a:lstStyle>
-              <a:lvl1pPr algn="ctr">
-                <a:defRPr>
-                  <a:solidFill>
-                    <a:srgbClr val="666666"/>
-                  </a:solidFill>
-                </a:defRPr>
-              </a:lvl1pPr>
-            </a:lstStyle>
-            <a:p>
-              <a:pPr/>
-              <a:r>
-                <a:t>Place any supporting images, graphs, data or extra text here.</a:t>
-              </a:r>
-            </a:p>
-          </p:txBody>
-        </p:sp>
-      </p:grpSp>
-      <p:sp>
-        <p:nvSpPr>
-          <p:cNvPr id="128" name="Note: The data and information in this document is reflective of a hypothetical situation and client. This document is to be used for KPMG Virtual Internship purposes only."/>
-          <p:cNvSpPr/>
+          </p:cNvPr>
+          <p:cNvPicPr>
+            <a:picLocks noChangeAspect="1"/>
+          </p:cNvPicPr>
           <p:nvPr/>
-        </p:nvSpPr>
+        </p:nvPicPr>
+        <p:blipFill>
+          <a:blip r:embed="rId2">
+            <a:extLst>
+              <a:ext uri="{28A0092B-C50C-407E-A947-70E740481C1C}">
+                <a14:useLocalDpi xmlns:a14="http://schemas.microsoft.com/office/drawing/2010/main" val="0"/>
+              </a:ext>
+            </a:extLst>
+          </a:blip>
+          <a:stretch>
+            <a:fillRect/>
+          </a:stretch>
+        </p:blipFill>
         <p:spPr>
           <a:xfrm>
-            <a:off x="-6201" y="-6350"/>
-            <a:ext cx="9175601" cy="238700"/>
-          </a:xfrm>
-          <a:prstGeom prst="rect">
-            <a:avLst/>
-          </a:prstGeom>
-          <a:solidFill>
-            <a:schemeClr val="accent3"/>
-          </a:solidFill>
-          <a:ln w="12700">
-            <a:miter lim="400000"/>
-          </a:ln>
-          <a:extLst>
-            <a:ext uri="{C572A759-6A51-4108-AA02-DFA0A04FC94B}">
-              <ma14:wrappingTextBoxFlag xmlns:ma14="http://schemas.microsoft.com/office/mac/drawingml/2011/main" val="1"/>
-            </a:ext>
-          </a:extLst>
-        </p:spPr>
-        <p:txBody>
-          <a:bodyPr lIns="45719" rIns="45719" anchor="ctr"/>
-          <a:lstStyle/>
-          <a:p>
-            <a:pPr defTabSz="457200">
-              <a:defRPr b="1" sz="500">
-                <a:latin typeface="Calibri"/>
-                <a:ea typeface="Calibri"/>
-                <a:cs typeface="Calibri"/>
-                <a:sym typeface="Calibri"/>
-              </a:defRPr>
-            </a:pPr>
-            <a:r>
-              <a:t>       Note: </a:t>
-            </a:r>
-            <a:r>
-              <a:rPr b="0"/>
-              <a:t>The data and information in this document is reflective of a hypothetical situation and client. This document is to be used for KPMG Virtual Internship purposes only. </a:t>
-            </a:r>
-          </a:p>
-        </p:txBody>
-      </p:sp>
+            <a:off x="4668253" y="2009970"/>
+            <a:ext cx="4270722" cy="1708582"/>
+          </a:xfrm>
+          <a:prstGeom prst="rect">
+            <a:avLst/>
+          </a:prstGeom>
+        </p:spPr>
+      </p:pic>
     </p:spTree>
   </p:cSld>
   <p:clrMapOvr>
     <a:masterClrMapping/>
   </p:clrMapOvr>
-  <p:transition xmlns:p14="http://schemas.microsoft.com/office/powerpoint/2010/main" spd="med" advClick="1"/>
+  <p:transition spd="med"/>
 </p:sld>
 </file>
 
-<file path=ppt/slides/slide4.xml><?xml version="1.0" encoding="utf-8"?>
-<p:sld xmlns:a="http://schemas.openxmlformats.org/drawingml/2006/main" xmlns:r="http://schemas.openxmlformats.org/officeDocument/2006/relationships" xmlns:p="http://schemas.openxmlformats.org/presentationml/2006/main" showMasterSp="1" showMasterPhAnim="1">
+<file path=ppt/slides/slide11.xml><?xml version="1.0" encoding="utf-8"?>
+<p:sld xmlns:a="http://schemas.openxmlformats.org/drawingml/2006/main" xmlns:r="http://schemas.openxmlformats.org/officeDocument/2006/relationships" xmlns:p="http://schemas.openxmlformats.org/presentationml/2006/main">
   <p:cSld>
     <p:spTree>
       <p:nvGrpSpPr>
@@ -3884,7 +3681,7 @@
       </p:grpSpPr>
       <p:sp>
         <p:nvSpPr>
-          <p:cNvPr id="130" name="Shape 79"/>
+          <p:cNvPr id="148" name="Shape 97"/>
           <p:cNvSpPr/>
           <p:nvPr/>
         </p:nvSpPr>
@@ -3915,20 +3712,20 @@
           <a:bodyPr lIns="45719" rIns="45719" anchor="ctr"/>
           <a:lstStyle/>
           <a:p>
-            <a:pPr/>
-          </a:p>
-        </p:txBody>
-      </p:sp>
-      <p:sp>
-        <p:nvSpPr>
-          <p:cNvPr id="131" name="Shape 80"/>
+            <a:endParaRPr/>
+          </a:p>
+        </p:txBody>
+      </p:sp>
+      <p:sp>
+        <p:nvSpPr>
+          <p:cNvPr id="149" name="Shape 98"/>
           <p:cNvSpPr/>
           <p:nvPr/>
         </p:nvSpPr>
         <p:spPr>
           <a:xfrm>
             <a:off x="205025" y="263974"/>
-            <a:ext cx="8565600" cy="466642"/>
+            <a:ext cx="8565600" cy="758742"/>
           </a:xfrm>
           <a:prstGeom prst="rect">
             <a:avLst/>
@@ -3938,7 +3735,7 @@
           </a:ln>
           <a:extLst>
             <a:ext uri="{C572A759-6A51-4108-AA02-DFA0A04FC94B}">
-              <ma14:wrappingTextBoxFlag xmlns:ma14="http://schemas.microsoft.com/office/mac/drawingml/2011/main" val="1"/>
+              <ma14:wrappingTextBoxFlag xmlns:ma14="http://schemas.microsoft.com/office/mac/drawingml/2011/main" xmlns="" val="1"/>
             </a:ext>
           </a:extLst>
         </p:spPr>
@@ -3948,7 +3745,7 @@
           </a:bodyPr>
           <a:lstStyle>
             <a:lvl1pPr>
-              <a:defRPr b="1" sz="2000">
+              <a:defRPr sz="2000" b="1">
                 <a:solidFill>
                   <a:srgbClr val="FFFFFF"/>
                 </a:solidFill>
@@ -3956,23 +3753,22 @@
             </a:lvl1pPr>
           </a:lstStyle>
           <a:p>
-            <a:pPr/>
-            <a:r>
-              <a:t>Data Exploration</a:t>
-            </a:r>
-          </a:p>
-        </p:txBody>
-      </p:sp>
-      <p:sp>
-        <p:nvSpPr>
-          <p:cNvPr id="132" name="Shape 81"/>
+            <a:r>
+              <a:t>Interpretation</a:t>
+            </a:r>
+          </a:p>
+        </p:txBody>
+      </p:sp>
+      <p:sp>
+        <p:nvSpPr>
+          <p:cNvPr id="150" name="Shape 99"/>
           <p:cNvSpPr/>
           <p:nvPr/>
         </p:nvSpPr>
         <p:spPr>
           <a:xfrm>
             <a:off x="205025" y="1083299"/>
-            <a:ext cx="8565600" cy="920086"/>
+            <a:ext cx="8565600" cy="508184"/>
           </a:xfrm>
           <a:prstGeom prst="rect">
             <a:avLst/>
@@ -3982,7 +3778,7 @@
           </a:ln>
           <a:extLst>
             <a:ext uri="{C572A759-6A51-4108-AA02-DFA0A04FC94B}">
-              <ma14:wrappingTextBoxFlag xmlns:ma14="http://schemas.microsoft.com/office/mac/drawingml/2011/main" val="1"/>
+              <ma14:wrappingTextBoxFlag xmlns:ma14="http://schemas.microsoft.com/office/mac/drawingml/2011/main" xmlns="" val="1"/>
             </a:ext>
           </a:extLst>
         </p:spPr>
@@ -3995,7 +3791,7 @@
               <a:lnSpc>
                 <a:spcPct val="115000"/>
               </a:lnSpc>
-              <a:defRPr b="1" sz="2000">
+              <a:defRPr sz="2000" b="1">
                 <a:latin typeface="Open Sans"/>
                 <a:ea typeface="Open Sans"/>
                 <a:cs typeface="Open Sans"/>
@@ -4004,23 +3800,24 @@
             </a:lvl1pPr>
           </a:lstStyle>
           <a:p>
-            <a:pPr/>
-            <a:r>
-              <a:t>Place headline insight or information here. This should be the most important point for this slide.</a:t>
-            </a:r>
-          </a:p>
-        </p:txBody>
-      </p:sp>
-      <p:sp>
-        <p:nvSpPr>
-          <p:cNvPr id="133" name="Shape 82"/>
+            <a:r>
+              <a:rPr lang="en-CA" dirty="0"/>
+              <a:t>Recency vs Monetary</a:t>
+            </a:r>
+            <a:endParaRPr dirty="0"/>
+          </a:p>
+        </p:txBody>
+      </p:sp>
+      <p:sp>
+        <p:nvSpPr>
+          <p:cNvPr id="151" name="Shape 100"/>
           <p:cNvSpPr/>
           <p:nvPr/>
         </p:nvSpPr>
         <p:spPr>
           <a:xfrm>
             <a:off x="205025" y="2164724"/>
-            <a:ext cx="4134600" cy="436851"/>
+            <a:ext cx="4134600" cy="1754551"/>
           </a:xfrm>
           <a:prstGeom prst="rect">
             <a:avLst/>
@@ -4030,7 +3827,7 @@
           </a:ln>
           <a:extLst>
             <a:ext uri="{C572A759-6A51-4108-AA02-DFA0A04FC94B}">
-              <ma14:wrappingTextBoxFlag xmlns:ma14="http://schemas.microsoft.com/office/mac/drawingml/2011/main" val="1"/>
+              <ma14:wrappingTextBoxFlag xmlns:ma14="http://schemas.microsoft.com/office/mac/drawingml/2011/main" xmlns="" val="1"/>
             </a:ext>
           </a:extLst>
         </p:spPr>
@@ -4052,173 +3849,84 @@
             </a:lvl1pPr>
           </a:lstStyle>
           <a:p>
-            <a:pPr/>
-            <a:r>
-              <a:t>Place any information about this point here.</a:t>
-            </a:r>
-          </a:p>
-        </p:txBody>
-      </p:sp>
-      <p:grpSp>
-        <p:nvGrpSpPr>
-          <p:cNvPr id="136" name="Shape 83"/>
-          <p:cNvGrpSpPr/>
-          <p:nvPr/>
-        </p:nvGrpSpPr>
-        <p:grpSpPr>
-          <a:xfrm>
-            <a:off x="4969974" y="2164724"/>
-            <a:ext cx="3800702" cy="2649302"/>
-            <a:chOff x="0" y="0"/>
-            <a:chExt cx="3800700" cy="2649300"/>
-          </a:xfrm>
-        </p:grpSpPr>
-        <p:sp>
-          <p:nvSpPr>
-            <p:cNvPr id="134" name="Rectangle"/>
-            <p:cNvSpPr/>
-            <p:nvPr/>
-          </p:nvSpPr>
-          <p:spPr>
-            <a:xfrm>
-              <a:off x="-1" y="-1"/>
-              <a:ext cx="3800702" cy="2649302"/>
-            </a:xfrm>
-            <a:prstGeom prst="rect">
-              <a:avLst/>
-            </a:prstGeom>
-            <a:solidFill>
-              <a:srgbClr val="EEEEEE"/>
-            </a:solidFill>
-            <a:ln w="12700" cap="flat">
-              <a:noFill/>
-              <a:miter lim="400000"/>
-            </a:ln>
-            <a:effectLst/>
-          </p:spPr>
-          <p:txBody>
-            <a:bodyPr wrap="square" lIns="45719" tIns="45719" rIns="45719" bIns="45719" numCol="1" anchor="ctr">
-              <a:noAutofit/>
-            </a:bodyPr>
-            <a:lstStyle/>
-            <a:p>
-              <a:pPr algn="ctr">
-                <a:defRPr>
-                  <a:solidFill>
-                    <a:srgbClr val="666666"/>
-                  </a:solidFill>
-                </a:defRPr>
-              </a:pPr>
-            </a:p>
-          </p:txBody>
-        </p:sp>
-        <p:sp>
-          <p:nvSpPr>
-            <p:cNvPr id="135" name="Place any supporting images, graphs, data or extra text here."/>
-            <p:cNvSpPr/>
-            <p:nvPr/>
-          </p:nvSpPr>
-          <p:spPr>
-            <a:xfrm>
-              <a:off x="-1" y="1032933"/>
-              <a:ext cx="3800702" cy="583434"/>
-            </a:xfrm>
-            <a:prstGeom prst="rect">
-              <a:avLst/>
-            </a:prstGeom>
-            <a:noFill/>
-            <a:ln w="12700" cap="flat">
-              <a:noFill/>
-              <a:miter lim="400000"/>
-            </a:ln>
-            <a:effectLst/>
+            <a:pPr marL="285750" indent="-285750">
+              <a:buFont typeface="Arial" panose="020B0604020202020204" pitchFamily="34" charset="0"/>
+              <a:buChar char="•"/>
+            </a:pPr>
+            <a:r>
+              <a:rPr lang="en-CA" dirty="0"/>
+              <a:t>Platinum customers bought more recently and spent the most money </a:t>
+            </a:r>
+          </a:p>
+          <a:p>
+            <a:pPr marL="285750" indent="-285750">
+              <a:buFont typeface="Arial" panose="020B0604020202020204" pitchFamily="34" charset="0"/>
+              <a:buChar char="•"/>
+            </a:pPr>
+            <a:r>
+              <a:rPr lang="en-CA" dirty="0"/>
+              <a:t>Negative correlation between recency and monetary</a:t>
+            </a:r>
+          </a:p>
+          <a:p>
+            <a:pPr marL="285750" indent="-285750">
+              <a:buFont typeface="Arial" panose="020B0604020202020204" pitchFamily="34" charset="0"/>
+              <a:buChar char="•"/>
+            </a:pPr>
+            <a:r>
+              <a:rPr lang="en-CA" dirty="0"/>
+              <a:t>The less recent the last purchase is, the less profitable the customer</a:t>
+            </a:r>
+            <a:endParaRPr dirty="0"/>
+          </a:p>
+        </p:txBody>
+      </p:sp>
+      <p:pic>
+        <p:nvPicPr>
+          <p:cNvPr id="2" name="Picture 1" descr="A close up of a map&#10;&#10;Description automatically generated">
             <a:extLst>
-              <a:ext uri="{C572A759-6A51-4108-AA02-DFA0A04FC94B}">
-                <ma14:wrappingTextBoxFlag xmlns:ma14="http://schemas.microsoft.com/office/mac/drawingml/2011/main" val="1"/>
+              <a:ext uri="{FF2B5EF4-FFF2-40B4-BE49-F238E27FC236}">
+                <a16:creationId xmlns:a16="http://schemas.microsoft.com/office/drawing/2014/main" id="{54F40982-F02B-4E12-A628-59F2A0A316F7}"/>
               </a:ext>
             </a:extLst>
-          </p:spPr>
-          <p:txBody>
-            <a:bodyPr wrap="square" lIns="91424" tIns="91424" rIns="91424" bIns="91424" numCol="1" anchor="ctr">
-              <a:spAutoFit/>
-            </a:bodyPr>
-            <a:lstStyle>
-              <a:lvl1pPr algn="ctr">
-                <a:defRPr>
-                  <a:solidFill>
-                    <a:srgbClr val="666666"/>
-                  </a:solidFill>
-                </a:defRPr>
-              </a:lvl1pPr>
-            </a:lstStyle>
-            <a:p>
-              <a:pPr/>
-              <a:r>
-                <a:t>Place any supporting images, graphs, data or extra text here.</a:t>
-              </a:r>
-            </a:p>
-          </p:txBody>
-        </p:sp>
-      </p:grpSp>
-      <p:sp>
-        <p:nvSpPr>
-          <p:cNvPr id="137" name="Note: The data and information in this document is reflective of a hypothetical situation and client. This document is to be used for KPMG Virtual Internship purposes only."/>
-          <p:cNvSpPr/>
+          </p:cNvPr>
+          <p:cNvPicPr>
+            <a:picLocks noChangeAspect="1"/>
+          </p:cNvPicPr>
           <p:nvPr/>
-        </p:nvSpPr>
+        </p:nvPicPr>
+        <p:blipFill rotWithShape="1">
+          <a:blip r:embed="rId2" cstate="print">
+            <a:extLst>
+              <a:ext uri="{28A0092B-C50C-407E-A947-70E740481C1C}">
+                <a14:useLocalDpi xmlns:a14="http://schemas.microsoft.com/office/drawing/2010/main" val="0"/>
+              </a:ext>
+            </a:extLst>
+          </a:blip>
+          <a:srcRect l="6594" t="7763" r="9181" b="5426"/>
+          <a:stretch/>
+        </p:blipFill>
         <p:spPr>
           <a:xfrm>
-            <a:off x="-6201" y="-6350"/>
-            <a:ext cx="9175601" cy="238700"/>
-          </a:xfrm>
-          <a:prstGeom prst="rect">
-            <a:avLst/>
-          </a:prstGeom>
-          <a:solidFill>
-            <a:schemeClr val="accent3"/>
-          </a:solidFill>
-          <a:ln w="12700">
-            <a:miter lim="400000"/>
-          </a:ln>
-          <a:extLst>
-            <a:ext uri="{C572A759-6A51-4108-AA02-DFA0A04FC94B}">
-              <ma14:wrappingTextBoxFlag xmlns:ma14="http://schemas.microsoft.com/office/mac/drawingml/2011/main" val="1"/>
-            </a:ext>
-          </a:extLst>
-        </p:spPr>
-        <p:txBody>
-          <a:bodyPr lIns="45719" rIns="45719" anchor="ctr"/>
-          <a:lstStyle/>
-          <a:p>
-            <a:pPr defTabSz="457200">
-              <a:defRPr b="1" sz="500">
-                <a:latin typeface="Calibri"/>
-                <a:ea typeface="Calibri"/>
-                <a:cs typeface="Calibri"/>
-                <a:sym typeface="Calibri"/>
-              </a:defRPr>
-            </a:pPr>
-            <a:r>
-              <a:t>       Note: </a:t>
-            </a:r>
-            <a:r>
-              <a:rPr b="0"/>
-              <a:t>The data and information in this document is reflective of a hypothetical situation and client. This document is to be used for KPMG Virtual Internship purposes only. </a:t>
-            </a:r>
-          </a:p>
-        </p:txBody>
-      </p:sp>
+            <a:off x="4487825" y="1962542"/>
+            <a:ext cx="4397189" cy="2266143"/>
+          </a:xfrm>
+          <a:prstGeom prst="rect">
+            <a:avLst/>
+          </a:prstGeom>
+        </p:spPr>
+      </p:pic>
     </p:spTree>
   </p:cSld>
   <p:clrMapOvr>
     <a:masterClrMapping/>
   </p:clrMapOvr>
-  <p:transition xmlns:p14="http://schemas.microsoft.com/office/powerpoint/2010/main" spd="med" advClick="1"/>
+  <p:transition spd="med"/>
 </p:sld>
 </file>
 
-<file path=ppt/slides/slide5.xml><?xml version="1.0" encoding="utf-8"?>
-<p:sld xmlns:a="http://schemas.openxmlformats.org/drawingml/2006/main" xmlns:r="http://schemas.openxmlformats.org/officeDocument/2006/relationships" xmlns:p="http://schemas.openxmlformats.org/presentationml/2006/main" showMasterSp="1" showMasterPhAnim="1">
+<file path=ppt/slides/slide12.xml><?xml version="1.0" encoding="utf-8"?>
+<p:sld xmlns:a="http://schemas.openxmlformats.org/drawingml/2006/main" xmlns:r="http://schemas.openxmlformats.org/officeDocument/2006/relationships" xmlns:p="http://schemas.openxmlformats.org/presentationml/2006/main">
   <p:cSld>
     <p:spTree>
       <p:nvGrpSpPr>
@@ -4236,7 +3944,7 @@
       </p:grpSpPr>
       <p:sp>
         <p:nvSpPr>
-          <p:cNvPr id="139" name="Shape 88"/>
+          <p:cNvPr id="148" name="Shape 97"/>
           <p:cNvSpPr/>
           <p:nvPr/>
         </p:nvSpPr>
@@ -4267,20 +3975,20 @@
           <a:bodyPr lIns="45719" rIns="45719" anchor="ctr"/>
           <a:lstStyle/>
           <a:p>
-            <a:pPr/>
-          </a:p>
-        </p:txBody>
-      </p:sp>
-      <p:sp>
-        <p:nvSpPr>
-          <p:cNvPr id="140" name="Shape 89"/>
+            <a:endParaRPr/>
+          </a:p>
+        </p:txBody>
+      </p:sp>
+      <p:sp>
+        <p:nvSpPr>
+          <p:cNvPr id="149" name="Shape 98"/>
           <p:cNvSpPr/>
           <p:nvPr/>
         </p:nvSpPr>
         <p:spPr>
           <a:xfrm>
             <a:off x="205025" y="263974"/>
-            <a:ext cx="8565600" cy="466642"/>
+            <a:ext cx="8565600" cy="758742"/>
           </a:xfrm>
           <a:prstGeom prst="rect">
             <a:avLst/>
@@ -4290,7 +3998,7 @@
           </a:ln>
           <a:extLst>
             <a:ext uri="{C572A759-6A51-4108-AA02-DFA0A04FC94B}">
-              <ma14:wrappingTextBoxFlag xmlns:ma14="http://schemas.microsoft.com/office/mac/drawingml/2011/main" val="1"/>
+              <ma14:wrappingTextBoxFlag xmlns:ma14="http://schemas.microsoft.com/office/mac/drawingml/2011/main" xmlns="" val="1"/>
             </a:ext>
           </a:extLst>
         </p:spPr>
@@ -4300,7 +4008,7 @@
           </a:bodyPr>
           <a:lstStyle>
             <a:lvl1pPr>
-              <a:defRPr b="1" sz="2000">
+              <a:defRPr sz="2000" b="1">
                 <a:solidFill>
                   <a:srgbClr val="FFFFFF"/>
                 </a:solidFill>
@@ -4308,23 +4016,22 @@
             </a:lvl1pPr>
           </a:lstStyle>
           <a:p>
-            <a:pPr/>
-            <a:r>
-              <a:t>Model Development</a:t>
-            </a:r>
-          </a:p>
-        </p:txBody>
-      </p:sp>
-      <p:sp>
-        <p:nvSpPr>
-          <p:cNvPr id="141" name="Shape 90"/>
+            <a:r>
+              <a:t>Interpretation</a:t>
+            </a:r>
+          </a:p>
+        </p:txBody>
+      </p:sp>
+      <p:sp>
+        <p:nvSpPr>
+          <p:cNvPr id="150" name="Shape 99"/>
           <p:cNvSpPr/>
           <p:nvPr/>
         </p:nvSpPr>
         <p:spPr>
           <a:xfrm>
             <a:off x="205025" y="1083299"/>
-            <a:ext cx="8565600" cy="920086"/>
+            <a:ext cx="8565600" cy="508184"/>
           </a:xfrm>
           <a:prstGeom prst="rect">
             <a:avLst/>
@@ -4334,7 +4041,7 @@
           </a:ln>
           <a:extLst>
             <a:ext uri="{C572A759-6A51-4108-AA02-DFA0A04FC94B}">
-              <ma14:wrappingTextBoxFlag xmlns:ma14="http://schemas.microsoft.com/office/mac/drawingml/2011/main" val="1"/>
+              <ma14:wrappingTextBoxFlag xmlns:ma14="http://schemas.microsoft.com/office/mac/drawingml/2011/main" xmlns="" val="1"/>
             </a:ext>
           </a:extLst>
         </p:spPr>
@@ -4347,7 +4054,7 @@
               <a:lnSpc>
                 <a:spcPct val="115000"/>
               </a:lnSpc>
-              <a:defRPr b="1" sz="2000">
+              <a:defRPr sz="2000" b="1">
                 <a:latin typeface="Open Sans"/>
                 <a:ea typeface="Open Sans"/>
                 <a:cs typeface="Open Sans"/>
@@ -4356,23 +4063,24 @@
             </a:lvl1pPr>
           </a:lstStyle>
           <a:p>
-            <a:pPr/>
-            <a:r>
-              <a:t>Place headline insight or information here. This should be the most important point for this slide.</a:t>
-            </a:r>
-          </a:p>
-        </p:txBody>
-      </p:sp>
-      <p:sp>
-        <p:nvSpPr>
-          <p:cNvPr id="142" name="Shape 91"/>
+            <a:r>
+              <a:rPr lang="en-CA" dirty="0"/>
+              <a:t>Recency vs Frequency</a:t>
+            </a:r>
+            <a:endParaRPr dirty="0"/>
+          </a:p>
+        </p:txBody>
+      </p:sp>
+      <p:sp>
+        <p:nvSpPr>
+          <p:cNvPr id="151" name="Shape 100"/>
           <p:cNvSpPr/>
           <p:nvPr/>
         </p:nvSpPr>
         <p:spPr>
           <a:xfrm>
             <a:off x="205025" y="2164724"/>
-            <a:ext cx="4134600" cy="436851"/>
+            <a:ext cx="4134600" cy="1754551"/>
           </a:xfrm>
           <a:prstGeom prst="rect">
             <a:avLst/>
@@ -4382,7 +4090,7 @@
           </a:ln>
           <a:extLst>
             <a:ext uri="{C572A759-6A51-4108-AA02-DFA0A04FC94B}">
-              <ma14:wrappingTextBoxFlag xmlns:ma14="http://schemas.microsoft.com/office/mac/drawingml/2011/main" val="1"/>
+              <ma14:wrappingTextBoxFlag xmlns:ma14="http://schemas.microsoft.com/office/mac/drawingml/2011/main" xmlns="" val="1"/>
             </a:ext>
           </a:extLst>
         </p:spPr>
@@ -4404,173 +4112,90 @@
             </a:lvl1pPr>
           </a:lstStyle>
           <a:p>
-            <a:pPr/>
-            <a:r>
-              <a:t>Place any information about this point here.</a:t>
-            </a:r>
-          </a:p>
-        </p:txBody>
-      </p:sp>
-      <p:grpSp>
-        <p:nvGrpSpPr>
-          <p:cNvPr id="145" name="Shape 92"/>
-          <p:cNvGrpSpPr/>
-          <p:nvPr/>
-        </p:nvGrpSpPr>
-        <p:grpSpPr>
-          <a:xfrm>
-            <a:off x="4969974" y="2164724"/>
-            <a:ext cx="3800702" cy="2649302"/>
-            <a:chOff x="0" y="0"/>
-            <a:chExt cx="3800700" cy="2649300"/>
-          </a:xfrm>
-        </p:grpSpPr>
-        <p:sp>
-          <p:nvSpPr>
-            <p:cNvPr id="143" name="Rectangle"/>
-            <p:cNvSpPr/>
-            <p:nvPr/>
-          </p:nvSpPr>
-          <p:spPr>
-            <a:xfrm>
-              <a:off x="-1" y="-1"/>
-              <a:ext cx="3800702" cy="2649302"/>
-            </a:xfrm>
-            <a:prstGeom prst="rect">
-              <a:avLst/>
-            </a:prstGeom>
-            <a:solidFill>
-              <a:srgbClr val="EEEEEE"/>
-            </a:solidFill>
-            <a:ln w="12700" cap="flat">
-              <a:noFill/>
-              <a:miter lim="400000"/>
-            </a:ln>
-            <a:effectLst/>
-          </p:spPr>
-          <p:txBody>
-            <a:bodyPr wrap="square" lIns="45719" tIns="45719" rIns="45719" bIns="45719" numCol="1" anchor="ctr">
-              <a:noAutofit/>
-            </a:bodyPr>
-            <a:lstStyle/>
-            <a:p>
-              <a:pPr algn="ctr">
-                <a:defRPr>
-                  <a:solidFill>
-                    <a:srgbClr val="666666"/>
-                  </a:solidFill>
-                </a:defRPr>
-              </a:pPr>
-            </a:p>
-          </p:txBody>
-        </p:sp>
-        <p:sp>
-          <p:nvSpPr>
-            <p:cNvPr id="144" name="Place any supporting images, graphs, data or extra text here."/>
-            <p:cNvSpPr/>
-            <p:nvPr/>
-          </p:nvSpPr>
-          <p:spPr>
-            <a:xfrm>
-              <a:off x="-1" y="1032933"/>
-              <a:ext cx="3800702" cy="583434"/>
-            </a:xfrm>
-            <a:prstGeom prst="rect">
-              <a:avLst/>
-            </a:prstGeom>
-            <a:noFill/>
-            <a:ln w="12700" cap="flat">
-              <a:noFill/>
-              <a:miter lim="400000"/>
-            </a:ln>
-            <a:effectLst/>
+            <a:pPr marL="285750" indent="-285750">
+              <a:buFont typeface="Arial" panose="020B0604020202020204" pitchFamily="34" charset="0"/>
+              <a:buChar char="•"/>
+            </a:pPr>
+            <a:r>
+              <a:rPr lang="en-CA" dirty="0"/>
+              <a:t>Platinum customers bought more recently and frequently than other groups </a:t>
+            </a:r>
+          </a:p>
+          <a:p>
+            <a:pPr marL="285750" indent="-285750">
+              <a:buFont typeface="Arial" panose="020B0604020202020204" pitchFamily="34" charset="0"/>
+              <a:buChar char="•"/>
+            </a:pPr>
+            <a:r>
+              <a:rPr lang="en-CA" dirty="0"/>
+              <a:t>Negative correlation between recency and frequency</a:t>
+            </a:r>
+          </a:p>
+          <a:p>
+            <a:pPr marL="285750" indent="-285750">
+              <a:buFont typeface="Arial" panose="020B0604020202020204" pitchFamily="34" charset="0"/>
+              <a:buChar char="•"/>
+            </a:pPr>
+            <a:r>
+              <a:rPr lang="en-CA" dirty="0"/>
+              <a:t>The less recent the last purchase is, the less frequent the customer buys</a:t>
+            </a:r>
+            <a:endParaRPr dirty="0"/>
+          </a:p>
+        </p:txBody>
+      </p:sp>
+      <p:pic>
+        <p:nvPicPr>
+          <p:cNvPr id="4" name="Picture 3" descr="A close up of a map&#10;&#10;Description automatically generated">
             <a:extLst>
-              <a:ext uri="{C572A759-6A51-4108-AA02-DFA0A04FC94B}">
-                <ma14:wrappingTextBoxFlag xmlns:ma14="http://schemas.microsoft.com/office/mac/drawingml/2011/main" val="1"/>
+              <a:ext uri="{FF2B5EF4-FFF2-40B4-BE49-F238E27FC236}">
+                <a16:creationId xmlns:a16="http://schemas.microsoft.com/office/drawing/2014/main" id="{FE743F8A-5D51-47C9-9C3E-0B08C2A8F63F}"/>
               </a:ext>
             </a:extLst>
-          </p:spPr>
-          <p:txBody>
-            <a:bodyPr wrap="square" lIns="91424" tIns="91424" rIns="91424" bIns="91424" numCol="1" anchor="ctr">
-              <a:spAutoFit/>
-            </a:bodyPr>
-            <a:lstStyle>
-              <a:lvl1pPr algn="ctr">
-                <a:defRPr>
-                  <a:solidFill>
-                    <a:srgbClr val="666666"/>
-                  </a:solidFill>
-                </a:defRPr>
-              </a:lvl1pPr>
-            </a:lstStyle>
-            <a:p>
-              <a:pPr/>
-              <a:r>
-                <a:t>Place any supporting images, graphs, data or extra text here.</a:t>
-              </a:r>
-            </a:p>
-          </p:txBody>
-        </p:sp>
-      </p:grpSp>
-      <p:sp>
-        <p:nvSpPr>
-          <p:cNvPr id="146" name="Note: The data and information in this document is reflective of a hypothetical situation and client. This document is to be used for KPMG Virtual Internship purposes only."/>
-          <p:cNvSpPr/>
+          </p:cNvPr>
+          <p:cNvPicPr>
+            <a:picLocks noChangeAspect="1"/>
+          </p:cNvPicPr>
           <p:nvPr/>
-        </p:nvSpPr>
+        </p:nvPicPr>
+        <p:blipFill>
+          <a:blip r:embed="rId2" cstate="print">
+            <a:extLst>
+              <a:ext uri="{28A0092B-C50C-407E-A947-70E740481C1C}">
+                <a14:useLocalDpi xmlns:a14="http://schemas.microsoft.com/office/drawing/2010/main" val="0"/>
+              </a:ext>
+            </a:extLst>
+          </a:blip>
+          <a:stretch>
+            <a:fillRect/>
+          </a:stretch>
+        </p:blipFill>
         <p:spPr>
           <a:xfrm>
-            <a:off x="-6201" y="-6350"/>
-            <a:ext cx="9175601" cy="238700"/>
-          </a:xfrm>
-          <a:prstGeom prst="rect">
-            <a:avLst/>
-          </a:prstGeom>
-          <a:solidFill>
-            <a:schemeClr val="accent3"/>
-          </a:solidFill>
-          <a:ln w="12700">
-            <a:miter lim="400000"/>
-          </a:ln>
-          <a:extLst>
-            <a:ext uri="{C572A759-6A51-4108-AA02-DFA0A04FC94B}">
-              <ma14:wrappingTextBoxFlag xmlns:ma14="http://schemas.microsoft.com/office/mac/drawingml/2011/main" val="1"/>
-            </a:ext>
-          </a:extLst>
-        </p:spPr>
-        <p:txBody>
-          <a:bodyPr lIns="45719" rIns="45719" anchor="ctr"/>
-          <a:lstStyle/>
-          <a:p>
-            <a:pPr defTabSz="457200">
-              <a:defRPr b="1" sz="500">
-                <a:latin typeface="Calibri"/>
-                <a:ea typeface="Calibri"/>
-                <a:cs typeface="Calibri"/>
-                <a:sym typeface="Calibri"/>
-              </a:defRPr>
-            </a:pPr>
-            <a:r>
-              <a:t>       Note: </a:t>
-            </a:r>
-            <a:r>
-              <a:rPr b="0"/>
-              <a:t>The data and information in this document is reflective of a hypothetical situation and client. This document is to be used for KPMG Virtual Internship purposes only. </a:t>
-            </a:r>
-          </a:p>
-        </p:txBody>
-      </p:sp>
+            <a:off x="4403913" y="1727947"/>
+            <a:ext cx="4535062" cy="2568388"/>
+          </a:xfrm>
+          <a:prstGeom prst="rect">
+            <a:avLst/>
+          </a:prstGeom>
+        </p:spPr>
+      </p:pic>
     </p:spTree>
+    <p:extLst>
+      <p:ext uri="{BB962C8B-B14F-4D97-AF65-F5344CB8AC3E}">
+        <p14:creationId xmlns:p14="http://schemas.microsoft.com/office/powerpoint/2010/main" val="3962907672"/>
+      </p:ext>
+    </p:extLst>
   </p:cSld>
   <p:clrMapOvr>
     <a:masterClrMapping/>
   </p:clrMapOvr>
-  <p:transition xmlns:p14="http://schemas.microsoft.com/office/powerpoint/2010/main" spd="med" advClick="1"/>
+  <p:transition spd="med"/>
 </p:sld>
 </file>
 
-<file path=ppt/slides/slide6.xml><?xml version="1.0" encoding="utf-8"?>
-<p:sld xmlns:a="http://schemas.openxmlformats.org/drawingml/2006/main" xmlns:r="http://schemas.openxmlformats.org/officeDocument/2006/relationships" xmlns:p="http://schemas.openxmlformats.org/presentationml/2006/main" showMasterSp="1" showMasterPhAnim="1">
+<file path=ppt/slides/slide13.xml><?xml version="1.0" encoding="utf-8"?>
+<p:sld xmlns:a="http://schemas.openxmlformats.org/drawingml/2006/main" xmlns:r="http://schemas.openxmlformats.org/officeDocument/2006/relationships" xmlns:p="http://schemas.openxmlformats.org/presentationml/2006/main">
   <p:cSld>
     <p:spTree>
       <p:nvGrpSpPr>
@@ -4619,7 +4244,7 @@
           <a:bodyPr lIns="45719" rIns="45719" anchor="ctr"/>
           <a:lstStyle/>
           <a:p>
-            <a:pPr/>
+            <a:endParaRPr/>
           </a:p>
         </p:txBody>
       </p:sp>
@@ -4642,7 +4267,7 @@
           </a:ln>
           <a:extLst>
             <a:ext uri="{C572A759-6A51-4108-AA02-DFA0A04FC94B}">
-              <ma14:wrappingTextBoxFlag xmlns:ma14="http://schemas.microsoft.com/office/mac/drawingml/2011/main" val="1"/>
+              <ma14:wrappingTextBoxFlag xmlns:ma14="http://schemas.microsoft.com/office/mac/drawingml/2011/main" xmlns="" val="1"/>
             </a:ext>
           </a:extLst>
         </p:spPr>
@@ -4652,7 +4277,7 @@
           </a:bodyPr>
           <a:lstStyle>
             <a:lvl1pPr>
-              <a:defRPr b="1" sz="2000">
+              <a:defRPr sz="2000" b="1">
                 <a:solidFill>
                   <a:srgbClr val="FFFFFF"/>
                 </a:solidFill>
@@ -4660,7 +4285,6 @@
             </a:lvl1pPr>
           </a:lstStyle>
           <a:p>
-            <a:pPr/>
             <a:r>
               <a:t>Interpretation</a:t>
             </a:r>
@@ -4676,7 +4300,7 @@
         <p:spPr>
           <a:xfrm>
             <a:off x="205025" y="1083299"/>
-            <a:ext cx="8565600" cy="920086"/>
+            <a:ext cx="8565600" cy="508184"/>
           </a:xfrm>
           <a:prstGeom prst="rect">
             <a:avLst/>
@@ -4686,7 +4310,7 @@
           </a:ln>
           <a:extLst>
             <a:ext uri="{C572A759-6A51-4108-AA02-DFA0A04FC94B}">
-              <ma14:wrappingTextBoxFlag xmlns:ma14="http://schemas.microsoft.com/office/mac/drawingml/2011/main" val="1"/>
+              <ma14:wrappingTextBoxFlag xmlns:ma14="http://schemas.microsoft.com/office/mac/drawingml/2011/main" xmlns="" val="1"/>
             </a:ext>
           </a:extLst>
         </p:spPr>
@@ -4699,7 +4323,7 @@
               <a:lnSpc>
                 <a:spcPct val="115000"/>
               </a:lnSpc>
-              <a:defRPr b="1" sz="2000">
+              <a:defRPr sz="2000" b="1">
                 <a:latin typeface="Open Sans"/>
                 <a:ea typeface="Open Sans"/>
                 <a:cs typeface="Open Sans"/>
@@ -4708,10 +4332,11 @@
             </a:lvl1pPr>
           </a:lstStyle>
           <a:p>
-            <a:pPr/>
-            <a:r>
-              <a:t>Place headline insight or information here. This should be the most important point for this slide.</a:t>
-            </a:r>
+            <a:r>
+              <a:rPr lang="en-CA" dirty="0"/>
+              <a:t>Frequency vs Monetary</a:t>
+            </a:r>
+            <a:endParaRPr dirty="0"/>
           </a:p>
         </p:txBody>
       </p:sp>
@@ -4724,7 +4349,7 @@
         <p:spPr>
           <a:xfrm>
             <a:off x="205025" y="2164724"/>
-            <a:ext cx="4134600" cy="436851"/>
+            <a:ext cx="4134600" cy="1489093"/>
           </a:xfrm>
           <a:prstGeom prst="rect">
             <a:avLst/>
@@ -4734,7 +4359,7 @@
           </a:ln>
           <a:extLst>
             <a:ext uri="{C572A759-6A51-4108-AA02-DFA0A04FC94B}">
-              <ma14:wrappingTextBoxFlag xmlns:ma14="http://schemas.microsoft.com/office/mac/drawingml/2011/main" val="1"/>
+              <ma14:wrappingTextBoxFlag xmlns:ma14="http://schemas.microsoft.com/office/mac/drawingml/2011/main" xmlns="" val="1"/>
             </a:ext>
           </a:extLst>
         </p:spPr>
@@ -4756,173 +4381,80 @@
             </a:lvl1pPr>
           </a:lstStyle>
           <a:p>
-            <a:pPr/>
-            <a:r>
-              <a:t>Place any information about this point here.</a:t>
-            </a:r>
-          </a:p>
-        </p:txBody>
-      </p:sp>
-      <p:grpSp>
-        <p:nvGrpSpPr>
-          <p:cNvPr id="154" name="Shape 101"/>
-          <p:cNvGrpSpPr/>
-          <p:nvPr/>
-        </p:nvGrpSpPr>
-        <p:grpSpPr>
-          <a:xfrm>
-            <a:off x="4969974" y="2164724"/>
-            <a:ext cx="3800702" cy="2649302"/>
-            <a:chOff x="0" y="0"/>
-            <a:chExt cx="3800700" cy="2649300"/>
-          </a:xfrm>
-        </p:grpSpPr>
-        <p:sp>
-          <p:nvSpPr>
-            <p:cNvPr id="152" name="Rectangle"/>
-            <p:cNvSpPr/>
-            <p:nvPr/>
-          </p:nvSpPr>
-          <p:spPr>
-            <a:xfrm>
-              <a:off x="-1" y="-1"/>
-              <a:ext cx="3800702" cy="2649302"/>
-            </a:xfrm>
-            <a:prstGeom prst="rect">
-              <a:avLst/>
-            </a:prstGeom>
-            <a:solidFill>
-              <a:srgbClr val="EEEEEE"/>
-            </a:solidFill>
-            <a:ln w="12700" cap="flat">
-              <a:noFill/>
-              <a:miter lim="400000"/>
-            </a:ln>
-            <a:effectLst/>
-          </p:spPr>
-          <p:txBody>
-            <a:bodyPr wrap="square" lIns="45719" tIns="45719" rIns="45719" bIns="45719" numCol="1" anchor="ctr">
-              <a:noAutofit/>
-            </a:bodyPr>
-            <a:lstStyle/>
-            <a:p>
-              <a:pPr algn="ctr">
-                <a:defRPr>
-                  <a:solidFill>
-                    <a:srgbClr val="666666"/>
-                  </a:solidFill>
-                </a:defRPr>
-              </a:pPr>
-            </a:p>
-          </p:txBody>
-        </p:sp>
-        <p:sp>
-          <p:nvSpPr>
-            <p:cNvPr id="153" name="Place any supporting images, graphs, data or extra text here."/>
-            <p:cNvSpPr/>
-            <p:nvPr/>
-          </p:nvSpPr>
-          <p:spPr>
-            <a:xfrm>
-              <a:off x="-1" y="1032933"/>
-              <a:ext cx="3800702" cy="583434"/>
-            </a:xfrm>
-            <a:prstGeom prst="rect">
-              <a:avLst/>
-            </a:prstGeom>
-            <a:noFill/>
-            <a:ln w="12700" cap="flat">
-              <a:noFill/>
-              <a:miter lim="400000"/>
-            </a:ln>
-            <a:effectLst/>
+            <a:pPr marL="285750" indent="-285750">
+              <a:buFont typeface="Arial" panose="020B0604020202020204" pitchFamily="34" charset="0"/>
+              <a:buChar char="•"/>
+            </a:pPr>
+            <a:r>
+              <a:rPr lang="en-CA" dirty="0"/>
+              <a:t>Positive correlation between recency and monetary</a:t>
+            </a:r>
+          </a:p>
+          <a:p>
+            <a:pPr marL="285750" indent="-285750">
+              <a:buFont typeface="Arial" panose="020B0604020202020204" pitchFamily="34" charset="0"/>
+              <a:buChar char="•"/>
+            </a:pPr>
+            <a:r>
+              <a:rPr lang="en-CA" dirty="0"/>
+              <a:t>Business should expect higher monetary gains, the more frequently the customer buys</a:t>
+            </a:r>
+            <a:endParaRPr dirty="0"/>
+          </a:p>
+        </p:txBody>
+      </p:sp>
+      <p:pic>
+        <p:nvPicPr>
+          <p:cNvPr id="3" name="Picture 2" descr="A close up of a map&#10;&#10;Description automatically generated">
             <a:extLst>
-              <a:ext uri="{C572A759-6A51-4108-AA02-DFA0A04FC94B}">
-                <ma14:wrappingTextBoxFlag xmlns:ma14="http://schemas.microsoft.com/office/mac/drawingml/2011/main" val="1"/>
+              <a:ext uri="{FF2B5EF4-FFF2-40B4-BE49-F238E27FC236}">
+                <a16:creationId xmlns:a16="http://schemas.microsoft.com/office/drawing/2014/main" id="{215FA7D6-9BDD-4193-A935-E8DCFDD3B9A5}"/>
               </a:ext>
             </a:extLst>
-          </p:spPr>
-          <p:txBody>
-            <a:bodyPr wrap="square" lIns="91424" tIns="91424" rIns="91424" bIns="91424" numCol="1" anchor="ctr">
-              <a:spAutoFit/>
-            </a:bodyPr>
-            <a:lstStyle>
-              <a:lvl1pPr algn="ctr">
-                <a:defRPr>
-                  <a:solidFill>
-                    <a:srgbClr val="666666"/>
-                  </a:solidFill>
-                </a:defRPr>
-              </a:lvl1pPr>
-            </a:lstStyle>
-            <a:p>
-              <a:pPr/>
-              <a:r>
-                <a:t>Place any supporting images, graphs, data or extra text here.</a:t>
-              </a:r>
-            </a:p>
-          </p:txBody>
-        </p:sp>
-      </p:grpSp>
-      <p:sp>
-        <p:nvSpPr>
-          <p:cNvPr id="155" name="Note: The data and information in this document is reflective of a hypothetical situation and client. This document is to be used for KPMG Virtual Internship purposes only."/>
-          <p:cNvSpPr/>
+          </p:cNvPr>
+          <p:cNvPicPr>
+            <a:picLocks noChangeAspect="1"/>
+          </p:cNvPicPr>
           <p:nvPr/>
-        </p:nvSpPr>
+        </p:nvPicPr>
+        <p:blipFill>
+          <a:blip r:embed="rId2" cstate="print">
+            <a:extLst>
+              <a:ext uri="{28A0092B-C50C-407E-A947-70E740481C1C}">
+                <a14:useLocalDpi xmlns:a14="http://schemas.microsoft.com/office/drawing/2010/main" val="0"/>
+              </a:ext>
+            </a:extLst>
+          </a:blip>
+          <a:stretch>
+            <a:fillRect/>
+          </a:stretch>
+        </p:blipFill>
         <p:spPr>
           <a:xfrm>
-            <a:off x="-6201" y="-6350"/>
-            <a:ext cx="9175601" cy="238700"/>
-          </a:xfrm>
-          <a:prstGeom prst="rect">
-            <a:avLst/>
-          </a:prstGeom>
-          <a:solidFill>
-            <a:schemeClr val="accent3"/>
-          </a:solidFill>
-          <a:ln w="12700">
-            <a:miter lim="400000"/>
-          </a:ln>
-          <a:extLst>
-            <a:ext uri="{C572A759-6A51-4108-AA02-DFA0A04FC94B}">
-              <ma14:wrappingTextBoxFlag xmlns:ma14="http://schemas.microsoft.com/office/mac/drawingml/2011/main" val="1"/>
-            </a:ext>
-          </a:extLst>
-        </p:spPr>
-        <p:txBody>
-          <a:bodyPr lIns="45719" rIns="45719" anchor="ctr"/>
-          <a:lstStyle/>
-          <a:p>
-            <a:pPr defTabSz="457200">
-              <a:defRPr b="1" sz="500">
-                <a:latin typeface="Calibri"/>
-                <a:ea typeface="Calibri"/>
-                <a:cs typeface="Calibri"/>
-                <a:sym typeface="Calibri"/>
-              </a:defRPr>
-            </a:pPr>
-            <a:r>
-              <a:t>       Note: </a:t>
-            </a:r>
-            <a:r>
-              <a:rPr b="0"/>
-              <a:t>The data and information in this document is reflective of a hypothetical situation and client. This document is to be used for KPMG Virtual Internship purposes only. </a:t>
-            </a:r>
-          </a:p>
-        </p:txBody>
-      </p:sp>
+            <a:off x="4339625" y="1883870"/>
+            <a:ext cx="4642661" cy="2607447"/>
+          </a:xfrm>
+          <a:prstGeom prst="rect">
+            <a:avLst/>
+          </a:prstGeom>
+        </p:spPr>
+      </p:pic>
     </p:spTree>
+    <p:extLst>
+      <p:ext uri="{BB962C8B-B14F-4D97-AF65-F5344CB8AC3E}">
+        <p14:creationId xmlns:p14="http://schemas.microsoft.com/office/powerpoint/2010/main" val="2286292045"/>
+      </p:ext>
+    </p:extLst>
   </p:cSld>
   <p:clrMapOvr>
     <a:masterClrMapping/>
   </p:clrMapOvr>
-  <p:transition xmlns:p14="http://schemas.microsoft.com/office/powerpoint/2010/main" spd="med" advClick="1"/>
+  <p:transition spd="med"/>
 </p:sld>
 </file>
 
-<file path=ppt/slides/slide7.xml><?xml version="1.0" encoding="utf-8"?>
-<p:sld xmlns:a="http://schemas.openxmlformats.org/drawingml/2006/main" xmlns:r="http://schemas.openxmlformats.org/officeDocument/2006/relationships" xmlns:p="http://schemas.openxmlformats.org/presentationml/2006/main" showMasterSp="1" showMasterPhAnim="1">
+<file path=ppt/slides/slide14.xml><?xml version="1.0" encoding="utf-8"?>
+<p:sld xmlns:a="http://schemas.openxmlformats.org/drawingml/2006/main" xmlns:r="http://schemas.openxmlformats.org/officeDocument/2006/relationships" xmlns:p="http://schemas.openxmlformats.org/presentationml/2006/main">
   <p:cSld>
     <p:spTree>
       <p:nvGrpSpPr>
@@ -4940,12 +4472,304 @@
       </p:grpSpPr>
       <p:sp>
         <p:nvSpPr>
+          <p:cNvPr id="148" name="Shape 97"/>
+          <p:cNvSpPr/>
+          <p:nvPr/>
+        </p:nvSpPr>
+        <p:spPr>
+          <a:xfrm>
+            <a:off x="-15501" y="-19475"/>
+            <a:ext cx="9191402" cy="840000"/>
+          </a:xfrm>
+          <a:prstGeom prst="rect">
+            <a:avLst/>
+          </a:prstGeom>
+          <a:gradFill>
+            <a:gsLst>
+              <a:gs pos="0">
+                <a:srgbClr val="1077D2"/>
+              </a:gs>
+              <a:gs pos="100000">
+                <a:srgbClr val="093153"/>
+              </a:gs>
+            </a:gsLst>
+            <a:lin ang="12000143"/>
+          </a:gradFill>
+          <a:ln w="12700">
+            <a:miter lim="400000"/>
+          </a:ln>
+        </p:spPr>
+        <p:txBody>
+          <a:bodyPr lIns="45719" rIns="45719" anchor="ctr"/>
+          <a:lstStyle/>
+          <a:p>
+            <a:endParaRPr/>
+          </a:p>
+        </p:txBody>
+      </p:sp>
+      <p:sp>
+        <p:nvSpPr>
+          <p:cNvPr id="149" name="Shape 98"/>
+          <p:cNvSpPr/>
+          <p:nvPr/>
+        </p:nvSpPr>
+        <p:spPr>
+          <a:xfrm>
+            <a:off x="205025" y="263974"/>
+            <a:ext cx="8565600" cy="758742"/>
+          </a:xfrm>
+          <a:prstGeom prst="rect">
+            <a:avLst/>
+          </a:prstGeom>
+          <a:ln w="12700">
+            <a:miter lim="400000"/>
+          </a:ln>
+          <a:extLst>
+            <a:ext uri="{C572A759-6A51-4108-AA02-DFA0A04FC94B}">
+              <ma14:wrappingTextBoxFlag xmlns:ma14="http://schemas.microsoft.com/office/mac/drawingml/2011/main" xmlns="" val="1"/>
+            </a:ext>
+          </a:extLst>
+        </p:spPr>
+        <p:txBody>
+          <a:bodyPr lIns="91424" tIns="91424" rIns="91424" bIns="91424">
+            <a:spAutoFit/>
+          </a:bodyPr>
+          <a:lstStyle>
+            <a:lvl1pPr>
+              <a:defRPr sz="2000" b="1">
+                <a:solidFill>
+                  <a:srgbClr val="FFFFFF"/>
+                </a:solidFill>
+              </a:defRPr>
+            </a:lvl1pPr>
+          </a:lstStyle>
+          <a:p>
+            <a:r>
+              <a:t>Interpretation</a:t>
+            </a:r>
+          </a:p>
+        </p:txBody>
+      </p:sp>
+      <p:sp>
+        <p:nvSpPr>
+          <p:cNvPr id="150" name="Shape 99"/>
+          <p:cNvSpPr/>
+          <p:nvPr/>
+        </p:nvSpPr>
+        <p:spPr>
+          <a:xfrm>
+            <a:off x="205025" y="1083299"/>
+            <a:ext cx="8565600" cy="508184"/>
+          </a:xfrm>
+          <a:prstGeom prst="rect">
+            <a:avLst/>
+          </a:prstGeom>
+          <a:ln w="12700">
+            <a:miter lim="400000"/>
+          </a:ln>
+          <a:extLst>
+            <a:ext uri="{C572A759-6A51-4108-AA02-DFA0A04FC94B}">
+              <ma14:wrappingTextBoxFlag xmlns:ma14="http://schemas.microsoft.com/office/mac/drawingml/2011/main" xmlns="" val="1"/>
+            </a:ext>
+          </a:extLst>
+        </p:spPr>
+        <p:txBody>
+          <a:bodyPr lIns="91424" tIns="91424" rIns="91424" bIns="91424">
+            <a:spAutoFit/>
+          </a:bodyPr>
+          <a:lstStyle>
+            <a:lvl1pPr>
+              <a:lnSpc>
+                <a:spcPct val="115000"/>
+              </a:lnSpc>
+              <a:defRPr sz="2000" b="1">
+                <a:latin typeface="Open Sans"/>
+                <a:ea typeface="Open Sans"/>
+                <a:cs typeface="Open Sans"/>
+                <a:sym typeface="Open Sans"/>
+              </a:defRPr>
+            </a:lvl1pPr>
+          </a:lstStyle>
+          <a:p>
+            <a:r>
+              <a:rPr lang="en-CA" dirty="0"/>
+              <a:t>Target Market</a:t>
+            </a:r>
+            <a:endParaRPr dirty="0"/>
+          </a:p>
+        </p:txBody>
+      </p:sp>
+      <p:sp>
+        <p:nvSpPr>
+          <p:cNvPr id="151" name="Shape 100"/>
+          <p:cNvSpPr/>
+          <p:nvPr/>
+        </p:nvSpPr>
+        <p:spPr>
+          <a:xfrm>
+            <a:off x="205025" y="1727694"/>
+            <a:ext cx="4134600" cy="3347294"/>
+          </a:xfrm>
+          <a:prstGeom prst="rect">
+            <a:avLst/>
+          </a:prstGeom>
+          <a:ln w="12700">
+            <a:miter lim="400000"/>
+          </a:ln>
+          <a:extLst>
+            <a:ext uri="{C572A759-6A51-4108-AA02-DFA0A04FC94B}">
+              <ma14:wrappingTextBoxFlag xmlns:ma14="http://schemas.microsoft.com/office/mac/drawingml/2011/main" xmlns="" val="1"/>
+            </a:ext>
+          </a:extLst>
+        </p:spPr>
+        <p:txBody>
+          <a:bodyPr lIns="91424" tIns="91424" rIns="91424" bIns="91424">
+            <a:spAutoFit/>
+          </a:bodyPr>
+          <a:lstStyle>
+            <a:lvl1pPr>
+              <a:lnSpc>
+                <a:spcPct val="115000"/>
+              </a:lnSpc>
+              <a:defRPr sz="1500">
+                <a:latin typeface="Open Sans"/>
+                <a:ea typeface="Open Sans"/>
+                <a:cs typeface="Open Sans"/>
+                <a:sym typeface="Open Sans"/>
+              </a:defRPr>
+            </a:lvl1pPr>
+          </a:lstStyle>
+          <a:p>
+            <a:pPr marL="285750" indent="-285750">
+              <a:buFont typeface="Arial" panose="020B0604020202020204" pitchFamily="34" charset="0"/>
+              <a:buChar char="•"/>
+            </a:pPr>
+            <a:r>
+              <a:rPr lang="en-CA" dirty="0"/>
+              <a:t>Sprocket should filter out the customers based on RFM score as they tend to be the most valuable customers for the business</a:t>
+            </a:r>
+          </a:p>
+          <a:p>
+            <a:pPr marL="285750" indent="-285750">
+              <a:buFont typeface="Arial" panose="020B0604020202020204" pitchFamily="34" charset="0"/>
+              <a:buChar char="•"/>
+            </a:pPr>
+            <a:r>
+              <a:rPr lang="en-CA" dirty="0"/>
+              <a:t>Most of the customers work in financial services, manufacturing, and health sectors</a:t>
+            </a:r>
+          </a:p>
+          <a:p>
+            <a:pPr marL="285750" indent="-285750">
+              <a:buFont typeface="Arial" panose="020B0604020202020204" pitchFamily="34" charset="0"/>
+              <a:buChar char="•"/>
+            </a:pPr>
+            <a:r>
+              <a:rPr lang="en-CA" dirty="0"/>
+              <a:t>Most of the customers are aged between 40-49 years old</a:t>
+            </a:r>
+          </a:p>
+          <a:p>
+            <a:pPr marL="285750" indent="-285750">
+              <a:buFont typeface="Arial" panose="020B0604020202020204" pitchFamily="34" charset="0"/>
+              <a:buChar char="•"/>
+            </a:pPr>
+            <a:r>
+              <a:rPr lang="en-CA" dirty="0"/>
+              <a:t>Target New South Wales (NSW) as most customers do not own a vehicle and will more likely to purchase bikes</a:t>
+            </a:r>
+          </a:p>
+          <a:p>
+            <a:pPr marL="285750" indent="-285750">
+              <a:buFont typeface="Arial" panose="020B0604020202020204" pitchFamily="34" charset="0"/>
+              <a:buChar char="•"/>
+            </a:pPr>
+            <a:endParaRPr lang="en-CA" dirty="0"/>
+          </a:p>
+          <a:p>
+            <a:pPr marL="285750" indent="-285750">
+              <a:buFont typeface="Arial" panose="020B0604020202020204" pitchFamily="34" charset="0"/>
+              <a:buChar char="•"/>
+            </a:pPr>
+            <a:endParaRPr dirty="0"/>
+          </a:p>
+        </p:txBody>
+      </p:sp>
+      <p:pic>
+        <p:nvPicPr>
+          <p:cNvPr id="4" name="Picture 3" descr="A screenshot of a cell phone&#10;&#10;Description automatically generated">
+            <a:extLst>
+              <a:ext uri="{FF2B5EF4-FFF2-40B4-BE49-F238E27FC236}">
+                <a16:creationId xmlns:a16="http://schemas.microsoft.com/office/drawing/2014/main" id="{384A097C-7E4E-448E-A1CF-71B4307448E7}"/>
+              </a:ext>
+            </a:extLst>
+          </p:cNvPr>
+          <p:cNvPicPr>
+            <a:picLocks noChangeAspect="1"/>
+          </p:cNvPicPr>
+          <p:nvPr/>
+        </p:nvPicPr>
+        <p:blipFill>
+          <a:blip r:embed="rId2">
+            <a:extLst>
+              <a:ext uri="{28A0092B-C50C-407E-A947-70E740481C1C}">
+                <a14:useLocalDpi xmlns:a14="http://schemas.microsoft.com/office/drawing/2010/main" val="0"/>
+              </a:ext>
+            </a:extLst>
+          </a:blip>
+          <a:stretch>
+            <a:fillRect/>
+          </a:stretch>
+        </p:blipFill>
+        <p:spPr>
+          <a:xfrm>
+            <a:off x="4510310" y="1169894"/>
+            <a:ext cx="4633690" cy="3663426"/>
+          </a:xfrm>
+          <a:prstGeom prst="rect">
+            <a:avLst/>
+          </a:prstGeom>
+        </p:spPr>
+      </p:pic>
+    </p:spTree>
+    <p:extLst>
+      <p:ext uri="{BB962C8B-B14F-4D97-AF65-F5344CB8AC3E}">
+        <p14:creationId xmlns:p14="http://schemas.microsoft.com/office/powerpoint/2010/main" val="2381629090"/>
+      </p:ext>
+    </p:extLst>
+  </p:cSld>
+  <p:clrMapOvr>
+    <a:masterClrMapping/>
+  </p:clrMapOvr>
+  <p:transition spd="med"/>
+</p:sld>
+</file>
+
+<file path=ppt/slides/slide15.xml><?xml version="1.0" encoding="utf-8"?>
+<p:sld xmlns:a="http://schemas.openxmlformats.org/drawingml/2006/main" xmlns:r="http://schemas.openxmlformats.org/officeDocument/2006/relationships" xmlns:p="http://schemas.openxmlformats.org/presentationml/2006/main">
+  <p:cSld>
+    <p:spTree>
+      <p:nvGrpSpPr>
+        <p:cNvPr id="1" name=""/>
+        <p:cNvGrpSpPr/>
+        <p:nvPr/>
+      </p:nvGrpSpPr>
+      <p:grpSpPr>
+        <a:xfrm>
+          <a:off x="0" y="0"/>
+          <a:ext cx="0" cy="0"/>
+          <a:chOff x="0" y="0"/>
+          <a:chExt cx="0" cy="0"/>
+        </a:xfrm>
+      </p:grpSpPr>
+      <p:sp>
+        <p:nvSpPr>
           <p:cNvPr id="157" name="Shape 106"/>
           <p:cNvSpPr/>
           <p:nvPr/>
         </p:nvSpPr>
         <p:spPr>
-          <a:xfrm flipH="1" rot="10800000">
+          <a:xfrm rot="10800000" flipH="1">
             <a:off x="-1" y="0"/>
             <a:ext cx="9163201" cy="5148001"/>
           </a:xfrm>
@@ -4969,7 +4793,7 @@
             </a:cxnLst>
             <a:rect l="0" t="0" r="r" b="b"/>
             <a:pathLst>
-              <a:path w="21600" h="21600" fill="norm" stroke="1" extrusionOk="0">
+              <a:path w="21600" h="21600" extrusionOk="0">
                 <a:moveTo>
                   <a:pt x="0" y="0"/>
                 </a:moveTo>
@@ -5008,7 +4832,7 @@
           <a:bodyPr lIns="45719" rIns="45719" anchor="ctr"/>
           <a:lstStyle/>
           <a:p>
-            <a:pPr/>
+            <a:endParaRPr/>
           </a:p>
         </p:txBody>
       </p:sp>
@@ -5031,7 +4855,7 @@
           </a:ln>
           <a:extLst>
             <a:ext uri="{C572A759-6A51-4108-AA02-DFA0A04FC94B}">
-              <ma14:wrappingTextBoxFlag xmlns:ma14="http://schemas.microsoft.com/office/mac/drawingml/2011/main" val="1"/>
+              <ma14:wrappingTextBoxFlag xmlns:ma14="http://schemas.microsoft.com/office/mac/drawingml/2011/main" xmlns="" val="1"/>
             </a:ext>
           </a:extLst>
         </p:spPr>
@@ -5053,57 +4877,8 @@
             </a:lvl1pPr>
           </a:lstStyle>
           <a:p>
-            <a:pPr/>
             <a:r>
               <a:t>Appendix</a:t>
-            </a:r>
-          </a:p>
-        </p:txBody>
-      </p:sp>
-      <p:sp>
-        <p:nvSpPr>
-          <p:cNvPr id="159" name="Note: The data and information in this document is reflective of a hypothetical situation and client. This document is to be used for KPMG Virtual Internship purposes only."/>
-          <p:cNvSpPr/>
-          <p:nvPr/>
-        </p:nvSpPr>
-        <p:spPr>
-          <a:xfrm>
-            <a:off x="-6201" y="-6350"/>
-            <a:ext cx="9175601" cy="238700"/>
-          </a:xfrm>
-          <a:prstGeom prst="rect">
-            <a:avLst/>
-          </a:prstGeom>
-          <a:solidFill>
-            <a:schemeClr val="accent3"/>
-          </a:solidFill>
-          <a:ln w="12700">
-            <a:miter lim="400000"/>
-          </a:ln>
-          <a:extLst>
-            <a:ext uri="{C572A759-6A51-4108-AA02-DFA0A04FC94B}">
-              <ma14:wrappingTextBoxFlag xmlns:ma14="http://schemas.microsoft.com/office/mac/drawingml/2011/main" val="1"/>
-            </a:ext>
-          </a:extLst>
-        </p:spPr>
-        <p:txBody>
-          <a:bodyPr lIns="45719" rIns="45719" anchor="ctr"/>
-          <a:lstStyle/>
-          <a:p>
-            <a:pPr defTabSz="457200">
-              <a:defRPr b="1" sz="500">
-                <a:latin typeface="Calibri"/>
-                <a:ea typeface="Calibri"/>
-                <a:cs typeface="Calibri"/>
-                <a:sym typeface="Calibri"/>
-              </a:defRPr>
-            </a:pPr>
-            <a:r>
-              <a:t>       Note: </a:t>
-            </a:r>
-            <a:r>
-              <a:rPr b="0"/>
-              <a:t>The data and information in this document is reflective of a hypothetical situation and client. This document is to be used for KPMG Virtual Internship purposes only. </a:t>
             </a:r>
           </a:p>
         </p:txBody>
@@ -5113,12 +4888,12 @@
   <p:clrMapOvr>
     <a:masterClrMapping/>
   </p:clrMapOvr>
-  <p:transition xmlns:p14="http://schemas.microsoft.com/office/powerpoint/2010/main" spd="med" advClick="1"/>
+  <p:transition spd="med"/>
 </p:sld>
 </file>
 
-<file path=ppt/slides/slide8.xml><?xml version="1.0" encoding="utf-8"?>
-<p:sld xmlns:a="http://schemas.openxmlformats.org/drawingml/2006/main" xmlns:r="http://schemas.openxmlformats.org/officeDocument/2006/relationships" xmlns:p="http://schemas.openxmlformats.org/presentationml/2006/main" showMasterSp="1" showMasterPhAnim="1">
+<file path=ppt/slides/slide2.xml><?xml version="1.0" encoding="utf-8"?>
+<p:sld xmlns:a="http://schemas.openxmlformats.org/drawingml/2006/main" xmlns:r="http://schemas.openxmlformats.org/officeDocument/2006/relationships" xmlns:p="http://schemas.openxmlformats.org/presentationml/2006/main">
   <p:cSld>
     <p:spTree>
       <p:nvGrpSpPr>
@@ -5136,7 +4911,7 @@
       </p:grpSpPr>
       <p:sp>
         <p:nvSpPr>
-          <p:cNvPr id="161" name="Shape 113"/>
+          <p:cNvPr id="116" name="Shape 63"/>
           <p:cNvSpPr/>
           <p:nvPr/>
         </p:nvSpPr>
@@ -5167,20 +4942,20 @@
           <a:bodyPr lIns="45719" rIns="45719" anchor="ctr"/>
           <a:lstStyle/>
           <a:p>
-            <a:pPr/>
-          </a:p>
-        </p:txBody>
-      </p:sp>
-      <p:sp>
-        <p:nvSpPr>
-          <p:cNvPr id="162" name="Shape 114"/>
+            <a:endParaRPr/>
+          </a:p>
+        </p:txBody>
+      </p:sp>
+      <p:sp>
+        <p:nvSpPr>
+          <p:cNvPr id="117" name="Shape 64"/>
           <p:cNvSpPr/>
           <p:nvPr/>
         </p:nvSpPr>
         <p:spPr>
           <a:xfrm>
             <a:off x="205025" y="263974"/>
-            <a:ext cx="8565600" cy="758742"/>
+            <a:ext cx="8565600" cy="466642"/>
           </a:xfrm>
           <a:prstGeom prst="rect">
             <a:avLst/>
@@ -5190,7 +4965,7 @@
           </a:ln>
           <a:extLst>
             <a:ext uri="{C572A759-6A51-4108-AA02-DFA0A04FC94B}">
-              <ma14:wrappingTextBoxFlag xmlns:ma14="http://schemas.microsoft.com/office/mac/drawingml/2011/main" val="1"/>
+              <ma14:wrappingTextBoxFlag xmlns:ma14="http://schemas.microsoft.com/office/mac/drawingml/2011/main" xmlns="" val="1"/>
             </a:ext>
           </a:extLst>
         </p:spPr>
@@ -5200,7 +4975,7 @@
           </a:bodyPr>
           <a:lstStyle>
             <a:lvl1pPr>
-              <a:defRPr b="1" sz="2000">
+              <a:defRPr sz="2000" b="1">
                 <a:solidFill>
                   <a:srgbClr val="FFFFFF"/>
                 </a:solidFill>
@@ -5208,23 +4983,22 @@
             </a:lvl1pPr>
           </a:lstStyle>
           <a:p>
-            <a:pPr/>
-            <a:r>
-              <a:t>Appendix</a:t>
-            </a:r>
-          </a:p>
-        </p:txBody>
-      </p:sp>
-      <p:sp>
-        <p:nvSpPr>
-          <p:cNvPr id="163" name="Shape 115"/>
+            <a:r>
+              <a:t>Agenda</a:t>
+            </a:r>
+          </a:p>
+        </p:txBody>
+      </p:sp>
+      <p:sp>
+        <p:nvSpPr>
+          <p:cNvPr id="118" name="Shape 65"/>
           <p:cNvSpPr/>
           <p:nvPr/>
         </p:nvSpPr>
         <p:spPr>
           <a:xfrm>
-            <a:off x="205025" y="1083299"/>
-            <a:ext cx="8565600" cy="920086"/>
+            <a:off x="343874" y="1211200"/>
+            <a:ext cx="5459402" cy="1708756"/>
           </a:xfrm>
           <a:prstGeom prst="rect">
             <a:avLst/>
@@ -5234,7 +5008,275 @@
           </a:ln>
           <a:extLst>
             <a:ext uri="{C572A759-6A51-4108-AA02-DFA0A04FC94B}">
-              <ma14:wrappingTextBoxFlag xmlns:ma14="http://schemas.microsoft.com/office/mac/drawingml/2011/main" val="1"/>
+              <ma14:wrappingTextBoxFlag xmlns:ma14="http://schemas.microsoft.com/office/mac/drawingml/2011/main" xmlns="" val="1"/>
+            </a:ext>
+          </a:extLst>
+        </p:spPr>
+        <p:txBody>
+          <a:bodyPr lIns="91424" tIns="91424" rIns="91424" bIns="91424">
+            <a:spAutoFit/>
+          </a:bodyPr>
+          <a:lstStyle/>
+          <a:p>
+            <a:pPr marL="457200" indent="-355600">
+              <a:lnSpc>
+                <a:spcPct val="115000"/>
+              </a:lnSpc>
+              <a:buClr>
+                <a:srgbClr val="000000"/>
+              </a:buClr>
+              <a:buSzPts val="2000"/>
+              <a:buAutoNum type="arabicPeriod"/>
+              <a:defRPr sz="2000">
+                <a:latin typeface="Open Sans"/>
+                <a:ea typeface="Open Sans"/>
+                <a:cs typeface="Open Sans"/>
+                <a:sym typeface="Open Sans"/>
+              </a:defRPr>
+            </a:pPr>
+            <a:r>
+              <a:t>Introduction</a:t>
+            </a:r>
+          </a:p>
+          <a:p>
+            <a:pPr marL="457200" indent="-355600">
+              <a:lnSpc>
+                <a:spcPct val="115000"/>
+              </a:lnSpc>
+              <a:buClr>
+                <a:srgbClr val="000000"/>
+              </a:buClr>
+              <a:buSzPts val="2000"/>
+              <a:buAutoNum type="arabicPeriod"/>
+              <a:defRPr sz="2000">
+                <a:latin typeface="Open Sans"/>
+                <a:ea typeface="Open Sans"/>
+                <a:cs typeface="Open Sans"/>
+                <a:sym typeface="Open Sans"/>
+              </a:defRPr>
+            </a:pPr>
+            <a:r>
+              <a:t>Data Exploration</a:t>
+            </a:r>
+          </a:p>
+          <a:p>
+            <a:pPr marL="457200" indent="-355600">
+              <a:lnSpc>
+                <a:spcPct val="115000"/>
+              </a:lnSpc>
+              <a:buClr>
+                <a:srgbClr val="000000"/>
+              </a:buClr>
+              <a:buSzPts val="2000"/>
+              <a:buAutoNum type="arabicPeriod"/>
+              <a:defRPr sz="2000">
+                <a:latin typeface="Open Sans"/>
+                <a:ea typeface="Open Sans"/>
+                <a:cs typeface="Open Sans"/>
+                <a:sym typeface="Open Sans"/>
+              </a:defRPr>
+            </a:pPr>
+            <a:r>
+              <a:t>Model Development</a:t>
+            </a:r>
+          </a:p>
+          <a:p>
+            <a:pPr marL="457200" indent="-355600">
+              <a:lnSpc>
+                <a:spcPct val="115000"/>
+              </a:lnSpc>
+              <a:buClr>
+                <a:srgbClr val="000000"/>
+              </a:buClr>
+              <a:buSzPts val="2000"/>
+              <a:buAutoNum type="arabicPeriod"/>
+              <a:defRPr sz="2000">
+                <a:latin typeface="Open Sans"/>
+                <a:ea typeface="Open Sans"/>
+                <a:cs typeface="Open Sans"/>
+                <a:sym typeface="Open Sans"/>
+              </a:defRPr>
+            </a:pPr>
+            <a:r>
+              <a:t>Interpretation</a:t>
+            </a:r>
+          </a:p>
+        </p:txBody>
+      </p:sp>
+      <p:sp>
+        <p:nvSpPr>
+          <p:cNvPr id="119" name="Note: The data and information in this document is reflective of a hypothetical situation and client. This document is to be used for KPMG Virtual Internship purposes only."/>
+          <p:cNvSpPr/>
+          <p:nvPr/>
+        </p:nvSpPr>
+        <p:spPr>
+          <a:xfrm>
+            <a:off x="-6201" y="-6350"/>
+            <a:ext cx="9175601" cy="238700"/>
+          </a:xfrm>
+          <a:prstGeom prst="rect">
+            <a:avLst/>
+          </a:prstGeom>
+          <a:solidFill>
+            <a:schemeClr val="accent3"/>
+          </a:solidFill>
+          <a:ln w="12700">
+            <a:miter lim="400000"/>
+          </a:ln>
+          <a:extLst>
+            <a:ext uri="{C572A759-6A51-4108-AA02-DFA0A04FC94B}">
+              <ma14:wrappingTextBoxFlag xmlns:ma14="http://schemas.microsoft.com/office/mac/drawingml/2011/main" xmlns="" val="1"/>
+            </a:ext>
+          </a:extLst>
+        </p:spPr>
+        <p:txBody>
+          <a:bodyPr lIns="45719" rIns="45719" anchor="ctr"/>
+          <a:lstStyle/>
+          <a:p>
+            <a:pPr defTabSz="457200">
+              <a:defRPr sz="500" b="1">
+                <a:latin typeface="Calibri"/>
+                <a:ea typeface="Calibri"/>
+                <a:cs typeface="Calibri"/>
+                <a:sym typeface="Calibri"/>
+              </a:defRPr>
+            </a:pPr>
+            <a:r>
+              <a:t>       Note: </a:t>
+            </a:r>
+            <a:r>
+              <a:rPr b="0"/>
+              <a:t>The data and information in this document is reflective of a hypothetical situation and client. This document is to be used for KPMG Virtual Internship purposes only. </a:t>
+            </a:r>
+          </a:p>
+        </p:txBody>
+      </p:sp>
+    </p:spTree>
+  </p:cSld>
+  <p:clrMapOvr>
+    <a:masterClrMapping/>
+  </p:clrMapOvr>
+  <p:transition spd="med"/>
+</p:sld>
+</file>
+
+<file path=ppt/slides/slide3.xml><?xml version="1.0" encoding="utf-8"?>
+<p:sld xmlns:a="http://schemas.openxmlformats.org/drawingml/2006/main" xmlns:r="http://schemas.openxmlformats.org/officeDocument/2006/relationships" xmlns:p="http://schemas.openxmlformats.org/presentationml/2006/main">
+  <p:cSld>
+    <p:spTree>
+      <p:nvGrpSpPr>
+        <p:cNvPr id="1" name=""/>
+        <p:cNvGrpSpPr/>
+        <p:nvPr/>
+      </p:nvGrpSpPr>
+      <p:grpSpPr>
+        <a:xfrm>
+          <a:off x="0" y="0"/>
+          <a:ext cx="0" cy="0"/>
+          <a:chOff x="0" y="0"/>
+          <a:chExt cx="0" cy="0"/>
+        </a:xfrm>
+      </p:grpSpPr>
+      <p:sp>
+        <p:nvSpPr>
+          <p:cNvPr id="121" name="Shape 70"/>
+          <p:cNvSpPr/>
+          <p:nvPr/>
+        </p:nvSpPr>
+        <p:spPr>
+          <a:xfrm>
+            <a:off x="-15501" y="-19475"/>
+            <a:ext cx="9191402" cy="840000"/>
+          </a:xfrm>
+          <a:prstGeom prst="rect">
+            <a:avLst/>
+          </a:prstGeom>
+          <a:gradFill>
+            <a:gsLst>
+              <a:gs pos="0">
+                <a:srgbClr val="1077D2"/>
+              </a:gs>
+              <a:gs pos="100000">
+                <a:srgbClr val="093153"/>
+              </a:gs>
+            </a:gsLst>
+            <a:lin ang="12000143"/>
+          </a:gradFill>
+          <a:ln w="12700">
+            <a:miter lim="400000"/>
+          </a:ln>
+        </p:spPr>
+        <p:txBody>
+          <a:bodyPr lIns="45719" rIns="45719" anchor="ctr"/>
+          <a:lstStyle/>
+          <a:p>
+            <a:endParaRPr/>
+          </a:p>
+        </p:txBody>
+      </p:sp>
+      <p:sp>
+        <p:nvSpPr>
+          <p:cNvPr id="122" name="Shape 71"/>
+          <p:cNvSpPr/>
+          <p:nvPr/>
+        </p:nvSpPr>
+        <p:spPr>
+          <a:xfrm>
+            <a:off x="205025" y="263974"/>
+            <a:ext cx="8565600" cy="466642"/>
+          </a:xfrm>
+          <a:prstGeom prst="rect">
+            <a:avLst/>
+          </a:prstGeom>
+          <a:ln w="12700">
+            <a:miter lim="400000"/>
+          </a:ln>
+          <a:extLst>
+            <a:ext uri="{C572A759-6A51-4108-AA02-DFA0A04FC94B}">
+              <ma14:wrappingTextBoxFlag xmlns:ma14="http://schemas.microsoft.com/office/mac/drawingml/2011/main" xmlns="" val="1"/>
+            </a:ext>
+          </a:extLst>
+        </p:spPr>
+        <p:txBody>
+          <a:bodyPr lIns="91424" tIns="91424" rIns="91424" bIns="91424">
+            <a:spAutoFit/>
+          </a:bodyPr>
+          <a:lstStyle>
+            <a:lvl1pPr>
+              <a:defRPr sz="2000" b="1">
+                <a:solidFill>
+                  <a:srgbClr val="FFFFFF"/>
+                </a:solidFill>
+              </a:defRPr>
+            </a:lvl1pPr>
+          </a:lstStyle>
+          <a:p>
+            <a:r>
+              <a:t>Introduction</a:t>
+            </a:r>
+          </a:p>
+        </p:txBody>
+      </p:sp>
+      <p:sp>
+        <p:nvSpPr>
+          <p:cNvPr id="123" name="Shape 72"/>
+          <p:cNvSpPr/>
+          <p:nvPr/>
+        </p:nvSpPr>
+        <p:spPr>
+          <a:xfrm>
+            <a:off x="205025" y="1083299"/>
+            <a:ext cx="8565600" cy="920086"/>
+          </a:xfrm>
+          <a:prstGeom prst="rect">
+            <a:avLst/>
+          </a:prstGeom>
+          <a:ln w="12700">
+            <a:miter lim="400000"/>
+          </a:ln>
+          <a:extLst>
+            <a:ext uri="{C572A759-6A51-4108-AA02-DFA0A04FC94B}">
+              <ma14:wrappingTextBoxFlag xmlns:ma14="http://schemas.microsoft.com/office/mac/drawingml/2011/main" xmlns="" val="1"/>
             </a:ext>
           </a:extLst>
         </p:spPr>
@@ -5247,7 +5289,7 @@
               <a:lnSpc>
                 <a:spcPct val="115000"/>
               </a:lnSpc>
-              <a:defRPr b="1" sz="2000">
+              <a:defRPr sz="2000" b="1">
                 <a:latin typeface="Open Sans"/>
                 <a:ea typeface="Open Sans"/>
                 <a:cs typeface="Open Sans"/>
@@ -5256,16 +5298,98 @@
             </a:lvl1pPr>
           </a:lstStyle>
           <a:p>
-            <a:pPr/>
-            <a:r>
-              <a:t>This is an optional slide where you may place any supporting items.</a:t>
-            </a:r>
-          </a:p>
-        </p:txBody>
-      </p:sp>
-      <p:sp>
-        <p:nvSpPr>
-          <p:cNvPr id="164" name="Note: The data and information in this document is reflective of a hypothetical situation and client. This document is to be used for KPMG Virtual Internship purposes only."/>
+            <a:r>
+              <a:t>Place headline insight or information here. This should be the most important point for this slide.</a:t>
+            </a:r>
+          </a:p>
+        </p:txBody>
+      </p:sp>
+      <p:sp>
+        <p:nvSpPr>
+          <p:cNvPr id="124" name="Shape 73"/>
+          <p:cNvSpPr/>
+          <p:nvPr/>
+        </p:nvSpPr>
+        <p:spPr>
+          <a:xfrm>
+            <a:off x="205025" y="2164724"/>
+            <a:ext cx="4134600" cy="1754551"/>
+          </a:xfrm>
+          <a:prstGeom prst="rect">
+            <a:avLst/>
+          </a:prstGeom>
+          <a:ln w="12700">
+            <a:miter lim="400000"/>
+          </a:ln>
+          <a:extLst>
+            <a:ext uri="{C572A759-6A51-4108-AA02-DFA0A04FC94B}">
+              <ma14:wrappingTextBoxFlag xmlns:ma14="http://schemas.microsoft.com/office/mac/drawingml/2011/main" xmlns="" val="1"/>
+            </a:ext>
+          </a:extLst>
+        </p:spPr>
+        <p:txBody>
+          <a:bodyPr lIns="91424" tIns="91424" rIns="91424" bIns="91424">
+            <a:spAutoFit/>
+          </a:bodyPr>
+          <a:lstStyle>
+            <a:lvl1pPr>
+              <a:lnSpc>
+                <a:spcPct val="115000"/>
+              </a:lnSpc>
+              <a:defRPr sz="1500">
+                <a:latin typeface="Open Sans"/>
+                <a:ea typeface="Open Sans"/>
+                <a:cs typeface="Open Sans"/>
+                <a:sym typeface="Open Sans"/>
+              </a:defRPr>
+            </a:lvl1pPr>
+          </a:lstStyle>
+          <a:p>
+            <a:pPr marL="285750" indent="-285750">
+              <a:buFont typeface="Arial" panose="020B0604020202020204" pitchFamily="34" charset="0"/>
+              <a:buChar char="•"/>
+            </a:pPr>
+            <a:r>
+              <a:rPr lang="en-CA" dirty="0"/>
+              <a:t>1000 potential customers do not have prior transaction history</a:t>
+            </a:r>
+          </a:p>
+          <a:p>
+            <a:pPr marL="285750" indent="-285750">
+              <a:buFont typeface="Arial" panose="020B0604020202020204" pitchFamily="34" charset="0"/>
+              <a:buChar char="•"/>
+            </a:pPr>
+            <a:r>
+              <a:rPr lang="en-CA" dirty="0"/>
+              <a:t>Generate useful customer insights</a:t>
+            </a:r>
+          </a:p>
+          <a:p>
+            <a:pPr marL="285750" indent="-285750">
+              <a:buFont typeface="Arial" panose="020B0604020202020204" pitchFamily="34" charset="0"/>
+              <a:buChar char="•"/>
+            </a:pPr>
+            <a:r>
+              <a:rPr lang="en-CA" dirty="0"/>
+              <a:t>Optimize resource allocation for targeted marketing.</a:t>
+            </a:r>
+          </a:p>
+          <a:p>
+            <a:pPr marL="285750" indent="-285750">
+              <a:buFont typeface="Arial" panose="020B0604020202020204" pitchFamily="34" charset="0"/>
+              <a:buChar char="•"/>
+            </a:pPr>
+            <a:r>
+              <a:rPr lang="en-CA" dirty="0"/>
+              <a:t>Focus on high value customers</a:t>
+            </a:r>
+            <a:endParaRPr dirty="0"/>
+          </a:p>
+        </p:txBody>
+      </p:sp>
+      <p:sp>
+        <p:nvSpPr>
+          <p:cNvPr id="128" name="Note: The data and information in this document is reflective of a hypothetical situation and client. This document is to be used for KPMG Virtual Internship purposes only."/>
           <p:cNvSpPr/>
           <p:nvPr/>
         </p:nvSpPr>
@@ -5285,7 +5409,7 @@
           </a:ln>
           <a:extLst>
             <a:ext uri="{C572A759-6A51-4108-AA02-DFA0A04FC94B}">
-              <ma14:wrappingTextBoxFlag xmlns:ma14="http://schemas.microsoft.com/office/mac/drawingml/2011/main" val="1"/>
+              <ma14:wrappingTextBoxFlag xmlns:ma14="http://schemas.microsoft.com/office/mac/drawingml/2011/main" xmlns="" val="1"/>
             </a:ext>
           </a:extLst>
         </p:spPr>
@@ -5294,7 +5418,7 @@
           <a:lstStyle/>
           <a:p>
             <a:pPr defTabSz="457200">
-              <a:defRPr b="1" sz="500">
+              <a:defRPr sz="500" b="1">
                 <a:latin typeface="Calibri"/>
                 <a:ea typeface="Calibri"/>
                 <a:cs typeface="Calibri"/>
@@ -5311,17 +5435,1919 @@
           </a:p>
         </p:txBody>
       </p:sp>
+      <p:sp>
+        <p:nvSpPr>
+          <p:cNvPr id="2" name="Shape 73">
+            <a:extLst>
+              <a:ext uri="{FF2B5EF4-FFF2-40B4-BE49-F238E27FC236}">
+                <a16:creationId xmlns:a16="http://schemas.microsoft.com/office/drawing/2014/main" id="{DD5B11AC-C10B-4D00-9139-11CD4EAA317E}"/>
+              </a:ext>
+            </a:extLst>
+          </p:cNvPr>
+          <p:cNvSpPr/>
+          <p:nvPr/>
+        </p:nvSpPr>
+        <p:spPr>
+          <a:xfrm>
+            <a:off x="4339625" y="2164723"/>
+            <a:ext cx="4134600" cy="1489093"/>
+          </a:xfrm>
+          <a:prstGeom prst="rect">
+            <a:avLst/>
+          </a:prstGeom>
+          <a:ln w="12700">
+            <a:miter lim="400000"/>
+          </a:ln>
+          <a:extLst>
+            <a:ext uri="{C572A759-6A51-4108-AA02-DFA0A04FC94B}">
+              <ma14:wrappingTextBoxFlag xmlns="" xmlns:ma14="http://schemas.microsoft.com/office/mac/drawingml/2011/main" val="1"/>
+            </a:ext>
+          </a:extLst>
+        </p:spPr>
+        <p:txBody>
+          <a:bodyPr lIns="91424" tIns="91424" rIns="91424" bIns="91424">
+            <a:spAutoFit/>
+          </a:bodyPr>
+          <a:lstStyle>
+            <a:lvl1pPr>
+              <a:lnSpc>
+                <a:spcPct val="115000"/>
+              </a:lnSpc>
+              <a:defRPr sz="1500">
+                <a:latin typeface="Open Sans"/>
+                <a:ea typeface="Open Sans"/>
+                <a:cs typeface="Open Sans"/>
+                <a:sym typeface="Open Sans"/>
+              </a:defRPr>
+            </a:lvl1pPr>
+          </a:lstStyle>
+          <a:p>
+            <a:endParaRPr lang="en-CA" dirty="0"/>
+          </a:p>
+          <a:p>
+            <a:r>
+              <a:rPr lang="en-CA" dirty="0"/>
+              <a:t>Generate useful customer insights</a:t>
+            </a:r>
+          </a:p>
+          <a:p>
+            <a:pPr marL="285750" indent="-285750">
+              <a:buFont typeface="Arial" panose="020B0604020202020204" pitchFamily="34" charset="0"/>
+              <a:buChar char="•"/>
+            </a:pPr>
+            <a:r>
+              <a:rPr lang="en-CA" dirty="0"/>
+              <a:t>Optimize resource allocation for targeted marketing.</a:t>
+            </a:r>
+          </a:p>
+          <a:p>
+            <a:pPr marL="285750" indent="-285750">
+              <a:buFont typeface="Arial" panose="020B0604020202020204" pitchFamily="34" charset="0"/>
+              <a:buChar char="•"/>
+            </a:pPr>
+            <a:r>
+              <a:rPr lang="en-CA" dirty="0"/>
+              <a:t>Focus on high value customers</a:t>
+            </a:r>
+            <a:endParaRPr dirty="0"/>
+          </a:p>
+        </p:txBody>
+      </p:sp>
     </p:spTree>
   </p:cSld>
   <p:clrMapOvr>
     <a:masterClrMapping/>
   </p:clrMapOvr>
-  <p:transition xmlns:p14="http://schemas.microsoft.com/office/powerpoint/2010/main" spd="med" advClick="1"/>
+  <p:transition spd="med"/>
+</p:sld>
+</file>
+
+<file path=ppt/slides/slide4.xml><?xml version="1.0" encoding="utf-8"?>
+<p:sld xmlns:a="http://schemas.openxmlformats.org/drawingml/2006/main" xmlns:r="http://schemas.openxmlformats.org/officeDocument/2006/relationships" xmlns:p="http://schemas.openxmlformats.org/presentationml/2006/main">
+  <p:cSld>
+    <p:spTree>
+      <p:nvGrpSpPr>
+        <p:cNvPr id="1" name=""/>
+        <p:cNvGrpSpPr/>
+        <p:nvPr/>
+      </p:nvGrpSpPr>
+      <p:grpSpPr>
+        <a:xfrm>
+          <a:off x="0" y="0"/>
+          <a:ext cx="0" cy="0"/>
+          <a:chOff x="0" y="0"/>
+          <a:chExt cx="0" cy="0"/>
+        </a:xfrm>
+      </p:grpSpPr>
+      <p:sp>
+        <p:nvSpPr>
+          <p:cNvPr id="130" name="Shape 79"/>
+          <p:cNvSpPr/>
+          <p:nvPr/>
+        </p:nvSpPr>
+        <p:spPr>
+          <a:xfrm>
+            <a:off x="-15501" y="-19475"/>
+            <a:ext cx="9191402" cy="840000"/>
+          </a:xfrm>
+          <a:prstGeom prst="rect">
+            <a:avLst/>
+          </a:prstGeom>
+          <a:gradFill>
+            <a:gsLst>
+              <a:gs pos="0">
+                <a:srgbClr val="1077D2"/>
+              </a:gs>
+              <a:gs pos="100000">
+                <a:srgbClr val="093153"/>
+              </a:gs>
+            </a:gsLst>
+            <a:lin ang="12000143"/>
+          </a:gradFill>
+          <a:ln w="12700">
+            <a:miter lim="400000"/>
+          </a:ln>
+        </p:spPr>
+        <p:txBody>
+          <a:bodyPr lIns="45719" rIns="45719" anchor="ctr"/>
+          <a:lstStyle/>
+          <a:p>
+            <a:endParaRPr/>
+          </a:p>
+        </p:txBody>
+      </p:sp>
+      <p:sp>
+        <p:nvSpPr>
+          <p:cNvPr id="131" name="Shape 80"/>
+          <p:cNvSpPr/>
+          <p:nvPr/>
+        </p:nvSpPr>
+        <p:spPr>
+          <a:xfrm>
+            <a:off x="205025" y="263974"/>
+            <a:ext cx="8565600" cy="466642"/>
+          </a:xfrm>
+          <a:prstGeom prst="rect">
+            <a:avLst/>
+          </a:prstGeom>
+          <a:ln w="12700">
+            <a:miter lim="400000"/>
+          </a:ln>
+          <a:extLst>
+            <a:ext uri="{C572A759-6A51-4108-AA02-DFA0A04FC94B}">
+              <ma14:wrappingTextBoxFlag xmlns:ma14="http://schemas.microsoft.com/office/mac/drawingml/2011/main" xmlns="" val="1"/>
+            </a:ext>
+          </a:extLst>
+        </p:spPr>
+        <p:txBody>
+          <a:bodyPr lIns="91424" tIns="91424" rIns="91424" bIns="91424">
+            <a:spAutoFit/>
+          </a:bodyPr>
+          <a:lstStyle>
+            <a:lvl1pPr>
+              <a:defRPr sz="2000" b="1">
+                <a:solidFill>
+                  <a:srgbClr val="FFFFFF"/>
+                </a:solidFill>
+              </a:defRPr>
+            </a:lvl1pPr>
+          </a:lstStyle>
+          <a:p>
+            <a:r>
+              <a:t>Data Exploration</a:t>
+            </a:r>
+          </a:p>
+        </p:txBody>
+      </p:sp>
+      <p:sp>
+        <p:nvSpPr>
+          <p:cNvPr id="132" name="Shape 81"/>
+          <p:cNvSpPr/>
+          <p:nvPr/>
+        </p:nvSpPr>
+        <p:spPr>
+          <a:xfrm>
+            <a:off x="205025" y="1083299"/>
+            <a:ext cx="8565600" cy="508184"/>
+          </a:xfrm>
+          <a:prstGeom prst="rect">
+            <a:avLst/>
+          </a:prstGeom>
+          <a:ln w="12700">
+            <a:miter lim="400000"/>
+          </a:ln>
+          <a:extLst>
+            <a:ext uri="{C572A759-6A51-4108-AA02-DFA0A04FC94B}">
+              <ma14:wrappingTextBoxFlag xmlns:ma14="http://schemas.microsoft.com/office/mac/drawingml/2011/main" xmlns="" val="1"/>
+            </a:ext>
+          </a:extLst>
+        </p:spPr>
+        <p:txBody>
+          <a:bodyPr lIns="91424" tIns="91424" rIns="91424" bIns="91424">
+            <a:spAutoFit/>
+          </a:bodyPr>
+          <a:lstStyle>
+            <a:lvl1pPr>
+              <a:lnSpc>
+                <a:spcPct val="115000"/>
+              </a:lnSpc>
+              <a:defRPr sz="2000" b="1">
+                <a:latin typeface="Open Sans"/>
+                <a:ea typeface="Open Sans"/>
+                <a:cs typeface="Open Sans"/>
+                <a:sym typeface="Open Sans"/>
+              </a:defRPr>
+            </a:lvl1pPr>
+          </a:lstStyle>
+          <a:p>
+            <a:r>
+              <a:rPr lang="en-CA" dirty="0"/>
+              <a:t>Data Cleaning and Quality Assessment</a:t>
+            </a:r>
+            <a:endParaRPr dirty="0"/>
+          </a:p>
+        </p:txBody>
+      </p:sp>
+      <p:sp>
+        <p:nvSpPr>
+          <p:cNvPr id="133" name="Shape 82"/>
+          <p:cNvSpPr/>
+          <p:nvPr/>
+        </p:nvSpPr>
+        <p:spPr>
+          <a:xfrm>
+            <a:off x="205025" y="1591483"/>
+            <a:ext cx="4134600" cy="3197253"/>
+          </a:xfrm>
+          <a:prstGeom prst="rect">
+            <a:avLst/>
+          </a:prstGeom>
+          <a:ln w="12700">
+            <a:miter lim="400000"/>
+          </a:ln>
+          <a:extLst>
+            <a:ext uri="{C572A759-6A51-4108-AA02-DFA0A04FC94B}">
+              <ma14:wrappingTextBoxFlag xmlns:ma14="http://schemas.microsoft.com/office/mac/drawingml/2011/main" xmlns="" val="1"/>
+            </a:ext>
+          </a:extLst>
+        </p:spPr>
+        <p:txBody>
+          <a:bodyPr lIns="91424" tIns="91424" rIns="91424" bIns="91424">
+            <a:spAutoFit/>
+          </a:bodyPr>
+          <a:lstStyle>
+            <a:lvl1pPr>
+              <a:lnSpc>
+                <a:spcPct val="115000"/>
+              </a:lnSpc>
+              <a:defRPr sz="1500">
+                <a:latin typeface="Open Sans"/>
+                <a:ea typeface="Open Sans"/>
+                <a:cs typeface="Open Sans"/>
+                <a:sym typeface="Open Sans"/>
+              </a:defRPr>
+            </a:lvl1pPr>
+          </a:lstStyle>
+          <a:p>
+            <a:pPr>
+              <a:lnSpc>
+                <a:spcPct val="150000"/>
+              </a:lnSpc>
+            </a:pPr>
+            <a:r>
+              <a:rPr lang="en-CA" b="1" dirty="0"/>
+              <a:t>Data Quality Assessment Standards:</a:t>
+            </a:r>
+          </a:p>
+          <a:p>
+            <a:pPr marL="285750" indent="-285750">
+              <a:lnSpc>
+                <a:spcPct val="150000"/>
+              </a:lnSpc>
+              <a:buFont typeface="Arial" panose="020B0604020202020204" pitchFamily="34" charset="0"/>
+              <a:buChar char="•"/>
+            </a:pPr>
+            <a:r>
+              <a:rPr lang="en-CA" dirty="0"/>
+              <a:t>Accuracy: Correct Values</a:t>
+            </a:r>
+          </a:p>
+          <a:p>
+            <a:pPr marL="285750" indent="-285750">
+              <a:lnSpc>
+                <a:spcPct val="150000"/>
+              </a:lnSpc>
+              <a:buFont typeface="Arial" panose="020B0604020202020204" pitchFamily="34" charset="0"/>
+              <a:buChar char="•"/>
+            </a:pPr>
+            <a:r>
+              <a:rPr lang="en-CA" dirty="0"/>
+              <a:t>Completeness: Data Fields with Values</a:t>
+            </a:r>
+          </a:p>
+          <a:p>
+            <a:pPr marL="285750" indent="-285750">
+              <a:lnSpc>
+                <a:spcPct val="150000"/>
+              </a:lnSpc>
+              <a:buFont typeface="Arial" panose="020B0604020202020204" pitchFamily="34" charset="0"/>
+              <a:buChar char="•"/>
+            </a:pPr>
+            <a:r>
+              <a:rPr lang="en-CA" dirty="0"/>
+              <a:t>Consistency: Value Free From Contradiction</a:t>
+            </a:r>
+          </a:p>
+          <a:p>
+            <a:pPr marL="285750" indent="-285750">
+              <a:lnSpc>
+                <a:spcPct val="150000"/>
+              </a:lnSpc>
+              <a:buFont typeface="Arial" panose="020B0604020202020204" pitchFamily="34" charset="0"/>
+              <a:buChar char="•"/>
+            </a:pPr>
+            <a:r>
+              <a:rPr lang="en-CA" dirty="0"/>
+              <a:t>Currency: Values Up to Date</a:t>
+            </a:r>
+          </a:p>
+          <a:p>
+            <a:pPr marL="285750" indent="-285750">
+              <a:lnSpc>
+                <a:spcPct val="150000"/>
+              </a:lnSpc>
+              <a:buFont typeface="Arial" panose="020B0604020202020204" pitchFamily="34" charset="0"/>
+              <a:buChar char="•"/>
+            </a:pPr>
+            <a:r>
+              <a:rPr lang="en-CA" dirty="0"/>
+              <a:t>Relevancy: Items with Value Meta-data</a:t>
+            </a:r>
+          </a:p>
+          <a:p>
+            <a:pPr marL="285750" indent="-285750">
+              <a:lnSpc>
+                <a:spcPct val="150000"/>
+              </a:lnSpc>
+              <a:buFont typeface="Arial" panose="020B0604020202020204" pitchFamily="34" charset="0"/>
+              <a:buChar char="•"/>
+            </a:pPr>
+            <a:r>
+              <a:rPr lang="en-CA" dirty="0"/>
+              <a:t>Validity: Data Containing Allowable Values</a:t>
+            </a:r>
+          </a:p>
+          <a:p>
+            <a:pPr marL="285750" indent="-285750">
+              <a:lnSpc>
+                <a:spcPct val="150000"/>
+              </a:lnSpc>
+              <a:buFont typeface="Arial" panose="020B0604020202020204" pitchFamily="34" charset="0"/>
+              <a:buChar char="•"/>
+            </a:pPr>
+            <a:r>
+              <a:rPr lang="en-CA" dirty="0"/>
+              <a:t>Uniqueness: Duplicated Records</a:t>
+            </a:r>
+          </a:p>
+          <a:p>
+            <a:endParaRPr dirty="0"/>
+          </a:p>
+        </p:txBody>
+      </p:sp>
+    </p:spTree>
+  </p:cSld>
+  <p:clrMapOvr>
+    <a:masterClrMapping/>
+  </p:clrMapOvr>
+  <p:transition spd="med"/>
+</p:sld>
+</file>
+
+<file path=ppt/slides/slide5.xml><?xml version="1.0" encoding="utf-8"?>
+<p:sld xmlns:a="http://schemas.openxmlformats.org/drawingml/2006/main" xmlns:r="http://schemas.openxmlformats.org/officeDocument/2006/relationships" xmlns:p="http://schemas.openxmlformats.org/presentationml/2006/main">
+  <p:cSld>
+    <p:spTree>
+      <p:nvGrpSpPr>
+        <p:cNvPr id="1" name=""/>
+        <p:cNvGrpSpPr/>
+        <p:nvPr/>
+      </p:nvGrpSpPr>
+      <p:grpSpPr>
+        <a:xfrm>
+          <a:off x="0" y="0"/>
+          <a:ext cx="0" cy="0"/>
+          <a:chOff x="0" y="0"/>
+          <a:chExt cx="0" cy="0"/>
+        </a:xfrm>
+      </p:grpSpPr>
+      <p:sp>
+        <p:nvSpPr>
+          <p:cNvPr id="130" name="Shape 79"/>
+          <p:cNvSpPr/>
+          <p:nvPr/>
+        </p:nvSpPr>
+        <p:spPr>
+          <a:xfrm>
+            <a:off x="-15501" y="-19475"/>
+            <a:ext cx="9191402" cy="840000"/>
+          </a:xfrm>
+          <a:prstGeom prst="rect">
+            <a:avLst/>
+          </a:prstGeom>
+          <a:gradFill>
+            <a:gsLst>
+              <a:gs pos="0">
+                <a:srgbClr val="1077D2"/>
+              </a:gs>
+              <a:gs pos="100000">
+                <a:srgbClr val="093153"/>
+              </a:gs>
+            </a:gsLst>
+            <a:lin ang="12000143"/>
+          </a:gradFill>
+          <a:ln w="12700">
+            <a:miter lim="400000"/>
+          </a:ln>
+        </p:spPr>
+        <p:txBody>
+          <a:bodyPr lIns="45719" rIns="45719" anchor="ctr"/>
+          <a:lstStyle/>
+          <a:p>
+            <a:endParaRPr/>
+          </a:p>
+        </p:txBody>
+      </p:sp>
+      <p:sp>
+        <p:nvSpPr>
+          <p:cNvPr id="131" name="Shape 80"/>
+          <p:cNvSpPr/>
+          <p:nvPr/>
+        </p:nvSpPr>
+        <p:spPr>
+          <a:xfrm>
+            <a:off x="205025" y="263974"/>
+            <a:ext cx="8565600" cy="466642"/>
+          </a:xfrm>
+          <a:prstGeom prst="rect">
+            <a:avLst/>
+          </a:prstGeom>
+          <a:ln w="12700">
+            <a:miter lim="400000"/>
+          </a:ln>
+          <a:extLst>
+            <a:ext uri="{C572A759-6A51-4108-AA02-DFA0A04FC94B}">
+              <ma14:wrappingTextBoxFlag xmlns:ma14="http://schemas.microsoft.com/office/mac/drawingml/2011/main" xmlns="" val="1"/>
+            </a:ext>
+          </a:extLst>
+        </p:spPr>
+        <p:txBody>
+          <a:bodyPr lIns="91424" tIns="91424" rIns="91424" bIns="91424">
+            <a:spAutoFit/>
+          </a:bodyPr>
+          <a:lstStyle>
+            <a:lvl1pPr>
+              <a:defRPr sz="2000" b="1">
+                <a:solidFill>
+                  <a:srgbClr val="FFFFFF"/>
+                </a:solidFill>
+              </a:defRPr>
+            </a:lvl1pPr>
+          </a:lstStyle>
+          <a:p>
+            <a:r>
+              <a:rPr dirty="0"/>
+              <a:t>Data Exploration</a:t>
+            </a:r>
+          </a:p>
+        </p:txBody>
+      </p:sp>
+      <p:sp>
+        <p:nvSpPr>
+          <p:cNvPr id="132" name="Shape 81"/>
+          <p:cNvSpPr/>
+          <p:nvPr/>
+        </p:nvSpPr>
+        <p:spPr>
+          <a:xfrm>
+            <a:off x="205025" y="1083299"/>
+            <a:ext cx="8565600" cy="508184"/>
+          </a:xfrm>
+          <a:prstGeom prst="rect">
+            <a:avLst/>
+          </a:prstGeom>
+          <a:ln w="12700">
+            <a:miter lim="400000"/>
+          </a:ln>
+          <a:extLst>
+            <a:ext uri="{C572A759-6A51-4108-AA02-DFA0A04FC94B}">
+              <ma14:wrappingTextBoxFlag xmlns:ma14="http://schemas.microsoft.com/office/mac/drawingml/2011/main" xmlns="" val="1"/>
+            </a:ext>
+          </a:extLst>
+        </p:spPr>
+        <p:txBody>
+          <a:bodyPr lIns="91424" tIns="91424" rIns="91424" bIns="91424">
+            <a:spAutoFit/>
+          </a:bodyPr>
+          <a:lstStyle>
+            <a:lvl1pPr>
+              <a:lnSpc>
+                <a:spcPct val="115000"/>
+              </a:lnSpc>
+              <a:defRPr sz="2000" b="1">
+                <a:latin typeface="Open Sans"/>
+                <a:ea typeface="Open Sans"/>
+                <a:cs typeface="Open Sans"/>
+                <a:sym typeface="Open Sans"/>
+              </a:defRPr>
+            </a:lvl1pPr>
+          </a:lstStyle>
+          <a:p>
+            <a:r>
+              <a:rPr lang="en-CA" dirty="0"/>
+              <a:t>Customer Age Distributions</a:t>
+            </a:r>
+            <a:endParaRPr dirty="0"/>
+          </a:p>
+        </p:txBody>
+      </p:sp>
+      <p:sp>
+        <p:nvSpPr>
+          <p:cNvPr id="133" name="Shape 82"/>
+          <p:cNvSpPr/>
+          <p:nvPr/>
+        </p:nvSpPr>
+        <p:spPr>
+          <a:xfrm>
+            <a:off x="205025" y="1740212"/>
+            <a:ext cx="4134600" cy="2262125"/>
+          </a:xfrm>
+          <a:prstGeom prst="rect">
+            <a:avLst/>
+          </a:prstGeom>
+          <a:ln w="12700">
+            <a:miter lim="400000"/>
+          </a:ln>
+          <a:extLst>
+            <a:ext uri="{C572A759-6A51-4108-AA02-DFA0A04FC94B}">
+              <ma14:wrappingTextBoxFlag xmlns:ma14="http://schemas.microsoft.com/office/mac/drawingml/2011/main" xmlns="" val="1"/>
+            </a:ext>
+          </a:extLst>
+        </p:spPr>
+        <p:txBody>
+          <a:bodyPr lIns="91424" tIns="91424" rIns="91424" bIns="91424">
+            <a:spAutoFit/>
+          </a:bodyPr>
+          <a:lstStyle>
+            <a:lvl1pPr>
+              <a:lnSpc>
+                <a:spcPct val="115000"/>
+              </a:lnSpc>
+              <a:defRPr sz="1500">
+                <a:latin typeface="Open Sans"/>
+                <a:ea typeface="Open Sans"/>
+                <a:cs typeface="Open Sans"/>
+                <a:sym typeface="Open Sans"/>
+              </a:defRPr>
+            </a:lvl1pPr>
+          </a:lstStyle>
+          <a:p>
+            <a:pPr marL="285750" indent="-285750">
+              <a:lnSpc>
+                <a:spcPct val="100000"/>
+              </a:lnSpc>
+              <a:buFont typeface="Arial" panose="020B0604020202020204" pitchFamily="34" charset="0"/>
+              <a:buChar char="•"/>
+            </a:pPr>
+            <a:endParaRPr lang="en-CA" dirty="0"/>
+          </a:p>
+          <a:p>
+            <a:pPr marL="285750" indent="-285750">
+              <a:lnSpc>
+                <a:spcPct val="100000"/>
+              </a:lnSpc>
+              <a:buFont typeface="Arial" panose="020B0604020202020204" pitchFamily="34" charset="0"/>
+              <a:buChar char="•"/>
+            </a:pPr>
+            <a:r>
+              <a:rPr lang="en-CA" dirty="0"/>
+              <a:t>Most customers age around 40 to 49 years old </a:t>
+            </a:r>
+          </a:p>
+          <a:p>
+            <a:pPr marL="285750" indent="-285750">
+              <a:lnSpc>
+                <a:spcPct val="100000"/>
+              </a:lnSpc>
+              <a:buFont typeface="Arial" panose="020B0604020202020204" pitchFamily="34" charset="0"/>
+              <a:buChar char="•"/>
+            </a:pPr>
+            <a:endParaRPr lang="en-CA" dirty="0"/>
+          </a:p>
+          <a:p>
+            <a:pPr marL="285750" indent="-285750">
+              <a:lnSpc>
+                <a:spcPct val="100000"/>
+              </a:lnSpc>
+              <a:buFont typeface="Arial" panose="020B0604020202020204" pitchFamily="34" charset="0"/>
+              <a:buChar char="•"/>
+            </a:pPr>
+            <a:r>
+              <a:rPr lang="en-CA" dirty="0"/>
+              <a:t>The least popular groups are 10 to 19 and 70 years old and above</a:t>
+            </a:r>
+          </a:p>
+          <a:p>
+            <a:pPr marL="285750" indent="-285750">
+              <a:lnSpc>
+                <a:spcPct val="100000"/>
+              </a:lnSpc>
+              <a:buFont typeface="Arial" panose="020B0604020202020204" pitchFamily="34" charset="0"/>
+              <a:buChar char="•"/>
+            </a:pPr>
+            <a:endParaRPr lang="en-CA" dirty="0"/>
+          </a:p>
+          <a:p>
+            <a:pPr marL="285750" indent="-285750">
+              <a:lnSpc>
+                <a:spcPct val="100000"/>
+              </a:lnSpc>
+              <a:buFont typeface="Arial" panose="020B0604020202020204" pitchFamily="34" charset="0"/>
+              <a:buChar char="•"/>
+            </a:pPr>
+            <a:r>
+              <a:rPr lang="en-CA" dirty="0"/>
+              <a:t>Popular shoppers tend to be between 20 to 69 years old</a:t>
+            </a:r>
+            <a:endParaRPr dirty="0"/>
+          </a:p>
+        </p:txBody>
+      </p:sp>
+      <p:pic>
+        <p:nvPicPr>
+          <p:cNvPr id="7" name="Picture 6">
+            <a:extLst>
+              <a:ext uri="{FF2B5EF4-FFF2-40B4-BE49-F238E27FC236}">
+                <a16:creationId xmlns:a16="http://schemas.microsoft.com/office/drawing/2014/main" id="{25C0A4D1-73F2-464C-B869-D8DC28BD8228}"/>
+              </a:ext>
+            </a:extLst>
+          </p:cNvPr>
+          <p:cNvPicPr>
+            <a:picLocks noChangeAspect="1"/>
+          </p:cNvPicPr>
+          <p:nvPr/>
+        </p:nvPicPr>
+        <p:blipFill>
+          <a:blip r:embed="rId3" cstate="print">
+            <a:extLst>
+              <a:ext uri="{28A0092B-C50C-407E-A947-70E740481C1C}">
+                <a14:useLocalDpi xmlns:a14="http://schemas.microsoft.com/office/drawing/2010/main" val="0"/>
+              </a:ext>
+            </a:extLst>
+          </a:blip>
+          <a:stretch>
+            <a:fillRect/>
+          </a:stretch>
+        </p:blipFill>
+        <p:spPr>
+          <a:xfrm>
+            <a:off x="4339625" y="891508"/>
+            <a:ext cx="4431000" cy="1932374"/>
+          </a:xfrm>
+          <a:prstGeom prst="rect">
+            <a:avLst/>
+          </a:prstGeom>
+        </p:spPr>
+      </p:pic>
+      <p:pic>
+        <p:nvPicPr>
+          <p:cNvPr id="11" name="Picture 10">
+            <a:extLst>
+              <a:ext uri="{FF2B5EF4-FFF2-40B4-BE49-F238E27FC236}">
+                <a16:creationId xmlns:a16="http://schemas.microsoft.com/office/drawing/2014/main" id="{3EABD9E3-7FFF-4B5E-98E7-DAA03EBE717A}"/>
+              </a:ext>
+            </a:extLst>
+          </p:cNvPr>
+          <p:cNvPicPr>
+            <a:picLocks noChangeAspect="1"/>
+          </p:cNvPicPr>
+          <p:nvPr/>
+        </p:nvPicPr>
+        <p:blipFill>
+          <a:blip r:embed="rId4" cstate="print">
+            <a:extLst>
+              <a:ext uri="{28A0092B-C50C-407E-A947-70E740481C1C}">
+                <a14:useLocalDpi xmlns:a14="http://schemas.microsoft.com/office/drawing/2010/main" val="0"/>
+              </a:ext>
+            </a:extLst>
+          </a:blip>
+          <a:stretch>
+            <a:fillRect/>
+          </a:stretch>
+        </p:blipFill>
+        <p:spPr>
+          <a:xfrm>
+            <a:off x="4413725" y="3015673"/>
+            <a:ext cx="4282800" cy="1932374"/>
+          </a:xfrm>
+          <a:prstGeom prst="rect">
+            <a:avLst/>
+          </a:prstGeom>
+        </p:spPr>
+      </p:pic>
+    </p:spTree>
+    <p:extLst>
+      <p:ext uri="{BB962C8B-B14F-4D97-AF65-F5344CB8AC3E}">
+        <p14:creationId xmlns:p14="http://schemas.microsoft.com/office/powerpoint/2010/main" val="81576996"/>
+      </p:ext>
+    </p:extLst>
+  </p:cSld>
+  <p:clrMapOvr>
+    <a:masterClrMapping/>
+  </p:clrMapOvr>
+  <p:transition spd="med"/>
+</p:sld>
+</file>
+
+<file path=ppt/slides/slide6.xml><?xml version="1.0" encoding="utf-8"?>
+<p:sld xmlns:a="http://schemas.openxmlformats.org/drawingml/2006/main" xmlns:r="http://schemas.openxmlformats.org/officeDocument/2006/relationships" xmlns:p="http://schemas.openxmlformats.org/presentationml/2006/main">
+  <p:cSld>
+    <p:spTree>
+      <p:nvGrpSpPr>
+        <p:cNvPr id="1" name=""/>
+        <p:cNvGrpSpPr/>
+        <p:nvPr/>
+      </p:nvGrpSpPr>
+      <p:grpSpPr>
+        <a:xfrm>
+          <a:off x="0" y="0"/>
+          <a:ext cx="0" cy="0"/>
+          <a:chOff x="0" y="0"/>
+          <a:chExt cx="0" cy="0"/>
+        </a:xfrm>
+      </p:grpSpPr>
+      <p:sp>
+        <p:nvSpPr>
+          <p:cNvPr id="130" name="Shape 79"/>
+          <p:cNvSpPr/>
+          <p:nvPr/>
+        </p:nvSpPr>
+        <p:spPr>
+          <a:xfrm>
+            <a:off x="-15501" y="-19475"/>
+            <a:ext cx="9191402" cy="840000"/>
+          </a:xfrm>
+          <a:prstGeom prst="rect">
+            <a:avLst/>
+          </a:prstGeom>
+          <a:gradFill>
+            <a:gsLst>
+              <a:gs pos="0">
+                <a:srgbClr val="1077D2"/>
+              </a:gs>
+              <a:gs pos="100000">
+                <a:srgbClr val="093153"/>
+              </a:gs>
+            </a:gsLst>
+            <a:lin ang="12000143"/>
+          </a:gradFill>
+          <a:ln w="12700">
+            <a:miter lim="400000"/>
+          </a:ln>
+        </p:spPr>
+        <p:txBody>
+          <a:bodyPr lIns="45719" rIns="45719" anchor="ctr"/>
+          <a:lstStyle/>
+          <a:p>
+            <a:endParaRPr/>
+          </a:p>
+        </p:txBody>
+      </p:sp>
+      <p:sp>
+        <p:nvSpPr>
+          <p:cNvPr id="131" name="Shape 80"/>
+          <p:cNvSpPr/>
+          <p:nvPr/>
+        </p:nvSpPr>
+        <p:spPr>
+          <a:xfrm>
+            <a:off x="205025" y="263974"/>
+            <a:ext cx="8565600" cy="466642"/>
+          </a:xfrm>
+          <a:prstGeom prst="rect">
+            <a:avLst/>
+          </a:prstGeom>
+          <a:ln w="12700">
+            <a:miter lim="400000"/>
+          </a:ln>
+          <a:extLst>
+            <a:ext uri="{C572A759-6A51-4108-AA02-DFA0A04FC94B}">
+              <ma14:wrappingTextBoxFlag xmlns:ma14="http://schemas.microsoft.com/office/mac/drawingml/2011/main" xmlns="" val="1"/>
+            </a:ext>
+          </a:extLst>
+        </p:spPr>
+        <p:txBody>
+          <a:bodyPr lIns="91424" tIns="91424" rIns="91424" bIns="91424">
+            <a:spAutoFit/>
+          </a:bodyPr>
+          <a:lstStyle>
+            <a:lvl1pPr>
+              <a:defRPr sz="2000" b="1">
+                <a:solidFill>
+                  <a:srgbClr val="FFFFFF"/>
+                </a:solidFill>
+              </a:defRPr>
+            </a:lvl1pPr>
+          </a:lstStyle>
+          <a:p>
+            <a:r>
+              <a:t>Data Exploration</a:t>
+            </a:r>
+          </a:p>
+        </p:txBody>
+      </p:sp>
+      <p:sp>
+        <p:nvSpPr>
+          <p:cNvPr id="132" name="Shape 81"/>
+          <p:cNvSpPr/>
+          <p:nvPr/>
+        </p:nvSpPr>
+        <p:spPr>
+          <a:xfrm>
+            <a:off x="205025" y="1083299"/>
+            <a:ext cx="8565600" cy="508184"/>
+          </a:xfrm>
+          <a:prstGeom prst="rect">
+            <a:avLst/>
+          </a:prstGeom>
+          <a:ln w="12700">
+            <a:miter lim="400000"/>
+          </a:ln>
+          <a:extLst>
+            <a:ext uri="{C572A759-6A51-4108-AA02-DFA0A04FC94B}">
+              <ma14:wrappingTextBoxFlag xmlns:ma14="http://schemas.microsoft.com/office/mac/drawingml/2011/main" xmlns="" val="1"/>
+            </a:ext>
+          </a:extLst>
+        </p:spPr>
+        <p:txBody>
+          <a:bodyPr lIns="91424" tIns="91424" rIns="91424" bIns="91424">
+            <a:spAutoFit/>
+          </a:bodyPr>
+          <a:lstStyle>
+            <a:lvl1pPr>
+              <a:lnSpc>
+                <a:spcPct val="115000"/>
+              </a:lnSpc>
+              <a:defRPr sz="2000" b="1">
+                <a:latin typeface="Open Sans"/>
+                <a:ea typeface="Open Sans"/>
+                <a:cs typeface="Open Sans"/>
+                <a:sym typeface="Open Sans"/>
+              </a:defRPr>
+            </a:lvl1pPr>
+          </a:lstStyle>
+          <a:p>
+            <a:r>
+              <a:rPr lang="en-CA" dirty="0"/>
+              <a:t>Purchases in the Past 3 Years By Gender</a:t>
+            </a:r>
+            <a:endParaRPr dirty="0"/>
+          </a:p>
+        </p:txBody>
+      </p:sp>
+      <p:sp>
+        <p:nvSpPr>
+          <p:cNvPr id="133" name="Shape 82"/>
+          <p:cNvSpPr/>
+          <p:nvPr/>
+        </p:nvSpPr>
+        <p:spPr>
+          <a:xfrm>
+            <a:off x="205025" y="2164724"/>
+            <a:ext cx="4134600" cy="1872853"/>
+          </a:xfrm>
+          <a:prstGeom prst="rect">
+            <a:avLst/>
+          </a:prstGeom>
+          <a:ln w="12700">
+            <a:miter lim="400000"/>
+          </a:ln>
+          <a:extLst>
+            <a:ext uri="{C572A759-6A51-4108-AA02-DFA0A04FC94B}">
+              <ma14:wrappingTextBoxFlag xmlns:ma14="http://schemas.microsoft.com/office/mac/drawingml/2011/main" xmlns="" val="1"/>
+            </a:ext>
+          </a:extLst>
+        </p:spPr>
+        <p:txBody>
+          <a:bodyPr lIns="91424" tIns="91424" rIns="91424" bIns="91424">
+            <a:spAutoFit/>
+          </a:bodyPr>
+          <a:lstStyle>
+            <a:lvl1pPr>
+              <a:lnSpc>
+                <a:spcPct val="115000"/>
+              </a:lnSpc>
+              <a:defRPr sz="1500">
+                <a:latin typeface="Open Sans"/>
+                <a:ea typeface="Open Sans"/>
+                <a:cs typeface="Open Sans"/>
+                <a:sym typeface="Open Sans"/>
+              </a:defRPr>
+            </a:lvl1pPr>
+          </a:lstStyle>
+          <a:p>
+            <a:pPr marL="285750" indent="-285750">
+              <a:lnSpc>
+                <a:spcPct val="150000"/>
+              </a:lnSpc>
+              <a:buFont typeface="Arial" panose="020B0604020202020204" pitchFamily="34" charset="0"/>
+              <a:buChar char="•"/>
+            </a:pPr>
+            <a:r>
+              <a:rPr lang="en-CA" dirty="0"/>
+              <a:t>Customer gender demographic evenly spread between male and females</a:t>
+            </a:r>
+          </a:p>
+          <a:p>
+            <a:pPr marL="285750" indent="-285750">
+              <a:lnSpc>
+                <a:spcPct val="150000"/>
+              </a:lnSpc>
+              <a:buFont typeface="Arial" panose="020B0604020202020204" pitchFamily="34" charset="0"/>
+              <a:buChar char="•"/>
+            </a:pPr>
+            <a:endParaRPr lang="en-CA" dirty="0"/>
+          </a:p>
+          <a:p>
+            <a:pPr marL="285750" indent="-285750">
+              <a:lnSpc>
+                <a:spcPct val="150000"/>
+              </a:lnSpc>
+              <a:buFont typeface="Arial" panose="020B0604020202020204" pitchFamily="34" charset="0"/>
+              <a:buChar char="•"/>
+            </a:pPr>
+            <a:r>
+              <a:rPr lang="en-CA" dirty="0"/>
+              <a:t>Females make up majority of the bike purchases in the past three years</a:t>
+            </a:r>
+            <a:endParaRPr dirty="0"/>
+          </a:p>
+        </p:txBody>
+      </p:sp>
+      <p:pic>
+        <p:nvPicPr>
+          <p:cNvPr id="7" name="Picture 6" descr="A close up of a logo&#10;&#10;Description automatically generated">
+            <a:extLst>
+              <a:ext uri="{FF2B5EF4-FFF2-40B4-BE49-F238E27FC236}">
+                <a16:creationId xmlns:a16="http://schemas.microsoft.com/office/drawing/2014/main" id="{621F2BBD-BFE0-4346-9EC7-03BE4F2DBF76}"/>
+              </a:ext>
+            </a:extLst>
+          </p:cNvPr>
+          <p:cNvPicPr>
+            <a:picLocks noChangeAspect="1"/>
+          </p:cNvPicPr>
+          <p:nvPr/>
+        </p:nvPicPr>
+        <p:blipFill rotWithShape="1">
+          <a:blip r:embed="rId2">
+            <a:extLst>
+              <a:ext uri="{28A0092B-C50C-407E-A947-70E740481C1C}">
+                <a14:useLocalDpi xmlns:a14="http://schemas.microsoft.com/office/drawing/2010/main" val="0"/>
+              </a:ext>
+            </a:extLst>
+          </a:blip>
+          <a:srcRect l="16342" t="4556" r="16444" b="14411"/>
+          <a:stretch/>
+        </p:blipFill>
+        <p:spPr>
+          <a:xfrm>
+            <a:off x="4580200" y="1854257"/>
+            <a:ext cx="4276165" cy="2749924"/>
+          </a:xfrm>
+          <a:prstGeom prst="rect">
+            <a:avLst/>
+          </a:prstGeom>
+        </p:spPr>
+      </p:pic>
+    </p:spTree>
+    <p:extLst>
+      <p:ext uri="{BB962C8B-B14F-4D97-AF65-F5344CB8AC3E}">
+        <p14:creationId xmlns:p14="http://schemas.microsoft.com/office/powerpoint/2010/main" val="2461103235"/>
+      </p:ext>
+    </p:extLst>
+  </p:cSld>
+  <p:clrMapOvr>
+    <a:masterClrMapping/>
+  </p:clrMapOvr>
+  <p:transition spd="med"/>
+</p:sld>
+</file>
+
+<file path=ppt/slides/slide7.xml><?xml version="1.0" encoding="utf-8"?>
+<p:sld xmlns:a="http://schemas.openxmlformats.org/drawingml/2006/main" xmlns:r="http://schemas.openxmlformats.org/officeDocument/2006/relationships" xmlns:p="http://schemas.openxmlformats.org/presentationml/2006/main">
+  <p:cSld>
+    <p:spTree>
+      <p:nvGrpSpPr>
+        <p:cNvPr id="1" name=""/>
+        <p:cNvGrpSpPr/>
+        <p:nvPr/>
+      </p:nvGrpSpPr>
+      <p:grpSpPr>
+        <a:xfrm>
+          <a:off x="0" y="0"/>
+          <a:ext cx="0" cy="0"/>
+          <a:chOff x="0" y="0"/>
+          <a:chExt cx="0" cy="0"/>
+        </a:xfrm>
+      </p:grpSpPr>
+      <p:sp>
+        <p:nvSpPr>
+          <p:cNvPr id="130" name="Shape 79"/>
+          <p:cNvSpPr/>
+          <p:nvPr/>
+        </p:nvSpPr>
+        <p:spPr>
+          <a:xfrm>
+            <a:off x="-15501" y="-19475"/>
+            <a:ext cx="9191402" cy="840000"/>
+          </a:xfrm>
+          <a:prstGeom prst="rect">
+            <a:avLst/>
+          </a:prstGeom>
+          <a:gradFill>
+            <a:gsLst>
+              <a:gs pos="0">
+                <a:srgbClr val="1077D2"/>
+              </a:gs>
+              <a:gs pos="100000">
+                <a:srgbClr val="093153"/>
+              </a:gs>
+            </a:gsLst>
+            <a:lin ang="12000143"/>
+          </a:gradFill>
+          <a:ln w="12700">
+            <a:miter lim="400000"/>
+          </a:ln>
+        </p:spPr>
+        <p:txBody>
+          <a:bodyPr lIns="45719" rIns="45719" anchor="ctr"/>
+          <a:lstStyle/>
+          <a:p>
+            <a:endParaRPr/>
+          </a:p>
+        </p:txBody>
+      </p:sp>
+      <p:sp>
+        <p:nvSpPr>
+          <p:cNvPr id="131" name="Shape 80"/>
+          <p:cNvSpPr/>
+          <p:nvPr/>
+        </p:nvSpPr>
+        <p:spPr>
+          <a:xfrm>
+            <a:off x="205025" y="263974"/>
+            <a:ext cx="8565600" cy="466642"/>
+          </a:xfrm>
+          <a:prstGeom prst="rect">
+            <a:avLst/>
+          </a:prstGeom>
+          <a:ln w="12700">
+            <a:miter lim="400000"/>
+          </a:ln>
+          <a:extLst>
+            <a:ext uri="{C572A759-6A51-4108-AA02-DFA0A04FC94B}">
+              <ma14:wrappingTextBoxFlag xmlns:ma14="http://schemas.microsoft.com/office/mac/drawingml/2011/main" xmlns="" val="1"/>
+            </a:ext>
+          </a:extLst>
+        </p:spPr>
+        <p:txBody>
+          <a:bodyPr lIns="91424" tIns="91424" rIns="91424" bIns="91424">
+            <a:spAutoFit/>
+          </a:bodyPr>
+          <a:lstStyle>
+            <a:lvl1pPr>
+              <a:defRPr sz="2000" b="1">
+                <a:solidFill>
+                  <a:srgbClr val="FFFFFF"/>
+                </a:solidFill>
+              </a:defRPr>
+            </a:lvl1pPr>
+          </a:lstStyle>
+          <a:p>
+            <a:r>
+              <a:t>Data Exploration</a:t>
+            </a:r>
+          </a:p>
+        </p:txBody>
+      </p:sp>
+      <p:sp>
+        <p:nvSpPr>
+          <p:cNvPr id="132" name="Shape 81"/>
+          <p:cNvSpPr/>
+          <p:nvPr/>
+        </p:nvSpPr>
+        <p:spPr>
+          <a:xfrm>
+            <a:off x="205025" y="1083299"/>
+            <a:ext cx="8565600" cy="508184"/>
+          </a:xfrm>
+          <a:prstGeom prst="rect">
+            <a:avLst/>
+          </a:prstGeom>
+          <a:ln w="12700">
+            <a:miter lim="400000"/>
+          </a:ln>
+          <a:extLst>
+            <a:ext uri="{C572A759-6A51-4108-AA02-DFA0A04FC94B}">
+              <ma14:wrappingTextBoxFlag xmlns:ma14="http://schemas.microsoft.com/office/mac/drawingml/2011/main" xmlns="" val="1"/>
+            </a:ext>
+          </a:extLst>
+        </p:spPr>
+        <p:txBody>
+          <a:bodyPr lIns="91424" tIns="91424" rIns="91424" bIns="91424">
+            <a:spAutoFit/>
+          </a:bodyPr>
+          <a:lstStyle>
+            <a:lvl1pPr>
+              <a:lnSpc>
+                <a:spcPct val="115000"/>
+              </a:lnSpc>
+              <a:defRPr sz="2000" b="1">
+                <a:latin typeface="Open Sans"/>
+                <a:ea typeface="Open Sans"/>
+                <a:cs typeface="Open Sans"/>
+                <a:sym typeface="Open Sans"/>
+              </a:defRPr>
+            </a:lvl1pPr>
+          </a:lstStyle>
+          <a:p>
+            <a:r>
+              <a:rPr lang="en-CA" dirty="0"/>
+              <a:t>Wealth Segmentation By Age</a:t>
+            </a:r>
+            <a:endParaRPr dirty="0"/>
+          </a:p>
+        </p:txBody>
+      </p:sp>
+      <p:sp>
+        <p:nvSpPr>
+          <p:cNvPr id="133" name="Shape 82"/>
+          <p:cNvSpPr/>
+          <p:nvPr/>
+        </p:nvSpPr>
+        <p:spPr>
+          <a:xfrm>
+            <a:off x="205024" y="1894294"/>
+            <a:ext cx="4756943" cy="1223636"/>
+          </a:xfrm>
+          <a:prstGeom prst="rect">
+            <a:avLst/>
+          </a:prstGeom>
+          <a:ln w="12700">
+            <a:miter lim="400000"/>
+          </a:ln>
+          <a:extLst>
+            <a:ext uri="{C572A759-6A51-4108-AA02-DFA0A04FC94B}">
+              <ma14:wrappingTextBoxFlag xmlns:ma14="http://schemas.microsoft.com/office/mac/drawingml/2011/main" xmlns="" val="1"/>
+            </a:ext>
+          </a:extLst>
+        </p:spPr>
+        <p:txBody>
+          <a:bodyPr wrap="square" lIns="91424" tIns="91424" rIns="91424" bIns="91424">
+            <a:spAutoFit/>
+          </a:bodyPr>
+          <a:lstStyle>
+            <a:lvl1pPr>
+              <a:lnSpc>
+                <a:spcPct val="115000"/>
+              </a:lnSpc>
+              <a:defRPr sz="1500">
+                <a:latin typeface="Open Sans"/>
+                <a:ea typeface="Open Sans"/>
+                <a:cs typeface="Open Sans"/>
+                <a:sym typeface="Open Sans"/>
+              </a:defRPr>
+            </a:lvl1pPr>
+          </a:lstStyle>
+          <a:p>
+            <a:pPr marL="285750" indent="-285750">
+              <a:buFont typeface="Arial" panose="020B0604020202020204" pitchFamily="34" charset="0"/>
+              <a:buChar char="•"/>
+            </a:pPr>
+            <a:r>
+              <a:rPr lang="en-CA" dirty="0"/>
+              <a:t>Most customers are labelled as Mass Customer</a:t>
+            </a:r>
+          </a:p>
+          <a:p>
+            <a:pPr marL="285750" indent="-285750">
+              <a:buFont typeface="Arial" panose="020B0604020202020204" pitchFamily="34" charset="0"/>
+              <a:buChar char="•"/>
+            </a:pPr>
+            <a:endParaRPr lang="en-CA" dirty="0"/>
+          </a:p>
+          <a:p>
+            <a:pPr marL="285750" indent="-285750">
+              <a:buFont typeface="Arial" panose="020B0604020202020204" pitchFamily="34" charset="0"/>
+              <a:buChar char="•"/>
+            </a:pPr>
+            <a:r>
+              <a:rPr lang="en-CA" dirty="0"/>
+              <a:t>More customers labelled as High Net Worth than Affluent by a small margin</a:t>
+            </a:r>
+          </a:p>
+        </p:txBody>
+      </p:sp>
+      <p:pic>
+        <p:nvPicPr>
+          <p:cNvPr id="9" name="Picture 8" descr="A screenshot of a cell phone&#10;&#10;Description automatically generated">
+            <a:extLst>
+              <a:ext uri="{FF2B5EF4-FFF2-40B4-BE49-F238E27FC236}">
+                <a16:creationId xmlns:a16="http://schemas.microsoft.com/office/drawing/2014/main" id="{C84E6A0C-FDD6-4911-907F-6FF88B0639E1}"/>
+              </a:ext>
+            </a:extLst>
+          </p:cNvPr>
+          <p:cNvPicPr>
+            <a:picLocks noChangeAspect="1"/>
+          </p:cNvPicPr>
+          <p:nvPr/>
+        </p:nvPicPr>
+        <p:blipFill>
+          <a:blip r:embed="rId2" cstate="print">
+            <a:extLst>
+              <a:ext uri="{28A0092B-C50C-407E-A947-70E740481C1C}">
+                <a14:useLocalDpi xmlns:a14="http://schemas.microsoft.com/office/drawing/2010/main" val="0"/>
+              </a:ext>
+            </a:extLst>
+          </a:blip>
+          <a:stretch>
+            <a:fillRect/>
+          </a:stretch>
+        </p:blipFill>
+        <p:spPr>
+          <a:xfrm>
+            <a:off x="4961967" y="2951199"/>
+            <a:ext cx="3567290" cy="2061513"/>
+          </a:xfrm>
+          <a:prstGeom prst="rect">
+            <a:avLst/>
+          </a:prstGeom>
+        </p:spPr>
+      </p:pic>
+      <p:pic>
+        <p:nvPicPr>
+          <p:cNvPr id="11" name="Picture 10" descr="A screenshot of a cell phone&#10;&#10;Description automatically generated">
+            <a:extLst>
+              <a:ext uri="{FF2B5EF4-FFF2-40B4-BE49-F238E27FC236}">
+                <a16:creationId xmlns:a16="http://schemas.microsoft.com/office/drawing/2014/main" id="{A5245813-19EB-45AB-A275-449C8E7121D3}"/>
+              </a:ext>
+            </a:extLst>
+          </p:cNvPr>
+          <p:cNvPicPr>
+            <a:picLocks noChangeAspect="1"/>
+          </p:cNvPicPr>
+          <p:nvPr/>
+        </p:nvPicPr>
+        <p:blipFill>
+          <a:blip r:embed="rId3" cstate="print">
+            <a:extLst>
+              <a:ext uri="{28A0092B-C50C-407E-A947-70E740481C1C}">
+                <a14:useLocalDpi xmlns:a14="http://schemas.microsoft.com/office/drawing/2010/main" val="0"/>
+              </a:ext>
+            </a:extLst>
+          </a:blip>
+          <a:stretch>
+            <a:fillRect/>
+          </a:stretch>
+        </p:blipFill>
+        <p:spPr>
+          <a:xfrm>
+            <a:off x="4961967" y="852149"/>
+            <a:ext cx="3567288" cy="2061513"/>
+          </a:xfrm>
+          <a:prstGeom prst="rect">
+            <a:avLst/>
+          </a:prstGeom>
+        </p:spPr>
+      </p:pic>
+    </p:spTree>
+    <p:extLst>
+      <p:ext uri="{BB962C8B-B14F-4D97-AF65-F5344CB8AC3E}">
+        <p14:creationId xmlns:p14="http://schemas.microsoft.com/office/powerpoint/2010/main" val="2760597151"/>
+      </p:ext>
+    </p:extLst>
+  </p:cSld>
+  <p:clrMapOvr>
+    <a:masterClrMapping/>
+  </p:clrMapOvr>
+  <p:transition spd="med"/>
+</p:sld>
+</file>
+
+<file path=ppt/slides/slide8.xml><?xml version="1.0" encoding="utf-8"?>
+<p:sld xmlns:a="http://schemas.openxmlformats.org/drawingml/2006/main" xmlns:r="http://schemas.openxmlformats.org/officeDocument/2006/relationships" xmlns:p="http://schemas.openxmlformats.org/presentationml/2006/main">
+  <p:cSld>
+    <p:spTree>
+      <p:nvGrpSpPr>
+        <p:cNvPr id="1" name=""/>
+        <p:cNvGrpSpPr/>
+        <p:nvPr/>
+      </p:nvGrpSpPr>
+      <p:grpSpPr>
+        <a:xfrm>
+          <a:off x="0" y="0"/>
+          <a:ext cx="0" cy="0"/>
+          <a:chOff x="0" y="0"/>
+          <a:chExt cx="0" cy="0"/>
+        </a:xfrm>
+      </p:grpSpPr>
+      <p:sp>
+        <p:nvSpPr>
+          <p:cNvPr id="130" name="Shape 79"/>
+          <p:cNvSpPr/>
+          <p:nvPr/>
+        </p:nvSpPr>
+        <p:spPr>
+          <a:xfrm>
+            <a:off x="-15501" y="-19475"/>
+            <a:ext cx="9191402" cy="750091"/>
+          </a:xfrm>
+          <a:prstGeom prst="rect">
+            <a:avLst/>
+          </a:prstGeom>
+          <a:gradFill>
+            <a:gsLst>
+              <a:gs pos="0">
+                <a:srgbClr val="1077D2"/>
+              </a:gs>
+              <a:gs pos="100000">
+                <a:srgbClr val="093153"/>
+              </a:gs>
+            </a:gsLst>
+            <a:lin ang="12000143"/>
+          </a:gradFill>
+          <a:ln w="12700">
+            <a:miter lim="400000"/>
+          </a:ln>
+        </p:spPr>
+        <p:txBody>
+          <a:bodyPr lIns="45719" rIns="45719" anchor="ctr"/>
+          <a:lstStyle/>
+          <a:p>
+            <a:endParaRPr/>
+          </a:p>
+        </p:txBody>
+      </p:sp>
+      <p:sp>
+        <p:nvSpPr>
+          <p:cNvPr id="131" name="Shape 80"/>
+          <p:cNvSpPr/>
+          <p:nvPr/>
+        </p:nvSpPr>
+        <p:spPr>
+          <a:xfrm>
+            <a:off x="205025" y="147425"/>
+            <a:ext cx="8565600" cy="466642"/>
+          </a:xfrm>
+          <a:prstGeom prst="rect">
+            <a:avLst/>
+          </a:prstGeom>
+          <a:ln w="12700">
+            <a:miter lim="400000"/>
+          </a:ln>
+          <a:extLst>
+            <a:ext uri="{C572A759-6A51-4108-AA02-DFA0A04FC94B}">
+              <ma14:wrappingTextBoxFlag xmlns:ma14="http://schemas.microsoft.com/office/mac/drawingml/2011/main" xmlns="" val="1"/>
+            </a:ext>
+          </a:extLst>
+        </p:spPr>
+        <p:txBody>
+          <a:bodyPr lIns="91424" tIns="91424" rIns="91424" bIns="91424">
+            <a:spAutoFit/>
+          </a:bodyPr>
+          <a:lstStyle>
+            <a:lvl1pPr>
+              <a:defRPr sz="2000" b="1">
+                <a:solidFill>
+                  <a:srgbClr val="FFFFFF"/>
+                </a:solidFill>
+              </a:defRPr>
+            </a:lvl1pPr>
+          </a:lstStyle>
+          <a:p>
+            <a:r>
+              <a:rPr dirty="0"/>
+              <a:t>Data Exploration</a:t>
+            </a:r>
+          </a:p>
+        </p:txBody>
+      </p:sp>
+      <p:sp>
+        <p:nvSpPr>
+          <p:cNvPr id="132" name="Shape 81"/>
+          <p:cNvSpPr/>
+          <p:nvPr/>
+        </p:nvSpPr>
+        <p:spPr>
+          <a:xfrm>
+            <a:off x="205025" y="1083299"/>
+            <a:ext cx="8565600" cy="508184"/>
+          </a:xfrm>
+          <a:prstGeom prst="rect">
+            <a:avLst/>
+          </a:prstGeom>
+          <a:ln w="12700">
+            <a:miter lim="400000"/>
+          </a:ln>
+          <a:extLst>
+            <a:ext uri="{C572A759-6A51-4108-AA02-DFA0A04FC94B}">
+              <ma14:wrappingTextBoxFlag xmlns:ma14="http://schemas.microsoft.com/office/mac/drawingml/2011/main" xmlns="" val="1"/>
+            </a:ext>
+          </a:extLst>
+        </p:spPr>
+        <p:txBody>
+          <a:bodyPr lIns="91424" tIns="91424" rIns="91424" bIns="91424">
+            <a:spAutoFit/>
+          </a:bodyPr>
+          <a:lstStyle>
+            <a:lvl1pPr>
+              <a:lnSpc>
+                <a:spcPct val="115000"/>
+              </a:lnSpc>
+              <a:defRPr sz="2000" b="1">
+                <a:latin typeface="Open Sans"/>
+                <a:ea typeface="Open Sans"/>
+                <a:cs typeface="Open Sans"/>
+                <a:sym typeface="Open Sans"/>
+              </a:defRPr>
+            </a:lvl1pPr>
+          </a:lstStyle>
+          <a:p>
+            <a:r>
+              <a:rPr lang="en-CA" dirty="0"/>
+              <a:t>Job Industry Distribution</a:t>
+            </a:r>
+            <a:endParaRPr dirty="0"/>
+          </a:p>
+        </p:txBody>
+      </p:sp>
+      <p:sp>
+        <p:nvSpPr>
+          <p:cNvPr id="133" name="Shape 82"/>
+          <p:cNvSpPr/>
+          <p:nvPr/>
+        </p:nvSpPr>
+        <p:spPr>
+          <a:xfrm>
+            <a:off x="205025" y="1591483"/>
+            <a:ext cx="4568681" cy="2020008"/>
+          </a:xfrm>
+          <a:prstGeom prst="rect">
+            <a:avLst/>
+          </a:prstGeom>
+          <a:ln w="12700">
+            <a:miter lim="400000"/>
+          </a:ln>
+          <a:extLst>
+            <a:ext uri="{C572A759-6A51-4108-AA02-DFA0A04FC94B}">
+              <ma14:wrappingTextBoxFlag xmlns:ma14="http://schemas.microsoft.com/office/mac/drawingml/2011/main" xmlns="" val="1"/>
+            </a:ext>
+          </a:extLst>
+        </p:spPr>
+        <p:txBody>
+          <a:bodyPr wrap="square" lIns="91424" tIns="91424" rIns="91424" bIns="91424">
+            <a:spAutoFit/>
+          </a:bodyPr>
+          <a:lstStyle>
+            <a:lvl1pPr>
+              <a:lnSpc>
+                <a:spcPct val="115000"/>
+              </a:lnSpc>
+              <a:defRPr sz="1500">
+                <a:latin typeface="Open Sans"/>
+                <a:ea typeface="Open Sans"/>
+                <a:cs typeface="Open Sans"/>
+                <a:sym typeface="Open Sans"/>
+              </a:defRPr>
+            </a:lvl1pPr>
+          </a:lstStyle>
+          <a:p>
+            <a:pPr marL="285750" indent="-285750">
+              <a:buFont typeface="Arial" panose="020B0604020202020204" pitchFamily="34" charset="0"/>
+              <a:buChar char="•"/>
+            </a:pPr>
+            <a:r>
+              <a:rPr lang="en-CA" dirty="0"/>
+              <a:t>Top three job industries that customers work in are financial services, manufacturing, and health respectively</a:t>
+            </a:r>
+          </a:p>
+          <a:p>
+            <a:pPr marL="285750" indent="-285750">
+              <a:buFont typeface="Arial" panose="020B0604020202020204" pitchFamily="34" charset="0"/>
+              <a:buChar char="•"/>
+            </a:pPr>
+            <a:endParaRPr lang="en-CA" dirty="0"/>
+          </a:p>
+          <a:p>
+            <a:pPr marL="285750" indent="-285750">
+              <a:buFont typeface="Arial" panose="020B0604020202020204" pitchFamily="34" charset="0"/>
+              <a:buChar char="•"/>
+            </a:pPr>
+            <a:r>
+              <a:rPr lang="en-CA" dirty="0"/>
+              <a:t>Least popular job industries are telecommunications, agriculture, entertainment, and IT</a:t>
+            </a:r>
+            <a:endParaRPr dirty="0"/>
+          </a:p>
+        </p:txBody>
+      </p:sp>
+      <p:pic>
+        <p:nvPicPr>
+          <p:cNvPr id="3" name="Picture 2" descr="A close up of text on a white background&#10;&#10;Description automatically generated">
+            <a:extLst>
+              <a:ext uri="{FF2B5EF4-FFF2-40B4-BE49-F238E27FC236}">
+                <a16:creationId xmlns:a16="http://schemas.microsoft.com/office/drawing/2014/main" id="{46D4A156-27FE-44BF-A8EE-9D167D0C213C}"/>
+              </a:ext>
+            </a:extLst>
+          </p:cNvPr>
+          <p:cNvPicPr>
+            <a:picLocks noChangeAspect="1"/>
+          </p:cNvPicPr>
+          <p:nvPr/>
+        </p:nvPicPr>
+        <p:blipFill rotWithShape="1">
+          <a:blip r:embed="rId2" cstate="print">
+            <a:extLst>
+              <a:ext uri="{28A0092B-C50C-407E-A947-70E740481C1C}">
+                <a14:useLocalDpi xmlns:a14="http://schemas.microsoft.com/office/drawing/2010/main" val="0"/>
+              </a:ext>
+            </a:extLst>
+          </a:blip>
+          <a:srcRect l="30736" t="6986" r="19485" b="15809"/>
+          <a:stretch/>
+        </p:blipFill>
+        <p:spPr>
+          <a:xfrm>
+            <a:off x="5627597" y="2876318"/>
+            <a:ext cx="2978524" cy="2058753"/>
+          </a:xfrm>
+          <a:prstGeom prst="rect">
+            <a:avLst/>
+          </a:prstGeom>
+        </p:spPr>
+      </p:pic>
+      <p:pic>
+        <p:nvPicPr>
+          <p:cNvPr id="5" name="Picture 4" descr="A close up of text on a white background&#10;&#10;Description automatically generated">
+            <a:extLst>
+              <a:ext uri="{FF2B5EF4-FFF2-40B4-BE49-F238E27FC236}">
+                <a16:creationId xmlns:a16="http://schemas.microsoft.com/office/drawing/2014/main" id="{3572C850-BC66-4960-BB45-A726947146E8}"/>
+              </a:ext>
+            </a:extLst>
+          </p:cNvPr>
+          <p:cNvPicPr>
+            <a:picLocks noChangeAspect="1"/>
+          </p:cNvPicPr>
+          <p:nvPr/>
+        </p:nvPicPr>
+        <p:blipFill rotWithShape="1">
+          <a:blip r:embed="rId3">
+            <a:extLst>
+              <a:ext uri="{28A0092B-C50C-407E-A947-70E740481C1C}">
+                <a14:useLocalDpi xmlns:a14="http://schemas.microsoft.com/office/drawing/2010/main" val="0"/>
+              </a:ext>
+            </a:extLst>
+          </a:blip>
+          <a:srcRect l="31544" t="6397" r="20441" b="15221"/>
+          <a:stretch/>
+        </p:blipFill>
+        <p:spPr>
+          <a:xfrm>
+            <a:off x="5627597" y="730616"/>
+            <a:ext cx="2978524" cy="2069495"/>
+          </a:xfrm>
+          <a:prstGeom prst="rect">
+            <a:avLst/>
+          </a:prstGeom>
+        </p:spPr>
+      </p:pic>
+    </p:spTree>
+    <p:extLst>
+      <p:ext uri="{BB962C8B-B14F-4D97-AF65-F5344CB8AC3E}">
+        <p14:creationId xmlns:p14="http://schemas.microsoft.com/office/powerpoint/2010/main" val="2651707403"/>
+      </p:ext>
+    </p:extLst>
+  </p:cSld>
+  <p:clrMapOvr>
+    <a:masterClrMapping/>
+  </p:clrMapOvr>
+  <p:transition spd="med"/>
+</p:sld>
+</file>
+
+<file path=ppt/slides/slide9.xml><?xml version="1.0" encoding="utf-8"?>
+<p:sld xmlns:a="http://schemas.openxmlformats.org/drawingml/2006/main" xmlns:r="http://schemas.openxmlformats.org/officeDocument/2006/relationships" xmlns:p="http://schemas.openxmlformats.org/presentationml/2006/main">
+  <p:cSld>
+    <p:spTree>
+      <p:nvGrpSpPr>
+        <p:cNvPr id="1" name=""/>
+        <p:cNvGrpSpPr/>
+        <p:nvPr/>
+      </p:nvGrpSpPr>
+      <p:grpSpPr>
+        <a:xfrm>
+          <a:off x="0" y="0"/>
+          <a:ext cx="0" cy="0"/>
+          <a:chOff x="0" y="0"/>
+          <a:chExt cx="0" cy="0"/>
+        </a:xfrm>
+      </p:grpSpPr>
+      <p:sp>
+        <p:nvSpPr>
+          <p:cNvPr id="130" name="Shape 79"/>
+          <p:cNvSpPr/>
+          <p:nvPr/>
+        </p:nvSpPr>
+        <p:spPr>
+          <a:xfrm>
+            <a:off x="-15501" y="-19475"/>
+            <a:ext cx="9191402" cy="750091"/>
+          </a:xfrm>
+          <a:prstGeom prst="rect">
+            <a:avLst/>
+          </a:prstGeom>
+          <a:gradFill>
+            <a:gsLst>
+              <a:gs pos="0">
+                <a:srgbClr val="1077D2"/>
+              </a:gs>
+              <a:gs pos="100000">
+                <a:srgbClr val="093153"/>
+              </a:gs>
+            </a:gsLst>
+            <a:lin ang="12000143"/>
+          </a:gradFill>
+          <a:ln w="12700">
+            <a:miter lim="400000"/>
+          </a:ln>
+        </p:spPr>
+        <p:txBody>
+          <a:bodyPr lIns="45719" rIns="45719" anchor="ctr"/>
+          <a:lstStyle/>
+          <a:p>
+            <a:endParaRPr/>
+          </a:p>
+        </p:txBody>
+      </p:sp>
+      <p:sp>
+        <p:nvSpPr>
+          <p:cNvPr id="131" name="Shape 80"/>
+          <p:cNvSpPr/>
+          <p:nvPr/>
+        </p:nvSpPr>
+        <p:spPr>
+          <a:xfrm>
+            <a:off x="205025" y="174466"/>
+            <a:ext cx="8565600" cy="466642"/>
+          </a:xfrm>
+          <a:prstGeom prst="rect">
+            <a:avLst/>
+          </a:prstGeom>
+          <a:ln w="12700">
+            <a:miter lim="400000"/>
+          </a:ln>
+          <a:extLst>
+            <a:ext uri="{C572A759-6A51-4108-AA02-DFA0A04FC94B}">
+              <ma14:wrappingTextBoxFlag xmlns:ma14="http://schemas.microsoft.com/office/mac/drawingml/2011/main" xmlns="" val="1"/>
+            </a:ext>
+          </a:extLst>
+        </p:spPr>
+        <p:txBody>
+          <a:bodyPr lIns="91424" tIns="91424" rIns="91424" bIns="91424">
+            <a:spAutoFit/>
+          </a:bodyPr>
+          <a:lstStyle>
+            <a:lvl1pPr>
+              <a:defRPr sz="2000" b="1">
+                <a:solidFill>
+                  <a:srgbClr val="FFFFFF"/>
+                </a:solidFill>
+              </a:defRPr>
+            </a:lvl1pPr>
+          </a:lstStyle>
+          <a:p>
+            <a:r>
+              <a:rPr dirty="0"/>
+              <a:t>Data Exploration</a:t>
+            </a:r>
+          </a:p>
+        </p:txBody>
+      </p:sp>
+      <p:sp>
+        <p:nvSpPr>
+          <p:cNvPr id="132" name="Shape 81"/>
+          <p:cNvSpPr/>
+          <p:nvPr/>
+        </p:nvSpPr>
+        <p:spPr>
+          <a:xfrm>
+            <a:off x="205025" y="1083299"/>
+            <a:ext cx="8565600" cy="508184"/>
+          </a:xfrm>
+          <a:prstGeom prst="rect">
+            <a:avLst/>
+          </a:prstGeom>
+          <a:ln w="12700">
+            <a:miter lim="400000"/>
+          </a:ln>
+          <a:extLst>
+            <a:ext uri="{C572A759-6A51-4108-AA02-DFA0A04FC94B}">
+              <ma14:wrappingTextBoxFlag xmlns:ma14="http://schemas.microsoft.com/office/mac/drawingml/2011/main" xmlns="" val="1"/>
+            </a:ext>
+          </a:extLst>
+        </p:spPr>
+        <p:txBody>
+          <a:bodyPr lIns="91424" tIns="91424" rIns="91424" bIns="91424">
+            <a:spAutoFit/>
+          </a:bodyPr>
+          <a:lstStyle>
+            <a:lvl1pPr>
+              <a:lnSpc>
+                <a:spcPct val="115000"/>
+              </a:lnSpc>
+              <a:defRPr sz="2000" b="1">
+                <a:latin typeface="Open Sans"/>
+                <a:ea typeface="Open Sans"/>
+                <a:cs typeface="Open Sans"/>
+                <a:sym typeface="Open Sans"/>
+              </a:defRPr>
+            </a:lvl1pPr>
+          </a:lstStyle>
+          <a:p>
+            <a:r>
+              <a:rPr lang="en-CA" dirty="0"/>
+              <a:t>Car Ownership By State</a:t>
+            </a:r>
+            <a:endParaRPr dirty="0"/>
+          </a:p>
+        </p:txBody>
+      </p:sp>
+      <p:sp>
+        <p:nvSpPr>
+          <p:cNvPr id="133" name="Shape 82"/>
+          <p:cNvSpPr/>
+          <p:nvPr/>
+        </p:nvSpPr>
+        <p:spPr>
+          <a:xfrm>
+            <a:off x="205025" y="1909598"/>
+            <a:ext cx="4134600" cy="1489093"/>
+          </a:xfrm>
+          <a:prstGeom prst="rect">
+            <a:avLst/>
+          </a:prstGeom>
+          <a:ln w="12700">
+            <a:miter lim="400000"/>
+          </a:ln>
+          <a:extLst>
+            <a:ext uri="{C572A759-6A51-4108-AA02-DFA0A04FC94B}">
+              <ma14:wrappingTextBoxFlag xmlns:ma14="http://schemas.microsoft.com/office/mac/drawingml/2011/main" xmlns="" val="1"/>
+            </a:ext>
+          </a:extLst>
+        </p:spPr>
+        <p:txBody>
+          <a:bodyPr lIns="91424" tIns="91424" rIns="91424" bIns="91424">
+            <a:spAutoFit/>
+          </a:bodyPr>
+          <a:lstStyle>
+            <a:lvl1pPr>
+              <a:lnSpc>
+                <a:spcPct val="115000"/>
+              </a:lnSpc>
+              <a:defRPr sz="1500">
+                <a:latin typeface="Open Sans"/>
+                <a:ea typeface="Open Sans"/>
+                <a:cs typeface="Open Sans"/>
+                <a:sym typeface="Open Sans"/>
+              </a:defRPr>
+            </a:lvl1pPr>
+          </a:lstStyle>
+          <a:p>
+            <a:pPr marL="285750" indent="-285750">
+              <a:buFont typeface="Arial" panose="020B0604020202020204" pitchFamily="34" charset="0"/>
+              <a:buChar char="•"/>
+            </a:pPr>
+            <a:r>
+              <a:rPr lang="en-CA" dirty="0"/>
+              <a:t>Most customers from New South Wales (NSW) don’t own a vehicle</a:t>
+            </a:r>
+          </a:p>
+          <a:p>
+            <a:pPr marL="285750" indent="-285750">
+              <a:buFont typeface="Arial" panose="020B0604020202020204" pitchFamily="34" charset="0"/>
+              <a:buChar char="•"/>
+            </a:pPr>
+            <a:endParaRPr lang="en-CA" dirty="0"/>
+          </a:p>
+          <a:p>
+            <a:pPr marL="285750" indent="-285750">
+              <a:buFont typeface="Arial" panose="020B0604020202020204" pitchFamily="34" charset="0"/>
+              <a:buChar char="•"/>
+            </a:pPr>
+            <a:r>
+              <a:rPr lang="en-CA" dirty="0"/>
+              <a:t>Could allocate more resources on the NSW region</a:t>
+            </a:r>
+            <a:endParaRPr dirty="0"/>
+          </a:p>
+        </p:txBody>
+      </p:sp>
+      <p:pic>
+        <p:nvPicPr>
+          <p:cNvPr id="5" name="Picture 4" descr="A picture containing screenshot&#10;&#10;Description automatically generated">
+            <a:extLst>
+              <a:ext uri="{FF2B5EF4-FFF2-40B4-BE49-F238E27FC236}">
+                <a16:creationId xmlns:a16="http://schemas.microsoft.com/office/drawing/2014/main" id="{3B95DF14-0722-45A9-A358-1B25FD4B1663}"/>
+              </a:ext>
+            </a:extLst>
+          </p:cNvPr>
+          <p:cNvPicPr>
+            <a:picLocks noChangeAspect="1"/>
+          </p:cNvPicPr>
+          <p:nvPr/>
+        </p:nvPicPr>
+        <p:blipFill rotWithShape="1">
+          <a:blip r:embed="rId2" cstate="print">
+            <a:extLst>
+              <a:ext uri="{28A0092B-C50C-407E-A947-70E740481C1C}">
+                <a14:useLocalDpi xmlns:a14="http://schemas.microsoft.com/office/drawing/2010/main" val="0"/>
+              </a:ext>
+            </a:extLst>
+          </a:blip>
+          <a:srcRect l="7647" t="7868" r="9191" b="6103"/>
+          <a:stretch/>
+        </p:blipFill>
+        <p:spPr>
+          <a:xfrm>
+            <a:off x="4580199" y="2987797"/>
+            <a:ext cx="4245951" cy="2144807"/>
+          </a:xfrm>
+          <a:prstGeom prst="rect">
+            <a:avLst/>
+          </a:prstGeom>
+        </p:spPr>
+      </p:pic>
+      <p:pic>
+        <p:nvPicPr>
+          <p:cNvPr id="11" name="Picture 10">
+            <a:extLst>
+              <a:ext uri="{FF2B5EF4-FFF2-40B4-BE49-F238E27FC236}">
+                <a16:creationId xmlns:a16="http://schemas.microsoft.com/office/drawing/2014/main" id="{2FDAF631-1947-41E4-BE45-6AA26FE80A4E}"/>
+              </a:ext>
+            </a:extLst>
+          </p:cNvPr>
+          <p:cNvPicPr>
+            <a:picLocks noChangeAspect="1"/>
+          </p:cNvPicPr>
+          <p:nvPr/>
+        </p:nvPicPr>
+        <p:blipFill rotWithShape="1">
+          <a:blip r:embed="rId3" cstate="print">
+            <a:extLst>
+              <a:ext uri="{28A0092B-C50C-407E-A947-70E740481C1C}">
+                <a14:useLocalDpi xmlns:a14="http://schemas.microsoft.com/office/drawing/2010/main" val="0"/>
+              </a:ext>
+            </a:extLst>
+          </a:blip>
+          <a:srcRect l="8235" t="7427" r="9338" b="5515"/>
+          <a:stretch/>
+        </p:blipFill>
+        <p:spPr>
+          <a:xfrm>
+            <a:off x="4572000" y="765184"/>
+            <a:ext cx="4245951" cy="2242286"/>
+          </a:xfrm>
+          <a:prstGeom prst="rect">
+            <a:avLst/>
+          </a:prstGeom>
+        </p:spPr>
+      </p:pic>
+    </p:spTree>
+    <p:extLst>
+      <p:ext uri="{BB962C8B-B14F-4D97-AF65-F5344CB8AC3E}">
+        <p14:creationId xmlns:p14="http://schemas.microsoft.com/office/powerpoint/2010/main" val="2799254130"/>
+      </p:ext>
+    </p:extLst>
+  </p:cSld>
+  <p:clrMapOvr>
+    <a:masterClrMapping/>
+  </p:clrMapOvr>
+  <p:transition spd="med"/>
 </p:sld>
 </file>
 
 <file path=ppt/theme/theme1.xml><?xml version="1.0" encoding="utf-8"?>
-<a:theme xmlns:a="http://schemas.openxmlformats.org/drawingml/2006/main" xmlns:r="http://schemas.openxmlformats.org/officeDocument/2006/relationships" name="Simple Light">
+<a:theme xmlns:a="http://schemas.openxmlformats.org/drawingml/2006/main" name="Simple Light">
   <a:themeElements>
     <a:clrScheme name="Simple Light">
       <a:dk1>
@@ -5447,7 +7473,7 @@
       <a:effectStyleLst>
         <a:effectStyle>
           <a:effectLst>
-            <a:outerShdw sx="100000" sy="100000" kx="0" ky="0" algn="b" rotWithShape="0" blurRad="38100" dist="23000" dir="5400000">
+            <a:outerShdw blurRad="38100" dist="23000" dir="5400000" rotWithShape="0">
               <a:srgbClr val="000000">
                 <a:alpha val="35000"/>
               </a:srgbClr>
@@ -5456,7 +7482,7 @@
         </a:effectStyle>
         <a:effectStyle>
           <a:effectLst>
-            <a:outerShdw sx="100000" sy="100000" kx="0" ky="0" algn="b" rotWithShape="0" blurRad="38100" dist="23000" dir="5400000">
+            <a:outerShdw blurRad="38100" dist="23000" dir="5400000" rotWithShape="0">
               <a:srgbClr val="000000">
                 <a:alpha val="35000"/>
               </a:srgbClr>
@@ -5465,7 +7491,7 @@
         </a:effectStyle>
         <a:effectStyle>
           <a:effectLst>
-            <a:outerShdw sx="100000" sy="100000" kx="0" ky="0" algn="b" rotWithShape="0" blurRad="38100" dist="20000" dir="5400000">
+            <a:outerShdw blurRad="38100" dist="20000" dir="5400000" rotWithShape="0">
               <a:srgbClr val="000000">
                 <a:alpha val="38000"/>
               </a:srgbClr>
@@ -5539,7 +7565,7 @@
           <a:round/>
         </a:ln>
         <a:effectLst>
-          <a:outerShdw sx="100000" sy="100000" kx="0" ky="0" algn="b" rotWithShape="0" blurRad="38100" dist="23000" dir="5400000">
+          <a:outerShdw blurRad="38100" dist="23000" dir="5400000" rotWithShape="0">
             <a:srgbClr val="000000">
               <a:alpha val="35000"/>
             </a:srgbClr>
@@ -5547,7 +7573,7 @@
         </a:effectLst>
         <a:sp3d/>
       </a:spPr>
-      <a:bodyPr rot="0" spcFirstLastPara="1" vertOverflow="overflow" horzOverflow="overflow" vert="horz" wrap="square" lIns="45719" tIns="45719" rIns="45719" bIns="45719" numCol="1" spcCol="38100" rtlCol="0" anchor="ctr" upright="0">
+      <a:bodyPr rot="0" spcFirstLastPara="1" vertOverflow="overflow" horzOverflow="overflow" vert="horz" wrap="square" lIns="45719" tIns="45719" rIns="45719" bIns="45719" numCol="1" spcCol="38100" rtlCol="0" anchor="ctr">
         <a:spAutoFit/>
       </a:bodyPr>
       <a:lstStyle>
@@ -5566,7 +7592,7 @@
           <a:buFontTx/>
           <a:buNone/>
           <a:tabLst/>
-          <a:defRPr b="0" baseline="0" cap="none" i="0" spc="0" strike="noStrike" sz="1400" u="none" kumimoji="0" normalizeH="0">
+          <a:defRPr kumimoji="0" sz="1400" b="0" i="0" u="none" strike="noStrike" cap="none" spc="0" normalizeH="0" baseline="0">
             <a:ln>
               <a:noFill/>
             </a:ln>
@@ -5596,7 +7622,7 @@
           <a:buFontTx/>
           <a:buNone/>
           <a:tabLst/>
-          <a:defRPr b="0" baseline="0" cap="none" i="0" spc="0" strike="noStrike" sz="1800" u="none" kumimoji="0" normalizeH="0">
+          <a:defRPr kumimoji="0" sz="1800" b="0" i="0" u="none" strike="noStrike" cap="none" spc="0" normalizeH="0" baseline="0">
             <a:ln>
               <a:noFill/>
             </a:ln>
@@ -5622,7 +7648,7 @@
           <a:buFontTx/>
           <a:buNone/>
           <a:tabLst/>
-          <a:defRPr b="0" baseline="0" cap="none" i="0" spc="0" strike="noStrike" sz="1800" u="none" kumimoji="0" normalizeH="0">
+          <a:defRPr kumimoji="0" sz="1800" b="0" i="0" u="none" strike="noStrike" cap="none" spc="0" normalizeH="0" baseline="0">
             <a:ln>
               <a:noFill/>
             </a:ln>
@@ -5648,7 +7674,7 @@
           <a:buFontTx/>
           <a:buNone/>
           <a:tabLst/>
-          <a:defRPr b="0" baseline="0" cap="none" i="0" spc="0" strike="noStrike" sz="1800" u="none" kumimoji="0" normalizeH="0">
+          <a:defRPr kumimoji="0" sz="1800" b="0" i="0" u="none" strike="noStrike" cap="none" spc="0" normalizeH="0" baseline="0">
             <a:ln>
               <a:noFill/>
             </a:ln>
@@ -5674,7 +7700,7 @@
           <a:buFontTx/>
           <a:buNone/>
           <a:tabLst/>
-          <a:defRPr b="0" baseline="0" cap="none" i="0" spc="0" strike="noStrike" sz="1800" u="none" kumimoji="0" normalizeH="0">
+          <a:defRPr kumimoji="0" sz="1800" b="0" i="0" u="none" strike="noStrike" cap="none" spc="0" normalizeH="0" baseline="0">
             <a:ln>
               <a:noFill/>
             </a:ln>
@@ -5700,7 +7726,7 @@
           <a:buFontTx/>
           <a:buNone/>
           <a:tabLst/>
-          <a:defRPr b="0" baseline="0" cap="none" i="0" spc="0" strike="noStrike" sz="1800" u="none" kumimoji="0" normalizeH="0">
+          <a:defRPr kumimoji="0" sz="1800" b="0" i="0" u="none" strike="noStrike" cap="none" spc="0" normalizeH="0" baseline="0">
             <a:ln>
               <a:noFill/>
             </a:ln>
@@ -5726,7 +7752,7 @@
           <a:buFontTx/>
           <a:buNone/>
           <a:tabLst/>
-          <a:defRPr b="0" baseline="0" cap="none" i="0" spc="0" strike="noStrike" sz="1800" u="none" kumimoji="0" normalizeH="0">
+          <a:defRPr kumimoji="0" sz="1800" b="0" i="0" u="none" strike="noStrike" cap="none" spc="0" normalizeH="0" baseline="0">
             <a:ln>
               <a:noFill/>
             </a:ln>
@@ -5752,7 +7778,7 @@
           <a:buFontTx/>
           <a:buNone/>
           <a:tabLst/>
-          <a:defRPr b="0" baseline="0" cap="none" i="0" spc="0" strike="noStrike" sz="1800" u="none" kumimoji="0" normalizeH="0">
+          <a:defRPr kumimoji="0" sz="1800" b="0" i="0" u="none" strike="noStrike" cap="none" spc="0" normalizeH="0" baseline="0">
             <a:ln>
               <a:noFill/>
             </a:ln>
@@ -5778,7 +7804,7 @@
           <a:buFontTx/>
           <a:buNone/>
           <a:tabLst/>
-          <a:defRPr b="0" baseline="0" cap="none" i="0" spc="0" strike="noStrike" sz="1800" u="none" kumimoji="0" normalizeH="0">
+          <a:defRPr kumimoji="0" sz="1800" b="0" i="0" u="none" strike="noStrike" cap="none" spc="0" normalizeH="0" baseline="0">
             <a:ln>
               <a:noFill/>
             </a:ln>
@@ -5804,7 +7830,7 @@
           <a:buFontTx/>
           <a:buNone/>
           <a:tabLst/>
-          <a:defRPr b="0" baseline="0" cap="none" i="0" spc="0" strike="noStrike" sz="1800" u="none" kumimoji="0" normalizeH="0">
+          <a:defRPr kumimoji="0" sz="1800" b="0" i="0" u="none" strike="noStrike" cap="none" spc="0" normalizeH="0" baseline="0">
             <a:ln>
               <a:noFill/>
             </a:ln>
@@ -5817,9 +7843,15 @@
         </a:lvl9pPr>
       </a:lstStyle>
       <a:style>
-        <a:lnRef idx="0"/>
-        <a:fillRef idx="0"/>
-        <a:effectRef idx="0"/>
+        <a:lnRef idx="0">
+          <a:scrgbClr r="0" g="0" b="0"/>
+        </a:lnRef>
+        <a:fillRef idx="0">
+          <a:scrgbClr r="0" g="0" b="0"/>
+        </a:fillRef>
+        <a:effectRef idx="0">
+          <a:scrgbClr r="0" g="0" b="0"/>
+        </a:effectRef>
         <a:fontRef idx="none"/>
       </a:style>
     </a:spDef>
@@ -5834,7 +7866,7 @@
           <a:round/>
         </a:ln>
         <a:effectLst>
-          <a:outerShdw sx="100000" sy="100000" kx="0" ky="0" algn="b" rotWithShape="0" blurRad="38100" dist="20000" dir="5400000">
+          <a:outerShdw blurRad="38100" dist="20000" dir="5400000" rotWithShape="0">
             <a:srgbClr val="000000">
               <a:alpha val="38000"/>
             </a:srgbClr>
@@ -5842,7 +7874,7 @@
         </a:effectLst>
         <a:sp3d/>
       </a:spPr>
-      <a:bodyPr rot="0" spcFirstLastPara="1" vertOverflow="overflow" horzOverflow="overflow" vert="horz" wrap="square" lIns="91439" tIns="45719" rIns="91439" bIns="45719" numCol="1" spcCol="38100" rtlCol="0" anchor="t" upright="0">
+      <a:bodyPr rot="0" spcFirstLastPara="1" vertOverflow="overflow" horzOverflow="overflow" vert="horz" wrap="square" lIns="91439" tIns="45719" rIns="91439" bIns="45719" numCol="1" spcCol="38100" rtlCol="0" anchor="t">
         <a:noAutofit/>
       </a:bodyPr>
       <a:lstStyle>
@@ -5861,7 +7893,7 @@
           <a:buFontTx/>
           <a:buNone/>
           <a:tabLst/>
-          <a:defRPr b="0" baseline="0" cap="none" i="0" spc="0" strike="noStrike" sz="1800" u="none" kumimoji="0" normalizeH="0">
+          <a:defRPr kumimoji="0" sz="1800" b="0" i="0" u="none" strike="noStrike" cap="none" spc="0" normalizeH="0" baseline="0">
             <a:ln>
               <a:noFill/>
             </a:ln>
@@ -5887,7 +7919,7 @@
           <a:buFontTx/>
           <a:buNone/>
           <a:tabLst/>
-          <a:defRPr b="0" baseline="0" cap="none" i="0" spc="0" strike="noStrike" sz="1800" u="none" kumimoji="0" normalizeH="0">
+          <a:defRPr kumimoji="0" sz="1800" b="0" i="0" u="none" strike="noStrike" cap="none" spc="0" normalizeH="0" baseline="0">
             <a:ln>
               <a:noFill/>
             </a:ln>
@@ -5913,7 +7945,7 @@
           <a:buFontTx/>
           <a:buNone/>
           <a:tabLst/>
-          <a:defRPr b="0" baseline="0" cap="none" i="0" spc="0" strike="noStrike" sz="1800" u="none" kumimoji="0" normalizeH="0">
+          <a:defRPr kumimoji="0" sz="1800" b="0" i="0" u="none" strike="noStrike" cap="none" spc="0" normalizeH="0" baseline="0">
             <a:ln>
               <a:noFill/>
             </a:ln>
@@ -5939,7 +7971,7 @@
           <a:buFontTx/>
           <a:buNone/>
           <a:tabLst/>
-          <a:defRPr b="0" baseline="0" cap="none" i="0" spc="0" strike="noStrike" sz="1800" u="none" kumimoji="0" normalizeH="0">
+          <a:defRPr kumimoji="0" sz="1800" b="0" i="0" u="none" strike="noStrike" cap="none" spc="0" normalizeH="0" baseline="0">
             <a:ln>
               <a:noFill/>
             </a:ln>
@@ -5965,7 +7997,7 @@
           <a:buFontTx/>
           <a:buNone/>
           <a:tabLst/>
-          <a:defRPr b="0" baseline="0" cap="none" i="0" spc="0" strike="noStrike" sz="1800" u="none" kumimoji="0" normalizeH="0">
+          <a:defRPr kumimoji="0" sz="1800" b="0" i="0" u="none" strike="noStrike" cap="none" spc="0" normalizeH="0" baseline="0">
             <a:ln>
               <a:noFill/>
             </a:ln>
@@ -5991,7 +8023,7 @@
           <a:buFontTx/>
           <a:buNone/>
           <a:tabLst/>
-          <a:defRPr b="0" baseline="0" cap="none" i="0" spc="0" strike="noStrike" sz="1800" u="none" kumimoji="0" normalizeH="0">
+          <a:defRPr kumimoji="0" sz="1800" b="0" i="0" u="none" strike="noStrike" cap="none" spc="0" normalizeH="0" baseline="0">
             <a:ln>
               <a:noFill/>
             </a:ln>
@@ -6017,7 +8049,7 @@
           <a:buFontTx/>
           <a:buNone/>
           <a:tabLst/>
-          <a:defRPr b="0" baseline="0" cap="none" i="0" spc="0" strike="noStrike" sz="1800" u="none" kumimoji="0" normalizeH="0">
+          <a:defRPr kumimoji="0" sz="1800" b="0" i="0" u="none" strike="noStrike" cap="none" spc="0" normalizeH="0" baseline="0">
             <a:ln>
               <a:noFill/>
             </a:ln>
@@ -6043,7 +8075,7 @@
           <a:buFontTx/>
           <a:buNone/>
           <a:tabLst/>
-          <a:defRPr b="0" baseline="0" cap="none" i="0" spc="0" strike="noStrike" sz="1800" u="none" kumimoji="0" normalizeH="0">
+          <a:defRPr kumimoji="0" sz="1800" b="0" i="0" u="none" strike="noStrike" cap="none" spc="0" normalizeH="0" baseline="0">
             <a:ln>
               <a:noFill/>
             </a:ln>
@@ -6069,7 +8101,7 @@
           <a:buFontTx/>
           <a:buNone/>
           <a:tabLst/>
-          <a:defRPr b="0" baseline="0" cap="none" i="0" spc="0" strike="noStrike" sz="1800" u="none" kumimoji="0" normalizeH="0">
+          <a:defRPr kumimoji="0" sz="1800" b="0" i="0" u="none" strike="noStrike" cap="none" spc="0" normalizeH="0" baseline="0">
             <a:ln>
               <a:noFill/>
             </a:ln>
@@ -6095,7 +8127,7 @@
           <a:buFontTx/>
           <a:buNone/>
           <a:tabLst/>
-          <a:defRPr b="0" baseline="0" cap="none" i="0" spc="0" strike="noStrike" sz="1800" u="none" kumimoji="0" normalizeH="0">
+          <a:defRPr kumimoji="0" sz="1800" b="0" i="0" u="none" strike="noStrike" cap="none" spc="0" normalizeH="0" baseline="0">
             <a:ln>
               <a:noFill/>
             </a:ln>
@@ -6108,9 +8140,15 @@
         </a:lvl9pPr>
       </a:lstStyle>
       <a:style>
-        <a:lnRef idx="0"/>
-        <a:fillRef idx="0"/>
-        <a:effectRef idx="0"/>
+        <a:lnRef idx="0">
+          <a:scrgbClr r="0" g="0" b="0"/>
+        </a:lnRef>
+        <a:fillRef idx="0">
+          <a:scrgbClr r="0" g="0" b="0"/>
+        </a:fillRef>
+        <a:effectRef idx="0">
+          <a:scrgbClr r="0" g="0" b="0"/>
+        </a:effectRef>
         <a:fontRef idx="none"/>
       </a:style>
     </a:lnDef>
@@ -6124,7 +8162,7 @@
         <a:effectLst/>
         <a:sp3d/>
       </a:spPr>
-      <a:bodyPr rot="0" spcFirstLastPara="1" vertOverflow="overflow" horzOverflow="overflow" vert="horz" wrap="square" lIns="45719" tIns="45719" rIns="45719" bIns="45719" numCol="1" spcCol="38100" rtlCol="0" anchor="t" upright="0">
+      <a:bodyPr rot="0" spcFirstLastPara="1" vertOverflow="overflow" horzOverflow="overflow" vert="horz" wrap="square" lIns="45719" tIns="45719" rIns="45719" bIns="45719" numCol="1" spcCol="38100" rtlCol="0" anchor="t">
         <a:spAutoFit/>
       </a:bodyPr>
       <a:lstStyle>
@@ -6143,7 +8181,7 @@
           <a:buFontTx/>
           <a:buNone/>
           <a:tabLst/>
-          <a:defRPr b="0" baseline="0" cap="none" i="0" spc="0" strike="noStrike" sz="1400" u="none" kumimoji="0" normalizeH="0">
+          <a:defRPr kumimoji="0" sz="1400" b="0" i="0" u="none" strike="noStrike" cap="none" spc="0" normalizeH="0" baseline="0">
             <a:ln>
               <a:noFill/>
             </a:ln>
@@ -6173,7 +8211,7 @@
           <a:buFontTx/>
           <a:buNone/>
           <a:tabLst/>
-          <a:defRPr b="0" baseline="0" cap="none" i="0" spc="0" strike="noStrike" sz="1800" u="none" kumimoji="0" normalizeH="0">
+          <a:defRPr kumimoji="0" sz="1800" b="0" i="0" u="none" strike="noStrike" cap="none" spc="0" normalizeH="0" baseline="0">
             <a:ln>
               <a:noFill/>
             </a:ln>
@@ -6199,7 +8237,7 @@
           <a:buFontTx/>
           <a:buNone/>
           <a:tabLst/>
-          <a:defRPr b="0" baseline="0" cap="none" i="0" spc="0" strike="noStrike" sz="1800" u="none" kumimoji="0" normalizeH="0">
+          <a:defRPr kumimoji="0" sz="1800" b="0" i="0" u="none" strike="noStrike" cap="none" spc="0" normalizeH="0" baseline="0">
             <a:ln>
               <a:noFill/>
             </a:ln>
@@ -6225,7 +8263,7 @@
           <a:buFontTx/>
           <a:buNone/>
           <a:tabLst/>
-          <a:defRPr b="0" baseline="0" cap="none" i="0" spc="0" strike="noStrike" sz="1800" u="none" kumimoji="0" normalizeH="0">
+          <a:defRPr kumimoji="0" sz="1800" b="0" i="0" u="none" strike="noStrike" cap="none" spc="0" normalizeH="0" baseline="0">
             <a:ln>
               <a:noFill/>
             </a:ln>
@@ -6251,7 +8289,7 @@
           <a:buFontTx/>
           <a:buNone/>
           <a:tabLst/>
-          <a:defRPr b="0" baseline="0" cap="none" i="0" spc="0" strike="noStrike" sz="1800" u="none" kumimoji="0" normalizeH="0">
+          <a:defRPr kumimoji="0" sz="1800" b="0" i="0" u="none" strike="noStrike" cap="none" spc="0" normalizeH="0" baseline="0">
             <a:ln>
               <a:noFill/>
             </a:ln>
@@ -6277,7 +8315,7 @@
           <a:buFontTx/>
           <a:buNone/>
           <a:tabLst/>
-          <a:defRPr b="0" baseline="0" cap="none" i="0" spc="0" strike="noStrike" sz="1800" u="none" kumimoji="0" normalizeH="0">
+          <a:defRPr kumimoji="0" sz="1800" b="0" i="0" u="none" strike="noStrike" cap="none" spc="0" normalizeH="0" baseline="0">
             <a:ln>
               <a:noFill/>
             </a:ln>
@@ -6303,7 +8341,7 @@
           <a:buFontTx/>
           <a:buNone/>
           <a:tabLst/>
-          <a:defRPr b="0" baseline="0" cap="none" i="0" spc="0" strike="noStrike" sz="1800" u="none" kumimoji="0" normalizeH="0">
+          <a:defRPr kumimoji="0" sz="1800" b="0" i="0" u="none" strike="noStrike" cap="none" spc="0" normalizeH="0" baseline="0">
             <a:ln>
               <a:noFill/>
             </a:ln>
@@ -6329,7 +8367,7 @@
           <a:buFontTx/>
           <a:buNone/>
           <a:tabLst/>
-          <a:defRPr b="0" baseline="0" cap="none" i="0" spc="0" strike="noStrike" sz="1800" u="none" kumimoji="0" normalizeH="0">
+          <a:defRPr kumimoji="0" sz="1800" b="0" i="0" u="none" strike="noStrike" cap="none" spc="0" normalizeH="0" baseline="0">
             <a:ln>
               <a:noFill/>
             </a:ln>
@@ -6355,7 +8393,7 @@
           <a:buFontTx/>
           <a:buNone/>
           <a:tabLst/>
-          <a:defRPr b="0" baseline="0" cap="none" i="0" spc="0" strike="noStrike" sz="1800" u="none" kumimoji="0" normalizeH="0">
+          <a:defRPr kumimoji="0" sz="1800" b="0" i="0" u="none" strike="noStrike" cap="none" spc="0" normalizeH="0" baseline="0">
             <a:ln>
               <a:noFill/>
             </a:ln>
@@ -6381,7 +8419,7 @@
           <a:buFontTx/>
           <a:buNone/>
           <a:tabLst/>
-          <a:defRPr b="0" baseline="0" cap="none" i="0" spc="0" strike="noStrike" sz="1800" u="none" kumimoji="0" normalizeH="0">
+          <a:defRPr kumimoji="0" sz="1800" b="0" i="0" u="none" strike="noStrike" cap="none" spc="0" normalizeH="0" baseline="0">
             <a:ln>
               <a:noFill/>
             </a:ln>
@@ -6394,18 +8432,25 @@
         </a:lvl9pPr>
       </a:lstStyle>
       <a:style>
-        <a:lnRef idx="0"/>
-        <a:fillRef idx="0"/>
-        <a:effectRef idx="0"/>
+        <a:lnRef idx="0">
+          <a:scrgbClr r="0" g="0" b="0"/>
+        </a:lnRef>
+        <a:fillRef idx="0">
+          <a:scrgbClr r="0" g="0" b="0"/>
+        </a:fillRef>
+        <a:effectRef idx="0">
+          <a:scrgbClr r="0" g="0" b="0"/>
+        </a:effectRef>
         <a:fontRef idx="none"/>
       </a:style>
     </a:txDef>
   </a:objectDefaults>
+  <a:extraClrSchemeLst/>
 </a:theme>
 </file>
 
 <file path=ppt/theme/theme2.xml><?xml version="1.0" encoding="utf-8"?>
-<a:theme xmlns:a="http://schemas.openxmlformats.org/drawingml/2006/main" xmlns:r="http://schemas.openxmlformats.org/officeDocument/2006/relationships" name="Simple Light">
+<a:theme xmlns:a="http://schemas.openxmlformats.org/drawingml/2006/main" name="Simple Light">
   <a:themeElements>
     <a:clrScheme name="Simple Light">
       <a:dk1>
@@ -6531,7 +8576,7 @@
       <a:effectStyleLst>
         <a:effectStyle>
           <a:effectLst>
-            <a:outerShdw sx="100000" sy="100000" kx="0" ky="0" algn="b" rotWithShape="0" blurRad="38100" dist="23000" dir="5400000">
+            <a:outerShdw blurRad="38100" dist="23000" dir="5400000" rotWithShape="0">
               <a:srgbClr val="000000">
                 <a:alpha val="35000"/>
               </a:srgbClr>
@@ -6540,7 +8585,7 @@
         </a:effectStyle>
         <a:effectStyle>
           <a:effectLst>
-            <a:outerShdw sx="100000" sy="100000" kx="0" ky="0" algn="b" rotWithShape="0" blurRad="38100" dist="23000" dir="5400000">
+            <a:outerShdw blurRad="38100" dist="23000" dir="5400000" rotWithShape="0">
               <a:srgbClr val="000000">
                 <a:alpha val="35000"/>
               </a:srgbClr>
@@ -6549,7 +8594,7 @@
         </a:effectStyle>
         <a:effectStyle>
           <a:effectLst>
-            <a:outerShdw sx="100000" sy="100000" kx="0" ky="0" algn="b" rotWithShape="0" blurRad="38100" dist="20000" dir="5400000">
+            <a:outerShdw blurRad="38100" dist="20000" dir="5400000" rotWithShape="0">
               <a:srgbClr val="000000">
                 <a:alpha val="38000"/>
               </a:srgbClr>
@@ -6623,7 +8668,7 @@
           <a:round/>
         </a:ln>
         <a:effectLst>
-          <a:outerShdw sx="100000" sy="100000" kx="0" ky="0" algn="b" rotWithShape="0" blurRad="38100" dist="23000" dir="5400000">
+          <a:outerShdw blurRad="38100" dist="23000" dir="5400000" rotWithShape="0">
             <a:srgbClr val="000000">
               <a:alpha val="35000"/>
             </a:srgbClr>
@@ -6631,7 +8676,7 @@
         </a:effectLst>
         <a:sp3d/>
       </a:spPr>
-      <a:bodyPr rot="0" spcFirstLastPara="1" vertOverflow="overflow" horzOverflow="overflow" vert="horz" wrap="square" lIns="45719" tIns="45719" rIns="45719" bIns="45719" numCol="1" spcCol="38100" rtlCol="0" anchor="ctr" upright="0">
+      <a:bodyPr rot="0" spcFirstLastPara="1" vertOverflow="overflow" horzOverflow="overflow" vert="horz" wrap="square" lIns="45719" tIns="45719" rIns="45719" bIns="45719" numCol="1" spcCol="38100" rtlCol="0" anchor="ctr">
         <a:spAutoFit/>
       </a:bodyPr>
       <a:lstStyle>
@@ -6650,7 +8695,7 @@
           <a:buFontTx/>
           <a:buNone/>
           <a:tabLst/>
-          <a:defRPr b="0" baseline="0" cap="none" i="0" spc="0" strike="noStrike" sz="1400" u="none" kumimoji="0" normalizeH="0">
+          <a:defRPr kumimoji="0" sz="1400" b="0" i="0" u="none" strike="noStrike" cap="none" spc="0" normalizeH="0" baseline="0">
             <a:ln>
               <a:noFill/>
             </a:ln>
@@ -6680,7 +8725,7 @@
           <a:buFontTx/>
           <a:buNone/>
           <a:tabLst/>
-          <a:defRPr b="0" baseline="0" cap="none" i="0" spc="0" strike="noStrike" sz="1800" u="none" kumimoji="0" normalizeH="0">
+          <a:defRPr kumimoji="0" sz="1800" b="0" i="0" u="none" strike="noStrike" cap="none" spc="0" normalizeH="0" baseline="0">
             <a:ln>
               <a:noFill/>
             </a:ln>
@@ -6706,7 +8751,7 @@
           <a:buFontTx/>
           <a:buNone/>
           <a:tabLst/>
-          <a:defRPr b="0" baseline="0" cap="none" i="0" spc="0" strike="noStrike" sz="1800" u="none" kumimoji="0" normalizeH="0">
+          <a:defRPr kumimoji="0" sz="1800" b="0" i="0" u="none" strike="noStrike" cap="none" spc="0" normalizeH="0" baseline="0">
             <a:ln>
               <a:noFill/>
             </a:ln>
@@ -6732,7 +8777,7 @@
           <a:buFontTx/>
           <a:buNone/>
           <a:tabLst/>
-          <a:defRPr b="0" baseline="0" cap="none" i="0" spc="0" strike="noStrike" sz="1800" u="none" kumimoji="0" normalizeH="0">
+          <a:defRPr kumimoji="0" sz="1800" b="0" i="0" u="none" strike="noStrike" cap="none" spc="0" normalizeH="0" baseline="0">
             <a:ln>
               <a:noFill/>
             </a:ln>
@@ -6758,7 +8803,7 @@
           <a:buFontTx/>
           <a:buNone/>
           <a:tabLst/>
-          <a:defRPr b="0" baseline="0" cap="none" i="0" spc="0" strike="noStrike" sz="1800" u="none" kumimoji="0" normalizeH="0">
+          <a:defRPr kumimoji="0" sz="1800" b="0" i="0" u="none" strike="noStrike" cap="none" spc="0" normalizeH="0" baseline="0">
             <a:ln>
               <a:noFill/>
             </a:ln>
@@ -6784,7 +8829,7 @@
           <a:buFontTx/>
           <a:buNone/>
           <a:tabLst/>
-          <a:defRPr b="0" baseline="0" cap="none" i="0" spc="0" strike="noStrike" sz="1800" u="none" kumimoji="0" normalizeH="0">
+          <a:defRPr kumimoji="0" sz="1800" b="0" i="0" u="none" strike="noStrike" cap="none" spc="0" normalizeH="0" baseline="0">
             <a:ln>
               <a:noFill/>
             </a:ln>
@@ -6810,7 +8855,7 @@
           <a:buFontTx/>
           <a:buNone/>
           <a:tabLst/>
-          <a:defRPr b="0" baseline="0" cap="none" i="0" spc="0" strike="noStrike" sz="1800" u="none" kumimoji="0" normalizeH="0">
+          <a:defRPr kumimoji="0" sz="1800" b="0" i="0" u="none" strike="noStrike" cap="none" spc="0" normalizeH="0" baseline="0">
             <a:ln>
               <a:noFill/>
             </a:ln>
@@ -6836,7 +8881,7 @@
           <a:buFontTx/>
           <a:buNone/>
           <a:tabLst/>
-          <a:defRPr b="0" baseline="0" cap="none" i="0" spc="0" strike="noStrike" sz="1800" u="none" kumimoji="0" normalizeH="0">
+          <a:defRPr kumimoji="0" sz="1800" b="0" i="0" u="none" strike="noStrike" cap="none" spc="0" normalizeH="0" baseline="0">
             <a:ln>
               <a:noFill/>
             </a:ln>
@@ -6862,7 +8907,7 @@
           <a:buFontTx/>
           <a:buNone/>
           <a:tabLst/>
-          <a:defRPr b="0" baseline="0" cap="none" i="0" spc="0" strike="noStrike" sz="1800" u="none" kumimoji="0" normalizeH="0">
+          <a:defRPr kumimoji="0" sz="1800" b="0" i="0" u="none" strike="noStrike" cap="none" spc="0" normalizeH="0" baseline="0">
             <a:ln>
               <a:noFill/>
             </a:ln>
@@ -6888,7 +8933,7 @@
           <a:buFontTx/>
           <a:buNone/>
           <a:tabLst/>
-          <a:defRPr b="0" baseline="0" cap="none" i="0" spc="0" strike="noStrike" sz="1800" u="none" kumimoji="0" normalizeH="0">
+          <a:defRPr kumimoji="0" sz="1800" b="0" i="0" u="none" strike="noStrike" cap="none" spc="0" normalizeH="0" baseline="0">
             <a:ln>
               <a:noFill/>
             </a:ln>
@@ -6901,9 +8946,15 @@
         </a:lvl9pPr>
       </a:lstStyle>
       <a:style>
-        <a:lnRef idx="0"/>
-        <a:fillRef idx="0"/>
-        <a:effectRef idx="0"/>
+        <a:lnRef idx="0">
+          <a:scrgbClr r="0" g="0" b="0"/>
+        </a:lnRef>
+        <a:fillRef idx="0">
+          <a:scrgbClr r="0" g="0" b="0"/>
+        </a:fillRef>
+        <a:effectRef idx="0">
+          <a:scrgbClr r="0" g="0" b="0"/>
+        </a:effectRef>
         <a:fontRef idx="none"/>
       </a:style>
     </a:spDef>
@@ -6918,7 +8969,7 @@
           <a:round/>
         </a:ln>
         <a:effectLst>
-          <a:outerShdw sx="100000" sy="100000" kx="0" ky="0" algn="b" rotWithShape="0" blurRad="38100" dist="20000" dir="5400000">
+          <a:outerShdw blurRad="38100" dist="20000" dir="5400000" rotWithShape="0">
             <a:srgbClr val="000000">
               <a:alpha val="38000"/>
             </a:srgbClr>
@@ -6926,7 +8977,7 @@
         </a:effectLst>
         <a:sp3d/>
       </a:spPr>
-      <a:bodyPr rot="0" spcFirstLastPara="1" vertOverflow="overflow" horzOverflow="overflow" vert="horz" wrap="square" lIns="91439" tIns="45719" rIns="91439" bIns="45719" numCol="1" spcCol="38100" rtlCol="0" anchor="t" upright="0">
+      <a:bodyPr rot="0" spcFirstLastPara="1" vertOverflow="overflow" horzOverflow="overflow" vert="horz" wrap="square" lIns="91439" tIns="45719" rIns="91439" bIns="45719" numCol="1" spcCol="38100" rtlCol="0" anchor="t">
         <a:noAutofit/>
       </a:bodyPr>
       <a:lstStyle>
@@ -6945,7 +8996,7 @@
           <a:buFontTx/>
           <a:buNone/>
           <a:tabLst/>
-          <a:defRPr b="0" baseline="0" cap="none" i="0" spc="0" strike="noStrike" sz="1800" u="none" kumimoji="0" normalizeH="0">
+          <a:defRPr kumimoji="0" sz="1800" b="0" i="0" u="none" strike="noStrike" cap="none" spc="0" normalizeH="0" baseline="0">
             <a:ln>
               <a:noFill/>
             </a:ln>
@@ -6971,7 +9022,7 @@
           <a:buFontTx/>
           <a:buNone/>
           <a:tabLst/>
-          <a:defRPr b="0" baseline="0" cap="none" i="0" spc="0" strike="noStrike" sz="1800" u="none" kumimoji="0" normalizeH="0">
+          <a:defRPr kumimoji="0" sz="1800" b="0" i="0" u="none" strike="noStrike" cap="none" spc="0" normalizeH="0" baseline="0">
             <a:ln>
               <a:noFill/>
             </a:ln>
@@ -6997,7 +9048,7 @@
           <a:buFontTx/>
           <a:buNone/>
           <a:tabLst/>
-          <a:defRPr b="0" baseline="0" cap="none" i="0" spc="0" strike="noStrike" sz="1800" u="none" kumimoji="0" normalizeH="0">
+          <a:defRPr kumimoji="0" sz="1800" b="0" i="0" u="none" strike="noStrike" cap="none" spc="0" normalizeH="0" baseline="0">
             <a:ln>
               <a:noFill/>
             </a:ln>
@@ -7023,7 +9074,7 @@
           <a:buFontTx/>
           <a:buNone/>
           <a:tabLst/>
-          <a:defRPr b="0" baseline="0" cap="none" i="0" spc="0" strike="noStrike" sz="1800" u="none" kumimoji="0" normalizeH="0">
+          <a:defRPr kumimoji="0" sz="1800" b="0" i="0" u="none" strike="noStrike" cap="none" spc="0" normalizeH="0" baseline="0">
             <a:ln>
               <a:noFill/>
             </a:ln>
@@ -7049,7 +9100,7 @@
           <a:buFontTx/>
           <a:buNone/>
           <a:tabLst/>
-          <a:defRPr b="0" baseline="0" cap="none" i="0" spc="0" strike="noStrike" sz="1800" u="none" kumimoji="0" normalizeH="0">
+          <a:defRPr kumimoji="0" sz="1800" b="0" i="0" u="none" strike="noStrike" cap="none" spc="0" normalizeH="0" baseline="0">
             <a:ln>
               <a:noFill/>
             </a:ln>
@@ -7075,7 +9126,7 @@
           <a:buFontTx/>
           <a:buNone/>
           <a:tabLst/>
-          <a:defRPr b="0" baseline="0" cap="none" i="0" spc="0" strike="noStrike" sz="1800" u="none" kumimoji="0" normalizeH="0">
+          <a:defRPr kumimoji="0" sz="1800" b="0" i="0" u="none" strike="noStrike" cap="none" spc="0" normalizeH="0" baseline="0">
             <a:ln>
               <a:noFill/>
             </a:ln>
@@ -7101,7 +9152,7 @@
           <a:buFontTx/>
           <a:buNone/>
           <a:tabLst/>
-          <a:defRPr b="0" baseline="0" cap="none" i="0" spc="0" strike="noStrike" sz="1800" u="none" kumimoji="0" normalizeH="0">
+          <a:defRPr kumimoji="0" sz="1800" b="0" i="0" u="none" strike="noStrike" cap="none" spc="0" normalizeH="0" baseline="0">
             <a:ln>
               <a:noFill/>
             </a:ln>
@@ -7127,7 +9178,7 @@
           <a:buFontTx/>
           <a:buNone/>
           <a:tabLst/>
-          <a:defRPr b="0" baseline="0" cap="none" i="0" spc="0" strike="noStrike" sz="1800" u="none" kumimoji="0" normalizeH="0">
+          <a:defRPr kumimoji="0" sz="1800" b="0" i="0" u="none" strike="noStrike" cap="none" spc="0" normalizeH="0" baseline="0">
             <a:ln>
               <a:noFill/>
             </a:ln>
@@ -7153,7 +9204,7 @@
           <a:buFontTx/>
           <a:buNone/>
           <a:tabLst/>
-          <a:defRPr b="0" baseline="0" cap="none" i="0" spc="0" strike="noStrike" sz="1800" u="none" kumimoji="0" normalizeH="0">
+          <a:defRPr kumimoji="0" sz="1800" b="0" i="0" u="none" strike="noStrike" cap="none" spc="0" normalizeH="0" baseline="0">
             <a:ln>
               <a:noFill/>
             </a:ln>
@@ -7179,7 +9230,7 @@
           <a:buFontTx/>
           <a:buNone/>
           <a:tabLst/>
-          <a:defRPr b="0" baseline="0" cap="none" i="0" spc="0" strike="noStrike" sz="1800" u="none" kumimoji="0" normalizeH="0">
+          <a:defRPr kumimoji="0" sz="1800" b="0" i="0" u="none" strike="noStrike" cap="none" spc="0" normalizeH="0" baseline="0">
             <a:ln>
               <a:noFill/>
             </a:ln>
@@ -7192,9 +9243,15 @@
         </a:lvl9pPr>
       </a:lstStyle>
       <a:style>
-        <a:lnRef idx="0"/>
-        <a:fillRef idx="0"/>
-        <a:effectRef idx="0"/>
+        <a:lnRef idx="0">
+          <a:scrgbClr r="0" g="0" b="0"/>
+        </a:lnRef>
+        <a:fillRef idx="0">
+          <a:scrgbClr r="0" g="0" b="0"/>
+        </a:fillRef>
+        <a:effectRef idx="0">
+          <a:scrgbClr r="0" g="0" b="0"/>
+        </a:effectRef>
         <a:fontRef idx="none"/>
       </a:style>
     </a:lnDef>
@@ -7208,7 +9265,7 @@
         <a:effectLst/>
         <a:sp3d/>
       </a:spPr>
-      <a:bodyPr rot="0" spcFirstLastPara="1" vertOverflow="overflow" horzOverflow="overflow" vert="horz" wrap="square" lIns="45719" tIns="45719" rIns="45719" bIns="45719" numCol="1" spcCol="38100" rtlCol="0" anchor="t" upright="0">
+      <a:bodyPr rot="0" spcFirstLastPara="1" vertOverflow="overflow" horzOverflow="overflow" vert="horz" wrap="square" lIns="45719" tIns="45719" rIns="45719" bIns="45719" numCol="1" spcCol="38100" rtlCol="0" anchor="t">
         <a:spAutoFit/>
       </a:bodyPr>
       <a:lstStyle>
@@ -7227,7 +9284,7 @@
           <a:buFontTx/>
           <a:buNone/>
           <a:tabLst/>
-          <a:defRPr b="0" baseline="0" cap="none" i="0" spc="0" strike="noStrike" sz="1400" u="none" kumimoji="0" normalizeH="0">
+          <a:defRPr kumimoji="0" sz="1400" b="0" i="0" u="none" strike="noStrike" cap="none" spc="0" normalizeH="0" baseline="0">
             <a:ln>
               <a:noFill/>
             </a:ln>
@@ -7257,7 +9314,7 @@
           <a:buFontTx/>
           <a:buNone/>
           <a:tabLst/>
-          <a:defRPr b="0" baseline="0" cap="none" i="0" spc="0" strike="noStrike" sz="1800" u="none" kumimoji="0" normalizeH="0">
+          <a:defRPr kumimoji="0" sz="1800" b="0" i="0" u="none" strike="noStrike" cap="none" spc="0" normalizeH="0" baseline="0">
             <a:ln>
               <a:noFill/>
             </a:ln>
@@ -7283,7 +9340,7 @@
           <a:buFontTx/>
           <a:buNone/>
           <a:tabLst/>
-          <a:defRPr b="0" baseline="0" cap="none" i="0" spc="0" strike="noStrike" sz="1800" u="none" kumimoji="0" normalizeH="0">
+          <a:defRPr kumimoji="0" sz="1800" b="0" i="0" u="none" strike="noStrike" cap="none" spc="0" normalizeH="0" baseline="0">
             <a:ln>
               <a:noFill/>
             </a:ln>
@@ -7309,7 +9366,7 @@
           <a:buFontTx/>
           <a:buNone/>
           <a:tabLst/>
-          <a:defRPr b="0" baseline="0" cap="none" i="0" spc="0" strike="noStrike" sz="1800" u="none" kumimoji="0" normalizeH="0">
+          <a:defRPr kumimoji="0" sz="1800" b="0" i="0" u="none" strike="noStrike" cap="none" spc="0" normalizeH="0" baseline="0">
             <a:ln>
               <a:noFill/>
             </a:ln>
@@ -7335,7 +9392,7 @@
           <a:buFontTx/>
           <a:buNone/>
           <a:tabLst/>
-          <a:defRPr b="0" baseline="0" cap="none" i="0" spc="0" strike="noStrike" sz="1800" u="none" kumimoji="0" normalizeH="0">
+          <a:defRPr kumimoji="0" sz="1800" b="0" i="0" u="none" strike="noStrike" cap="none" spc="0" normalizeH="0" baseline="0">
             <a:ln>
               <a:noFill/>
             </a:ln>
@@ -7361,7 +9418,7 @@
           <a:buFontTx/>
           <a:buNone/>
           <a:tabLst/>
-          <a:defRPr b="0" baseline="0" cap="none" i="0" spc="0" strike="noStrike" sz="1800" u="none" kumimoji="0" normalizeH="0">
+          <a:defRPr kumimoji="0" sz="1800" b="0" i="0" u="none" strike="noStrike" cap="none" spc="0" normalizeH="0" baseline="0">
             <a:ln>
               <a:noFill/>
             </a:ln>
@@ -7387,7 +9444,7 @@
           <a:buFontTx/>
           <a:buNone/>
           <a:tabLst/>
-          <a:defRPr b="0" baseline="0" cap="none" i="0" spc="0" strike="noStrike" sz="1800" u="none" kumimoji="0" normalizeH="0">
+          <a:defRPr kumimoji="0" sz="1800" b="0" i="0" u="none" strike="noStrike" cap="none" spc="0" normalizeH="0" baseline="0">
             <a:ln>
               <a:noFill/>
             </a:ln>
@@ -7413,7 +9470,7 @@
           <a:buFontTx/>
           <a:buNone/>
           <a:tabLst/>
-          <a:defRPr b="0" baseline="0" cap="none" i="0" spc="0" strike="noStrike" sz="1800" u="none" kumimoji="0" normalizeH="0">
+          <a:defRPr kumimoji="0" sz="1800" b="0" i="0" u="none" strike="noStrike" cap="none" spc="0" normalizeH="0" baseline="0">
             <a:ln>
               <a:noFill/>
             </a:ln>
@@ -7439,7 +9496,7 @@
           <a:buFontTx/>
           <a:buNone/>
           <a:tabLst/>
-          <a:defRPr b="0" baseline="0" cap="none" i="0" spc="0" strike="noStrike" sz="1800" u="none" kumimoji="0" normalizeH="0">
+          <a:defRPr kumimoji="0" sz="1800" b="0" i="0" u="none" strike="noStrike" cap="none" spc="0" normalizeH="0" baseline="0">
             <a:ln>
               <a:noFill/>
             </a:ln>
@@ -7465,7 +9522,7 @@
           <a:buFontTx/>
           <a:buNone/>
           <a:tabLst/>
-          <a:defRPr b="0" baseline="0" cap="none" i="0" spc="0" strike="noStrike" sz="1800" u="none" kumimoji="0" normalizeH="0">
+          <a:defRPr kumimoji="0" sz="1800" b="0" i="0" u="none" strike="noStrike" cap="none" spc="0" normalizeH="0" baseline="0">
             <a:ln>
               <a:noFill/>
             </a:ln>
@@ -7478,12 +9535,19 @@
         </a:lvl9pPr>
       </a:lstStyle>
       <a:style>
-        <a:lnRef idx="0"/>
-        <a:fillRef idx="0"/>
-        <a:effectRef idx="0"/>
+        <a:lnRef idx="0">
+          <a:scrgbClr r="0" g="0" b="0"/>
+        </a:lnRef>
+        <a:fillRef idx="0">
+          <a:scrgbClr r="0" g="0" b="0"/>
+        </a:fillRef>
+        <a:effectRef idx="0">
+          <a:scrgbClr r="0" g="0" b="0"/>
+        </a:effectRef>
         <a:fontRef idx="none"/>
       </a:style>
     </a:txDef>
   </a:objectDefaults>
+  <a:extraClrSchemeLst/>
 </a:theme>
 </file>